--- a/ppt/Python_1_소개.pptx
+++ b/ppt/Python_1_소개.pptx
@@ -25,12 +25,11 @@
     <p:sldId id="268" r:id="rId19"/>
     <p:sldId id="269" r:id="rId20"/>
     <p:sldId id="292" r:id="rId21"/>
-    <p:sldId id="273" r:id="rId22"/>
-    <p:sldId id="274" r:id="rId23"/>
-    <p:sldId id="282" r:id="rId24"/>
-    <p:sldId id="275" r:id="rId25"/>
-    <p:sldId id="289" r:id="rId26"/>
-    <p:sldId id="290" r:id="rId27"/>
+    <p:sldId id="282" r:id="rId22"/>
+    <p:sldId id="293" r:id="rId23"/>
+    <p:sldId id="275" r:id="rId24"/>
+    <p:sldId id="289" r:id="rId25"/>
+    <p:sldId id="290" r:id="rId26"/>
   </p:sldIdLst>
   <p:sldSz cx="12192000" cy="6858000"/>
   <p:notesSz cx="6858000" cy="9144000"/>
@@ -268,7 +267,7 @@
           <a:p>
             <a:fld id="{F8379C41-D944-4FBF-B39D-3A6871AB0249}" type="datetimeFigureOut">
               <a:rPr lang="ko-KR" altLang="en-US" smtClean="0"/>
-              <a:t>2017-02-27</a:t>
+              <a:t>2018-02-26</a:t>
             </a:fld>
             <a:endParaRPr lang="ko-KR" altLang="en-US"/>
           </a:p>
@@ -438,7 +437,7 @@
           <a:p>
             <a:fld id="{F8379C41-D944-4FBF-B39D-3A6871AB0249}" type="datetimeFigureOut">
               <a:rPr lang="ko-KR" altLang="en-US" smtClean="0"/>
-              <a:t>2017-02-27</a:t>
+              <a:t>2018-02-26</a:t>
             </a:fld>
             <a:endParaRPr lang="ko-KR" altLang="en-US"/>
           </a:p>
@@ -618,7 +617,7 @@
           <a:p>
             <a:fld id="{F8379C41-D944-4FBF-B39D-3A6871AB0249}" type="datetimeFigureOut">
               <a:rPr lang="ko-KR" altLang="en-US" smtClean="0"/>
-              <a:t>2017-02-27</a:t>
+              <a:t>2018-02-26</a:t>
             </a:fld>
             <a:endParaRPr lang="ko-KR" altLang="en-US"/>
           </a:p>
@@ -788,7 +787,7 @@
           <a:p>
             <a:fld id="{F8379C41-D944-4FBF-B39D-3A6871AB0249}" type="datetimeFigureOut">
               <a:rPr lang="ko-KR" altLang="en-US" smtClean="0"/>
-              <a:t>2017-02-27</a:t>
+              <a:t>2018-02-26</a:t>
             </a:fld>
             <a:endParaRPr lang="ko-KR" altLang="en-US"/>
           </a:p>
@@ -1034,7 +1033,7 @@
           <a:p>
             <a:fld id="{F8379C41-D944-4FBF-B39D-3A6871AB0249}" type="datetimeFigureOut">
               <a:rPr lang="ko-KR" altLang="en-US" smtClean="0"/>
-              <a:t>2017-02-27</a:t>
+              <a:t>2018-02-26</a:t>
             </a:fld>
             <a:endParaRPr lang="ko-KR" altLang="en-US"/>
           </a:p>
@@ -1266,7 +1265,7 @@
           <a:p>
             <a:fld id="{F8379C41-D944-4FBF-B39D-3A6871AB0249}" type="datetimeFigureOut">
               <a:rPr lang="ko-KR" altLang="en-US" smtClean="0"/>
-              <a:t>2017-02-27</a:t>
+              <a:t>2018-02-26</a:t>
             </a:fld>
             <a:endParaRPr lang="ko-KR" altLang="en-US"/>
           </a:p>
@@ -1633,7 +1632,7 @@
           <a:p>
             <a:fld id="{F8379C41-D944-4FBF-B39D-3A6871AB0249}" type="datetimeFigureOut">
               <a:rPr lang="ko-KR" altLang="en-US" smtClean="0"/>
-              <a:t>2017-02-27</a:t>
+              <a:t>2018-02-26</a:t>
             </a:fld>
             <a:endParaRPr lang="ko-KR" altLang="en-US"/>
           </a:p>
@@ -1751,7 +1750,7 @@
           <a:p>
             <a:fld id="{F8379C41-D944-4FBF-B39D-3A6871AB0249}" type="datetimeFigureOut">
               <a:rPr lang="ko-KR" altLang="en-US" smtClean="0"/>
-              <a:t>2017-02-27</a:t>
+              <a:t>2018-02-26</a:t>
             </a:fld>
             <a:endParaRPr lang="ko-KR" altLang="en-US"/>
           </a:p>
@@ -1846,7 +1845,7 @@
           <a:p>
             <a:fld id="{F8379C41-D944-4FBF-B39D-3A6871AB0249}" type="datetimeFigureOut">
               <a:rPr lang="ko-KR" altLang="en-US" smtClean="0"/>
-              <a:t>2017-02-27</a:t>
+              <a:t>2018-02-26</a:t>
             </a:fld>
             <a:endParaRPr lang="ko-KR" altLang="en-US"/>
           </a:p>
@@ -2123,7 +2122,7 @@
           <a:p>
             <a:fld id="{F8379C41-D944-4FBF-B39D-3A6871AB0249}" type="datetimeFigureOut">
               <a:rPr lang="ko-KR" altLang="en-US" smtClean="0"/>
-              <a:t>2017-02-27</a:t>
+              <a:t>2018-02-26</a:t>
             </a:fld>
             <a:endParaRPr lang="ko-KR" altLang="en-US"/>
           </a:p>
@@ -2376,7 +2375,7 @@
           <a:p>
             <a:fld id="{F8379C41-D944-4FBF-B39D-3A6871AB0249}" type="datetimeFigureOut">
               <a:rPr lang="ko-KR" altLang="en-US" smtClean="0"/>
-              <a:t>2017-02-27</a:t>
+              <a:t>2018-02-26</a:t>
             </a:fld>
             <a:endParaRPr lang="ko-KR" altLang="en-US"/>
           </a:p>
@@ -2589,7 +2588,7 @@
           <a:p>
             <a:fld id="{F8379C41-D944-4FBF-B39D-3A6871AB0249}" type="datetimeFigureOut">
               <a:rPr lang="ko-KR" altLang="en-US" smtClean="0"/>
-              <a:t>2017-02-27</a:t>
+              <a:t>2018-02-26</a:t>
             </a:fld>
             <a:endParaRPr lang="ko-KR" altLang="en-US"/>
           </a:p>
@@ -3433,11 +3432,7 @@
             </a:r>
             <a:r>
               <a:rPr lang="ko-KR" altLang="en-US" dirty="0" smtClean="0"/>
-              <a:t>로서 무료로 활용 할 수 </a:t>
-            </a:r>
-            <a:r>
-              <a:rPr lang="ko-KR" altLang="en-US" dirty="0" smtClean="0"/>
-              <a:t>있음</a:t>
+              <a:t>로서 무료로 활용 할 수 있음</a:t>
             </a:r>
             <a:endParaRPr lang="en-US" altLang="ko-KR" dirty="0" smtClean="0"/>
           </a:p>
@@ -3803,7 +3798,11 @@
           <a:p>
             <a:r>
               <a:rPr lang="en-US" altLang="ko-KR" sz="2400" spc="-150" dirty="0" smtClean="0"/>
-              <a:t>Python 2.7</a:t>
+              <a:t>Python </a:t>
+            </a:r>
+            <a:r>
+              <a:rPr lang="en-US" altLang="ko-KR" sz="2400" spc="-150" dirty="0" smtClean="0"/>
+              <a:t>2.x</a:t>
             </a:r>
             <a:r>
               <a:rPr lang="ko-KR" altLang="en-US" sz="2400" spc="-150" dirty="0" smtClean="0"/>
@@ -3811,33 +3810,29 @@
             </a:r>
             <a:r>
               <a:rPr lang="en-US" altLang="ko-KR" sz="2400" spc="-150" dirty="0" smtClean="0"/>
-              <a:t>3.5 </a:t>
+              <a:t>3.x </a:t>
             </a:r>
             <a:r>
               <a:rPr lang="ko-KR" altLang="en-US" sz="2400" spc="-150" dirty="0" smtClean="0"/>
-              <a:t>버전이 </a:t>
+              <a:t>버전이 있음</a:t>
+            </a:r>
+            <a:endParaRPr lang="en-US" altLang="ko-KR" sz="2400" spc="-150" dirty="0" smtClean="0"/>
+          </a:p>
+          <a:p>
+            <a:endParaRPr lang="en-US" altLang="ko-KR" sz="2400" spc="-150" dirty="0" smtClean="0"/>
+          </a:p>
+          <a:p>
+            <a:r>
+              <a:rPr lang="en-US" altLang="ko-KR" sz="2400" spc="-150" dirty="0" smtClean="0"/>
+              <a:t>2.x</a:t>
             </a:r>
             <a:r>
               <a:rPr lang="ko-KR" altLang="en-US" sz="2400" spc="-150" dirty="0" smtClean="0"/>
-              <a:t>있음</a:t>
-            </a:r>
-            <a:endParaRPr lang="en-US" altLang="ko-KR" sz="2400" spc="-150" dirty="0" smtClean="0"/>
-          </a:p>
-          <a:p>
-            <a:endParaRPr lang="en-US" altLang="ko-KR" sz="2400" spc="-150" dirty="0" smtClean="0"/>
-          </a:p>
-          <a:p>
-            <a:r>
-              <a:rPr lang="en-US" altLang="ko-KR" sz="2400" spc="-150" dirty="0" smtClean="0"/>
-              <a:t>2.7</a:t>
+              <a:t>은 </a:t>
             </a:r>
             <a:r>
               <a:rPr lang="ko-KR" altLang="en-US" sz="2400" spc="-150" dirty="0" smtClean="0"/>
-              <a:t>은 오래되었으나 안정성이 </a:t>
-            </a:r>
-            <a:r>
-              <a:rPr lang="ko-KR" altLang="en-US" sz="2400" spc="-150" dirty="0" smtClean="0"/>
-              <a:t>높음</a:t>
+              <a:t>오래되었으나 안정성이 높음</a:t>
             </a:r>
             <a:endParaRPr lang="en-US" altLang="ko-KR" sz="2400" spc="-150" dirty="0" smtClean="0"/>
           </a:p>
@@ -3869,19 +3864,15 @@
           <a:p>
             <a:r>
               <a:rPr lang="ko-KR" altLang="en-US" sz="2400" spc="-150" dirty="0" smtClean="0"/>
-              <a:t>이번 </a:t>
+              <a:t>이번 강의에 있어 버전 선택은 크게 중요한 이슈는 </a:t>
             </a:r>
             <a:r>
               <a:rPr lang="ko-KR" altLang="en-US" sz="2400" spc="-150" dirty="0" smtClean="0"/>
-              <a:t>강의에 있어 버전 선택은 크게 중요한 이슈는 아니며</a:t>
-            </a:r>
-            <a:r>
-              <a:rPr lang="en-US" altLang="ko-KR" sz="2400" spc="-150" dirty="0" smtClean="0"/>
-              <a:t>, 2.7</a:t>
-            </a:r>
-            <a:r>
-              <a:rPr lang="ko-KR" altLang="en-US" sz="2400" spc="-150" dirty="0" smtClean="0"/>
-              <a:t>로 진행하도록 함</a:t>
+              <a:t>아</a:t>
+            </a:r>
+            <a:r>
+              <a:rPr lang="ko-KR" altLang="en-US" sz="2400" spc="-150" dirty="0"/>
+              <a:t>님</a:t>
             </a:r>
             <a:endParaRPr lang="en-US" altLang="ko-KR" sz="2400" spc="-150" dirty="0" smtClean="0"/>
           </a:p>
@@ -4544,11 +4535,7 @@
             </a:r>
             <a:r>
               <a:rPr lang="ko-KR" altLang="en-US" dirty="0" smtClean="0"/>
-              <a:t>에 </a:t>
-            </a:r>
-            <a:r>
-              <a:rPr lang="ko-KR" altLang="en-US" dirty="0" smtClean="0"/>
-              <a:t>해당</a:t>
+              <a:t>에 해당</a:t>
             </a:r>
             <a:endParaRPr lang="en-US" altLang="ko-KR" dirty="0" smtClean="0"/>
           </a:p>
@@ -4603,17 +4590,12 @@
             </a:r>
             <a:r>
               <a:rPr lang="ko-KR" altLang="en-US" dirty="0" smtClean="0"/>
-              <a:t>와 같은 명령도 수행해 </a:t>
-            </a:r>
-            <a:r>
-              <a:rPr lang="ko-KR" altLang="en-US" dirty="0" smtClean="0"/>
-              <a:t>보자</a:t>
+              <a:t>와 같은 명령도 수행해 보자</a:t>
             </a:r>
             <a:r>
               <a:rPr lang="en-US" altLang="ko-KR" dirty="0" smtClean="0"/>
               <a:t>.</a:t>
             </a:r>
-            <a:endParaRPr lang="en-US" altLang="ko-KR" dirty="0" smtClean="0"/>
           </a:p>
         </p:txBody>
       </p:sp>
@@ -4964,267 +4946,6 @@
 </file>
 
 <file path=ppt/slides/slide21.xml><?xml version="1.0" encoding="utf-8"?>
-<p:sld xmlns:a="http://schemas.openxmlformats.org/drawingml/2006/main" xmlns:r="http://schemas.openxmlformats.org/officeDocument/2006/relationships" xmlns:p="http://schemas.openxmlformats.org/presentationml/2006/main" show="0">
-  <p:cSld>
-    <p:spTree>
-      <p:nvGrpSpPr>
-        <p:cNvPr id="1" name=""/>
-        <p:cNvGrpSpPr/>
-        <p:nvPr/>
-      </p:nvGrpSpPr>
-      <p:grpSpPr>
-        <a:xfrm>
-          <a:off x="0" y="0"/>
-          <a:ext cx="0" cy="0"/>
-          <a:chOff x="0" y="0"/>
-          <a:chExt cx="0" cy="0"/>
-        </a:xfrm>
-      </p:grpSpPr>
-      <p:sp>
-        <p:nvSpPr>
-          <p:cNvPr id="2" name="제목 1"/>
-          <p:cNvSpPr>
-            <a:spLocks noGrp="1"/>
-          </p:cNvSpPr>
-          <p:nvPr>
-            <p:ph type="title"/>
-          </p:nvPr>
-        </p:nvSpPr>
-        <p:spPr/>
-        <p:txBody>
-          <a:bodyPr/>
-          <a:lstStyle/>
-          <a:p>
-            <a:r>
-              <a:rPr lang="en-US" altLang="ko-KR" dirty="0" smtClean="0"/>
-              <a:t>Sublime Text</a:t>
-            </a:r>
-            <a:endParaRPr lang="ko-KR" altLang="en-US" dirty="0"/>
-          </a:p>
-        </p:txBody>
-      </p:sp>
-      <p:sp>
-        <p:nvSpPr>
-          <p:cNvPr id="3" name="내용 개체 틀 2"/>
-          <p:cNvSpPr>
-            <a:spLocks noGrp="1"/>
-          </p:cNvSpPr>
-          <p:nvPr>
-            <p:ph idx="1"/>
-          </p:nvPr>
-        </p:nvSpPr>
-        <p:spPr/>
-        <p:txBody>
-          <a:bodyPr>
-            <a:normAutofit lnSpcReduction="10000"/>
-          </a:bodyPr>
-          <a:lstStyle/>
-          <a:p>
-            <a:r>
-              <a:rPr lang="en-US" altLang="ko-KR" dirty="0" smtClean="0"/>
-              <a:t>Python</a:t>
-            </a:r>
-            <a:r>
-              <a:rPr lang="ko-KR" altLang="en-US" dirty="0" smtClean="0"/>
-              <a:t>뿐만 아니라 여러 개발 언어를 사용할 때 도움을 주는 텍스트 에디터 중 하나</a:t>
-            </a:r>
-            <a:endParaRPr lang="en-US" altLang="ko-KR" dirty="0" smtClean="0"/>
-          </a:p>
-          <a:p>
-            <a:r>
-              <a:rPr lang="en-US" altLang="ko-KR" dirty="0">
-                <a:hlinkClick r:id="rId2"/>
-              </a:rPr>
-              <a:t>https://www.sublimetext.com</a:t>
-            </a:r>
-            <a:r>
-              <a:rPr lang="en-US" altLang="ko-KR" dirty="0" smtClean="0">
-                <a:hlinkClick r:id="rId2"/>
-              </a:rPr>
-              <a:t>/</a:t>
-            </a:r>
-            <a:endParaRPr lang="en-US" altLang="ko-KR" dirty="0" smtClean="0"/>
-          </a:p>
-          <a:p>
-            <a:r>
-              <a:rPr lang="en-US" altLang="ko-KR" dirty="0" smtClean="0"/>
-              <a:t>View-&gt;Syntax-&gt;Python</a:t>
-            </a:r>
-            <a:r>
-              <a:rPr lang="ko-KR" altLang="en-US" dirty="0" smtClean="0"/>
-              <a:t>을 이용하여 </a:t>
-            </a:r>
-            <a:r>
-              <a:rPr lang="en-US" altLang="ko-KR" dirty="0" smtClean="0"/>
-              <a:t>Python </a:t>
-            </a:r>
-            <a:r>
-              <a:rPr lang="ko-KR" altLang="en-US" dirty="0" smtClean="0"/>
-              <a:t>문법을 강조할 수 있음</a:t>
-            </a:r>
-            <a:endParaRPr lang="en-US" altLang="ko-KR" dirty="0" smtClean="0"/>
-          </a:p>
-          <a:p>
-            <a:r>
-              <a:rPr lang="en-US" altLang="ko-KR" dirty="0" smtClean="0"/>
-              <a:t>Python</a:t>
-            </a:r>
-            <a:r>
-              <a:rPr lang="ko-KR" altLang="en-US" dirty="0" smtClean="0"/>
-              <a:t>이 설치되어 있을 경우 </a:t>
-            </a:r>
-            <a:r>
-              <a:rPr lang="en-US" altLang="ko-KR" dirty="0" smtClean="0"/>
-              <a:t>Tools-&gt;Build</a:t>
-            </a:r>
-            <a:r>
-              <a:rPr lang="ko-KR" altLang="en-US" dirty="0" smtClean="0"/>
-              <a:t>를 이용하여 작성한 코드를 실행할 수 있음</a:t>
-            </a:r>
-            <a:endParaRPr lang="en-US" altLang="ko-KR" dirty="0" smtClean="0"/>
-          </a:p>
-          <a:p>
-            <a:pPr lvl="1"/>
-            <a:r>
-              <a:rPr lang="ko-KR" altLang="en-US" dirty="0" smtClean="0"/>
-              <a:t>실행 전에는 스크립트를 미리 저장할 것</a:t>
-            </a:r>
-            <a:endParaRPr lang="en-US" altLang="ko-KR" dirty="0" smtClean="0"/>
-          </a:p>
-          <a:p>
-            <a:r>
-              <a:rPr lang="en-US" altLang="ko-KR" dirty="0" smtClean="0"/>
-              <a:t>Command Palette (</a:t>
-            </a:r>
-            <a:r>
-              <a:rPr lang="en-US" altLang="ko-KR" dirty="0" err="1" smtClean="0"/>
-              <a:t>Ctrl+Shift+B</a:t>
-            </a:r>
-            <a:r>
-              <a:rPr lang="en-US" altLang="ko-KR" dirty="0" smtClean="0"/>
-              <a:t>)</a:t>
-            </a:r>
-            <a:r>
-              <a:rPr lang="ko-KR" altLang="en-US" dirty="0" smtClean="0"/>
-              <a:t>를 이용하여 마우스 사용을 최소화할 수 있음</a:t>
-            </a:r>
-            <a:endParaRPr lang="en-US" altLang="ko-KR" dirty="0" smtClean="0"/>
-          </a:p>
-        </p:txBody>
-      </p:sp>
-    </p:spTree>
-    <p:extLst>
-      <p:ext uri="{BB962C8B-B14F-4D97-AF65-F5344CB8AC3E}">
-        <p14:creationId xmlns:p14="http://schemas.microsoft.com/office/powerpoint/2010/main" val="3693380135"/>
-      </p:ext>
-    </p:extLst>
-  </p:cSld>
-  <p:clrMapOvr>
-    <a:masterClrMapping/>
-  </p:clrMapOvr>
-  <mc:AlternateContent xmlns:mc="http://schemas.openxmlformats.org/markup-compatibility/2006">
-    <mc:Choice xmlns:p14="http://schemas.microsoft.com/office/powerpoint/2010/main" Requires="p14">
-      <p:transition spd="slow" p14:dur="2000"/>
-    </mc:Choice>
-    <mc:Fallback>
-      <p:transition spd="slow"/>
-    </mc:Fallback>
-  </mc:AlternateContent>
-</p:sld>
-</file>
-
-<file path=ppt/slides/slide22.xml><?xml version="1.0" encoding="utf-8"?>
-<p:sld xmlns:a="http://schemas.openxmlformats.org/drawingml/2006/main" xmlns:r="http://schemas.openxmlformats.org/officeDocument/2006/relationships" xmlns:p="http://schemas.openxmlformats.org/presentationml/2006/main" show="0">
-  <p:cSld>
-    <p:spTree>
-      <p:nvGrpSpPr>
-        <p:cNvPr id="1" name=""/>
-        <p:cNvGrpSpPr/>
-        <p:nvPr/>
-      </p:nvGrpSpPr>
-      <p:grpSpPr>
-        <a:xfrm>
-          <a:off x="0" y="0"/>
-          <a:ext cx="0" cy="0"/>
-          <a:chOff x="0" y="0"/>
-          <a:chExt cx="0" cy="0"/>
-        </a:xfrm>
-      </p:grpSpPr>
-      <p:sp>
-        <p:nvSpPr>
-          <p:cNvPr id="2" name="제목 1"/>
-          <p:cNvSpPr>
-            <a:spLocks noGrp="1"/>
-          </p:cNvSpPr>
-          <p:nvPr>
-            <p:ph type="title"/>
-          </p:nvPr>
-        </p:nvSpPr>
-        <p:spPr/>
-        <p:txBody>
-          <a:bodyPr/>
-          <a:lstStyle/>
-          <a:p>
-            <a:r>
-              <a:rPr lang="en-US" altLang="ko-KR" dirty="0" smtClean="0"/>
-              <a:t>Sublime Text </a:t>
-            </a:r>
-            <a:r>
-              <a:rPr lang="ko-KR" altLang="en-US" dirty="0" smtClean="0"/>
-              <a:t>화면</a:t>
-            </a:r>
-            <a:endParaRPr lang="ko-KR" altLang="en-US" dirty="0"/>
-          </a:p>
-        </p:txBody>
-      </p:sp>
-      <p:pic>
-        <p:nvPicPr>
-          <p:cNvPr id="7" name="내용 개체 틀 6"/>
-          <p:cNvPicPr>
-            <a:picLocks noGrp="1" noChangeAspect="1"/>
-          </p:cNvPicPr>
-          <p:nvPr>
-            <p:ph idx="1"/>
-          </p:nvPr>
-        </p:nvPicPr>
-        <p:blipFill>
-          <a:blip r:embed="rId2"/>
-          <a:stretch>
-            <a:fillRect/>
-          </a:stretch>
-        </p:blipFill>
-        <p:spPr>
-          <a:xfrm>
-            <a:off x="1505836" y="1478949"/>
-            <a:ext cx="5776414" cy="4633356"/>
-          </a:xfrm>
-          <a:prstGeom prst="rect">
-            <a:avLst/>
-          </a:prstGeom>
-        </p:spPr>
-      </p:pic>
-    </p:spTree>
-    <p:extLst>
-      <p:ext uri="{BB962C8B-B14F-4D97-AF65-F5344CB8AC3E}">
-        <p14:creationId xmlns:p14="http://schemas.microsoft.com/office/powerpoint/2010/main" val="524974757"/>
-      </p:ext>
-    </p:extLst>
-  </p:cSld>
-  <p:clrMapOvr>
-    <a:masterClrMapping/>
-  </p:clrMapOvr>
-  <mc:AlternateContent xmlns:mc="http://schemas.openxmlformats.org/markup-compatibility/2006">
-    <mc:Choice xmlns:p14="http://schemas.microsoft.com/office/powerpoint/2010/main" Requires="p14">
-      <p:transition spd="slow" p14:dur="2000"/>
-    </mc:Choice>
-    <mc:Fallback>
-      <p:transition spd="slow"/>
-    </mc:Fallback>
-  </mc:AlternateContent>
-</p:sld>
-</file>
-
-<file path=ppt/slides/slide23.xml><?xml version="1.0" encoding="utf-8"?>
 <p:sld xmlns:a="http://schemas.openxmlformats.org/drawingml/2006/main" xmlns:r="http://schemas.openxmlformats.org/officeDocument/2006/relationships" xmlns:p="http://schemas.openxmlformats.org/presentationml/2006/main">
   <p:cSld>
     <p:spTree>
@@ -5402,6 +5123,318 @@
 </p:sld>
 </file>
 
+<file path=ppt/slides/slide22.xml><?xml version="1.0" encoding="utf-8"?>
+<p:sld xmlns:a="http://schemas.openxmlformats.org/drawingml/2006/main" xmlns:r="http://schemas.openxmlformats.org/officeDocument/2006/relationships" xmlns:p="http://schemas.openxmlformats.org/presentationml/2006/main">
+  <p:cSld>
+    <p:spTree>
+      <p:nvGrpSpPr>
+        <p:cNvPr id="1" name=""/>
+        <p:cNvGrpSpPr/>
+        <p:nvPr/>
+      </p:nvGrpSpPr>
+      <p:grpSpPr>
+        <a:xfrm>
+          <a:off x="0" y="0"/>
+          <a:ext cx="0" cy="0"/>
+          <a:chOff x="0" y="0"/>
+          <a:chExt cx="0" cy="0"/>
+        </a:xfrm>
+      </p:grpSpPr>
+      <p:sp>
+        <p:nvSpPr>
+          <p:cNvPr id="2" name="제목 1"/>
+          <p:cNvSpPr>
+            <a:spLocks noGrp="1"/>
+          </p:cNvSpPr>
+          <p:nvPr>
+            <p:ph type="title"/>
+          </p:nvPr>
+        </p:nvSpPr>
+        <p:spPr/>
+        <p:txBody>
+          <a:bodyPr/>
+          <a:lstStyle/>
+          <a:p>
+            <a:r>
+              <a:rPr lang="ko-KR" altLang="en-US" dirty="0" smtClean="0"/>
+              <a:t>서버의 </a:t>
+            </a:r>
+            <a:r>
+              <a:rPr lang="en-US" altLang="ko-KR" dirty="0" err="1" smtClean="0"/>
+              <a:t>jupyter</a:t>
+            </a:r>
+            <a:r>
+              <a:rPr lang="en-US" altLang="ko-KR" dirty="0" err="1" smtClean="0"/>
+              <a:t>hub</a:t>
+            </a:r>
+            <a:r>
+              <a:rPr lang="en-US" altLang="ko-KR" dirty="0" smtClean="0"/>
+              <a:t> </a:t>
+            </a:r>
+            <a:r>
+              <a:rPr lang="ko-KR" altLang="en-US" dirty="0" smtClean="0"/>
+              <a:t>이용하기</a:t>
+            </a:r>
+            <a:endParaRPr lang="ko-KR" altLang="en-US" dirty="0"/>
+          </a:p>
+        </p:txBody>
+      </p:sp>
+      <p:sp>
+        <p:nvSpPr>
+          <p:cNvPr id="3" name="내용 개체 틀 2"/>
+          <p:cNvSpPr>
+            <a:spLocks noGrp="1"/>
+          </p:cNvSpPr>
+          <p:nvPr>
+            <p:ph idx="1"/>
+          </p:nvPr>
+        </p:nvSpPr>
+        <p:spPr/>
+        <p:txBody>
+          <a:bodyPr/>
+          <a:lstStyle/>
+          <a:p>
+            <a:r>
+              <a:rPr lang="ko-KR" altLang="en-US" dirty="0" err="1" smtClean="0"/>
+              <a:t>웹브라우저에서</a:t>
+            </a:r>
+            <a:r>
+              <a:rPr lang="ko-KR" altLang="en-US" dirty="0" smtClean="0"/>
+              <a:t> </a:t>
+            </a:r>
+            <a:r>
+              <a:rPr lang="en-US" altLang="ko-KR" dirty="0">
+                <a:hlinkClick r:id="rId2"/>
+              </a:rPr>
+              <a:t>http</a:t>
+            </a:r>
+            <a:r>
+              <a:rPr lang="en-US" altLang="ko-KR">
+                <a:hlinkClick r:id="rId2"/>
+              </a:rPr>
+              <a:t>://</a:t>
+            </a:r>
+            <a:r>
+              <a:rPr lang="en-US" altLang="ko-KR" smtClean="0">
+                <a:hlinkClick r:id="rId2"/>
+              </a:rPr>
+              <a:t>165.229.194.169:443</a:t>
+            </a:r>
+            <a:r>
+              <a:rPr lang="ko-KR" altLang="en-US" dirty="0" smtClean="0"/>
+              <a:t>로 접속</a:t>
+            </a:r>
+            <a:endParaRPr lang="en-US" altLang="ko-KR" dirty="0" smtClean="0"/>
+          </a:p>
+          <a:p>
+            <a:endParaRPr lang="en-US" altLang="ko-KR" dirty="0"/>
+          </a:p>
+          <a:p>
+            <a:r>
+              <a:rPr lang="ko-KR" altLang="en-US" dirty="0" smtClean="0"/>
+              <a:t>본인의 아이디와 비밀번호로 접속</a:t>
+            </a:r>
+            <a:endParaRPr lang="en-US" altLang="ko-KR" dirty="0" smtClean="0"/>
+          </a:p>
+          <a:p>
+            <a:endParaRPr lang="en-US" altLang="ko-KR" dirty="0"/>
+          </a:p>
+          <a:p>
+            <a:r>
+              <a:rPr lang="en-US" altLang="ko-KR" dirty="0" smtClean="0"/>
+              <a:t>python </a:t>
+            </a:r>
+            <a:r>
+              <a:rPr lang="ko-KR" altLang="en-US" dirty="0" smtClean="0"/>
+              <a:t>노트북 생성</a:t>
+            </a:r>
+            <a:endParaRPr lang="ko-KR" altLang="en-US" dirty="0"/>
+          </a:p>
+        </p:txBody>
+      </p:sp>
+      <p:pic>
+        <p:nvPicPr>
+          <p:cNvPr id="5" name="그림 4"/>
+          <p:cNvPicPr>
+            <a:picLocks noChangeAspect="1"/>
+          </p:cNvPicPr>
+          <p:nvPr/>
+        </p:nvPicPr>
+        <p:blipFill>
+          <a:blip r:embed="rId3"/>
+          <a:stretch>
+            <a:fillRect/>
+          </a:stretch>
+        </p:blipFill>
+        <p:spPr>
+          <a:xfrm>
+            <a:off x="6800206" y="3809485"/>
+            <a:ext cx="3781425" cy="2171700"/>
+          </a:xfrm>
+          <a:prstGeom prst="rect">
+            <a:avLst/>
+          </a:prstGeom>
+        </p:spPr>
+      </p:pic>
+    </p:spTree>
+    <p:extLst>
+      <p:ext uri="{BB962C8B-B14F-4D97-AF65-F5344CB8AC3E}">
+        <p14:creationId xmlns:p14="http://schemas.microsoft.com/office/powerpoint/2010/main" val="2369818864"/>
+      </p:ext>
+    </p:extLst>
+  </p:cSld>
+  <p:clrMapOvr>
+    <a:masterClrMapping/>
+  </p:clrMapOvr>
+</p:sld>
+</file>
+
+<file path=ppt/slides/slide23.xml><?xml version="1.0" encoding="utf-8"?>
+<p:sld xmlns:a="http://schemas.openxmlformats.org/drawingml/2006/main" xmlns:r="http://schemas.openxmlformats.org/officeDocument/2006/relationships" xmlns:p="http://schemas.openxmlformats.org/presentationml/2006/main">
+  <p:cSld>
+    <p:spTree>
+      <p:nvGrpSpPr>
+        <p:cNvPr id="1" name=""/>
+        <p:cNvGrpSpPr/>
+        <p:nvPr/>
+      </p:nvGrpSpPr>
+      <p:grpSpPr>
+        <a:xfrm>
+          <a:off x="0" y="0"/>
+          <a:ext cx="0" cy="0"/>
+          <a:chOff x="0" y="0"/>
+          <a:chExt cx="0" cy="0"/>
+        </a:xfrm>
+      </p:grpSpPr>
+      <p:sp>
+        <p:nvSpPr>
+          <p:cNvPr id="2" name="제목 1"/>
+          <p:cNvSpPr>
+            <a:spLocks noGrp="1"/>
+          </p:cNvSpPr>
+          <p:nvPr>
+            <p:ph type="title"/>
+          </p:nvPr>
+        </p:nvSpPr>
+        <p:spPr/>
+        <p:txBody>
+          <a:bodyPr/>
+          <a:lstStyle/>
+          <a:p>
+            <a:r>
+              <a:rPr lang="en-US" altLang="ko-KR" dirty="0" smtClean="0"/>
+              <a:t>Editor </a:t>
+            </a:r>
+            <a:r>
+              <a:rPr lang="ko-KR" altLang="en-US" dirty="0" smtClean="0"/>
+              <a:t>혹은 개발 환경 선택</a:t>
+            </a:r>
+            <a:endParaRPr lang="ko-KR" altLang="en-US" dirty="0"/>
+          </a:p>
+        </p:txBody>
+      </p:sp>
+      <p:sp>
+        <p:nvSpPr>
+          <p:cNvPr id="3" name="내용 개체 틀 2"/>
+          <p:cNvSpPr>
+            <a:spLocks noGrp="1"/>
+          </p:cNvSpPr>
+          <p:nvPr>
+            <p:ph idx="1"/>
+          </p:nvPr>
+        </p:nvSpPr>
+        <p:spPr/>
+        <p:txBody>
+          <a:bodyPr/>
+          <a:lstStyle/>
+          <a:p>
+            <a:r>
+              <a:rPr lang="ko-KR" altLang="en-US" dirty="0" smtClean="0"/>
+              <a:t>프로그램 코드는 사실 </a:t>
+            </a:r>
+            <a:r>
+              <a:rPr lang="en-US" altLang="ko-KR" dirty="0" smtClean="0"/>
+              <a:t>text </a:t>
+            </a:r>
+            <a:r>
+              <a:rPr lang="ko-KR" altLang="en-US" dirty="0" smtClean="0"/>
+              <a:t>파일이며</a:t>
+            </a:r>
+            <a:r>
+              <a:rPr lang="en-US" altLang="ko-KR" dirty="0" smtClean="0"/>
+              <a:t>, </a:t>
+            </a:r>
+            <a:r>
+              <a:rPr lang="ko-KR" altLang="en-US" dirty="0" smtClean="0"/>
+              <a:t>이를 작성하기 위해서는 윈도우의 기본 메모장</a:t>
+            </a:r>
+            <a:r>
+              <a:rPr lang="en-US" altLang="ko-KR" dirty="0" smtClean="0"/>
+              <a:t>(notepad)</a:t>
+            </a:r>
+            <a:r>
+              <a:rPr lang="ko-KR" altLang="en-US" dirty="0" smtClean="0"/>
+              <a:t>으로</a:t>
+            </a:r>
+            <a:r>
+              <a:rPr lang="ko-KR" altLang="en-US" dirty="0"/>
+              <a:t>도</a:t>
+            </a:r>
+            <a:r>
+              <a:rPr lang="ko-KR" altLang="en-US" dirty="0" smtClean="0"/>
+              <a:t> 충분함</a:t>
+            </a:r>
+            <a:endParaRPr lang="en-US" altLang="ko-KR" dirty="0" smtClean="0"/>
+          </a:p>
+          <a:p>
+            <a:endParaRPr lang="en-US" altLang="ko-KR" dirty="0" smtClean="0"/>
+          </a:p>
+          <a:p>
+            <a:r>
+              <a:rPr lang="ko-KR" altLang="en-US" dirty="0" smtClean="0"/>
+              <a:t>그러나 보다 편리한 개발 환경을 위하여</a:t>
+            </a:r>
+            <a:r>
+              <a:rPr lang="en-US" altLang="ko-KR" dirty="0" smtClean="0"/>
+              <a:t> </a:t>
+            </a:r>
+            <a:r>
+              <a:rPr lang="en-US" altLang="ko-KR" dirty="0" err="1" smtClean="0"/>
+              <a:t>Spyder</a:t>
+            </a:r>
+            <a:r>
+              <a:rPr lang="en-US" altLang="ko-KR" dirty="0" smtClean="0"/>
+              <a:t>, Sublime text, VIM, Notepad++ </a:t>
+            </a:r>
+            <a:r>
+              <a:rPr lang="ko-KR" altLang="en-US" dirty="0" smtClean="0"/>
+              <a:t>등의 프로그램을 활용</a:t>
+            </a:r>
+            <a:endParaRPr lang="en-US" altLang="ko-KR" dirty="0" smtClean="0"/>
+          </a:p>
+          <a:p>
+            <a:pPr lvl="1"/>
+            <a:r>
+              <a:rPr lang="ko-KR" altLang="en-US" dirty="0" smtClean="0"/>
+              <a:t>어떤 에디터를 활용하는가는 개인 취향의 문제</a:t>
+            </a:r>
+            <a:endParaRPr lang="ko-KR" altLang="en-US" dirty="0"/>
+          </a:p>
+        </p:txBody>
+      </p:sp>
+    </p:spTree>
+    <p:extLst>
+      <p:ext uri="{BB962C8B-B14F-4D97-AF65-F5344CB8AC3E}">
+        <p14:creationId xmlns:p14="http://schemas.microsoft.com/office/powerpoint/2010/main" val="2885023970"/>
+      </p:ext>
+    </p:extLst>
+  </p:cSld>
+  <p:clrMapOvr>
+    <a:masterClrMapping/>
+  </p:clrMapOvr>
+</p:sld>
+</file>
+
 <file path=ppt/slides/slide24.xml><?xml version="1.0" encoding="utf-8"?>
 <p:sld xmlns:a="http://schemas.openxmlformats.org/drawingml/2006/main" xmlns:r="http://schemas.openxmlformats.org/officeDocument/2006/relationships" xmlns:p="http://schemas.openxmlformats.org/presentationml/2006/main">
   <p:cSld>
@@ -5435,12 +5468,8 @@
           <a:lstStyle/>
           <a:p>
             <a:r>
-              <a:rPr lang="en-US" altLang="ko-KR" dirty="0" smtClean="0"/>
-              <a:t>Editor </a:t>
-            </a:r>
-            <a:r>
-              <a:rPr lang="ko-KR" altLang="en-US" dirty="0" smtClean="0"/>
-              <a:t>혹은 개발 환경 선택</a:t>
+              <a:rPr lang="ko-KR" altLang="en-US" dirty="0" smtClean="0"/>
+              <a:t>프로그래밍</a:t>
             </a:r>
             <a:endParaRPr lang="ko-KR" altLang="en-US" dirty="0"/>
           </a:p>
@@ -5463,166 +5492,20 @@
           <a:p>
             <a:r>
               <a:rPr lang="ko-KR" altLang="en-US" dirty="0" smtClean="0"/>
-              <a:t>프로그램 코드는 사실 </a:t>
-            </a:r>
-            <a:r>
-              <a:rPr lang="en-US" altLang="ko-KR" dirty="0" smtClean="0"/>
-              <a:t>text </a:t>
-            </a:r>
-            <a:r>
-              <a:rPr lang="ko-KR" altLang="en-US" dirty="0" smtClean="0"/>
-              <a:t>파일이며</a:t>
-            </a:r>
-            <a:r>
-              <a:rPr lang="en-US" altLang="ko-KR" dirty="0" smtClean="0"/>
-              <a:t>, </a:t>
-            </a:r>
-            <a:r>
-              <a:rPr lang="ko-KR" altLang="en-US" dirty="0" smtClean="0"/>
-              <a:t>이를 작성하기 위해서는 윈도우의 기본 메모장</a:t>
-            </a:r>
-            <a:r>
-              <a:rPr lang="en-US" altLang="ko-KR" dirty="0" smtClean="0"/>
-              <a:t>(notepad)</a:t>
-            </a:r>
-            <a:r>
-              <a:rPr lang="ko-KR" altLang="en-US" dirty="0" smtClean="0"/>
-              <a:t>으로</a:t>
-            </a:r>
-            <a:r>
-              <a:rPr lang="ko-KR" altLang="en-US" dirty="0"/>
-              <a:t>도</a:t>
-            </a:r>
-            <a:r>
-              <a:rPr lang="ko-KR" altLang="en-US" dirty="0" smtClean="0"/>
-              <a:t> </a:t>
-            </a:r>
-            <a:r>
-              <a:rPr lang="ko-KR" altLang="en-US" dirty="0" smtClean="0"/>
-              <a:t>충분함</a:t>
+              <a:t>프로그래밍을 익힐 때 중요한 것은 언어 그 자체가 아니라</a:t>
             </a:r>
             <a:endParaRPr lang="en-US" altLang="ko-KR" dirty="0" smtClean="0"/>
           </a:p>
           <a:p>
+            <a:r>
+              <a:rPr lang="ko-KR" altLang="en-US" dirty="0" smtClean="0"/>
+              <a:t>해결하고자 하는 문제를 프로그래밍 언어로 논리적으로 변환할 수 있는 능력</a:t>
+            </a:r>
             <a:endParaRPr lang="en-US" altLang="ko-KR" dirty="0" smtClean="0"/>
           </a:p>
           <a:p>
             <a:r>
               <a:rPr lang="ko-KR" altLang="en-US" dirty="0" smtClean="0"/>
-              <a:t>그러나 보다 편리한 개발 환경을 위하여</a:t>
-            </a:r>
-            <a:r>
-              <a:rPr lang="en-US" altLang="ko-KR" dirty="0" smtClean="0"/>
-              <a:t> </a:t>
-            </a:r>
-            <a:r>
-              <a:rPr lang="en-US" altLang="ko-KR" dirty="0" err="1" smtClean="0"/>
-              <a:t>Spyder</a:t>
-            </a:r>
-            <a:r>
-              <a:rPr lang="en-US" altLang="ko-KR" dirty="0" smtClean="0"/>
-              <a:t>, Sublime text, VIM, Notepad++ </a:t>
-            </a:r>
-            <a:r>
-              <a:rPr lang="ko-KR" altLang="en-US" dirty="0" smtClean="0"/>
-              <a:t>등의 프로그램을 활용</a:t>
-            </a:r>
-            <a:endParaRPr lang="en-US" altLang="ko-KR" dirty="0" smtClean="0"/>
-          </a:p>
-          <a:p>
-            <a:pPr lvl="1"/>
-            <a:r>
-              <a:rPr lang="ko-KR" altLang="en-US" dirty="0" smtClean="0"/>
-              <a:t>어떤 에디터를 활용하는가는 개인 취향의 문제</a:t>
-            </a:r>
-            <a:endParaRPr lang="ko-KR" altLang="en-US" dirty="0"/>
-          </a:p>
-        </p:txBody>
-      </p:sp>
-    </p:spTree>
-    <p:extLst>
-      <p:ext uri="{BB962C8B-B14F-4D97-AF65-F5344CB8AC3E}">
-        <p14:creationId xmlns:p14="http://schemas.microsoft.com/office/powerpoint/2010/main" val="2885023970"/>
-      </p:ext>
-    </p:extLst>
-  </p:cSld>
-  <p:clrMapOvr>
-    <a:masterClrMapping/>
-  </p:clrMapOvr>
-</p:sld>
-</file>
-
-<file path=ppt/slides/slide25.xml><?xml version="1.0" encoding="utf-8"?>
-<p:sld xmlns:a="http://schemas.openxmlformats.org/drawingml/2006/main" xmlns:r="http://schemas.openxmlformats.org/officeDocument/2006/relationships" xmlns:p="http://schemas.openxmlformats.org/presentationml/2006/main">
-  <p:cSld>
-    <p:spTree>
-      <p:nvGrpSpPr>
-        <p:cNvPr id="1" name=""/>
-        <p:cNvGrpSpPr/>
-        <p:nvPr/>
-      </p:nvGrpSpPr>
-      <p:grpSpPr>
-        <a:xfrm>
-          <a:off x="0" y="0"/>
-          <a:ext cx="0" cy="0"/>
-          <a:chOff x="0" y="0"/>
-          <a:chExt cx="0" cy="0"/>
-        </a:xfrm>
-      </p:grpSpPr>
-      <p:sp>
-        <p:nvSpPr>
-          <p:cNvPr id="2" name="제목 1"/>
-          <p:cNvSpPr>
-            <a:spLocks noGrp="1"/>
-          </p:cNvSpPr>
-          <p:nvPr>
-            <p:ph type="title"/>
-          </p:nvPr>
-        </p:nvSpPr>
-        <p:spPr/>
-        <p:txBody>
-          <a:bodyPr/>
-          <a:lstStyle/>
-          <a:p>
-            <a:r>
-              <a:rPr lang="ko-KR" altLang="en-US" dirty="0" smtClean="0"/>
-              <a:t>프로그래밍</a:t>
-            </a:r>
-            <a:endParaRPr lang="ko-KR" altLang="en-US" dirty="0"/>
-          </a:p>
-        </p:txBody>
-      </p:sp>
-      <p:sp>
-        <p:nvSpPr>
-          <p:cNvPr id="3" name="내용 개체 틀 2"/>
-          <p:cNvSpPr>
-            <a:spLocks noGrp="1"/>
-          </p:cNvSpPr>
-          <p:nvPr>
-            <p:ph idx="1"/>
-          </p:nvPr>
-        </p:nvSpPr>
-        <p:spPr/>
-        <p:txBody>
-          <a:bodyPr/>
-          <a:lstStyle/>
-          <a:p>
-            <a:r>
-              <a:rPr lang="ko-KR" altLang="en-US" dirty="0" smtClean="0"/>
-              <a:t>프로그래밍을 익힐 때 중요한 것은 언어 그 자체가 아니라</a:t>
-            </a:r>
-            <a:endParaRPr lang="en-US" altLang="ko-KR" dirty="0" smtClean="0"/>
-          </a:p>
-          <a:p>
-            <a:r>
-              <a:rPr lang="ko-KR" altLang="en-US" dirty="0" smtClean="0"/>
-              <a:t>해결하고자 하는 문제를 프로그래밍 언어로 논리적으로 변환할 수 있는 능력</a:t>
-            </a:r>
-            <a:endParaRPr lang="en-US" altLang="ko-KR" dirty="0" smtClean="0"/>
-          </a:p>
-          <a:p>
-            <a:r>
-              <a:rPr lang="ko-KR" altLang="en-US" dirty="0" smtClean="0"/>
               <a:t>본 과목에서는 </a:t>
             </a:r>
             <a:r>
@@ -5631,11 +5514,7 @@
             </a:r>
             <a:r>
               <a:rPr lang="ko-KR" altLang="en-US" dirty="0" smtClean="0"/>
-              <a:t> </a:t>
-            </a:r>
-            <a:r>
-              <a:rPr lang="ko-KR" altLang="en-US" dirty="0" smtClean="0"/>
-              <a:t>자체의 특징에 대해 배우는 것이 아니라</a:t>
+              <a:t> 자체의 특징에 대해 배우는 것이 아니라</a:t>
             </a:r>
             <a:endParaRPr lang="en-US" altLang="ko-KR" dirty="0" smtClean="0"/>
           </a:p>
@@ -5661,7 +5540,7 @@
 </p:sld>
 </file>
 
-<file path=ppt/slides/slide26.xml><?xml version="1.0" encoding="utf-8"?>
+<file path=ppt/slides/slide25.xml><?xml version="1.0" encoding="utf-8"?>
 <p:sld xmlns:a="http://schemas.openxmlformats.org/drawingml/2006/main" xmlns:r="http://schemas.openxmlformats.org/officeDocument/2006/relationships" xmlns:p="http://schemas.openxmlformats.org/presentationml/2006/main">
   <p:cSld>
     <p:spTree>
@@ -6743,11 +6622,7 @@
             </a:r>
             <a:r>
               <a:rPr lang="ko-KR" altLang="en-US" dirty="0" smtClean="0"/>
-              <a:t>보다 더 적은 양의 코드를 이용하여 프로그래밍 할 수 있도록 </a:t>
-            </a:r>
-            <a:r>
-              <a:rPr lang="ko-KR" altLang="en-US" dirty="0" smtClean="0"/>
-              <a:t>만듦</a:t>
+              <a:t>보다 더 적은 양의 코드를 이용하여 프로그래밍 할 수 있도록 만듦</a:t>
             </a:r>
             <a:endParaRPr lang="en-US" altLang="ko-KR" dirty="0" smtClean="0"/>
           </a:p>
@@ -6769,11 +6644,7 @@
             </a:r>
             <a:r>
               <a:rPr lang="ko-KR" altLang="en-US" dirty="0" smtClean="0"/>
-              <a:t>에 의해 만들어진 인터프리터 </a:t>
-            </a:r>
-            <a:r>
-              <a:rPr lang="ko-KR" altLang="en-US" dirty="0" smtClean="0"/>
-              <a:t>언어</a:t>
+              <a:t>에 의해 만들어진 인터프리터 언어</a:t>
             </a:r>
             <a:endParaRPr lang="en-US" altLang="ko-KR" dirty="0" smtClean="0"/>
           </a:p>
@@ -6787,11 +6658,7 @@
             </a:r>
             <a:r>
               <a:rPr lang="ko-KR" altLang="en-US" dirty="0" smtClean="0"/>
-              <a:t>등 실용적인 부분에서 많이 </a:t>
-            </a:r>
-            <a:r>
-              <a:rPr lang="ko-KR" altLang="en-US" dirty="0" smtClean="0"/>
-              <a:t>활용됨</a:t>
+              <a:t>등 실용적인 부분에서 많이 활용됨</a:t>
             </a:r>
             <a:endParaRPr lang="en-US" altLang="ko-KR" dirty="0" smtClean="0"/>
           </a:p>
@@ -7054,8 +6921,20 @@
                 <a:tableStyleId>{5C22544A-7EE6-4342-B048-85BDC9FD1C3A}</a:tableStyleId>
               </a:tblPr>
               <a:tblGrid>
-                <a:gridCol w="4064000"/>
-                <a:gridCol w="4064000"/>
+                <a:gridCol w="4064000">
+                  <a:extLst>
+                    <a:ext uri="{9D8B030D-6E8A-4147-A177-3AD203B41FA5}">
+                      <a16:colId xmlns:a16="http://schemas.microsoft.com/office/drawing/2014/main" val="20000"/>
+                    </a:ext>
+                  </a:extLst>
+                </a:gridCol>
+                <a:gridCol w="4064000">
+                  <a:extLst>
+                    <a:ext uri="{9D8B030D-6E8A-4147-A177-3AD203B41FA5}">
+                      <a16:colId xmlns:a16="http://schemas.microsoft.com/office/drawing/2014/main" val="20001"/>
+                    </a:ext>
+                  </a:extLst>
+                </a:gridCol>
               </a:tblGrid>
               <a:tr h="370840">
                 <a:tc>
@@ -7088,6 +6967,11 @@
                   </a:txBody>
                   <a:tcPr/>
                 </a:tc>
+                <a:extLst>
+                  <a:ext uri="{0D108BD9-81ED-4DB2-BD59-A6C34878D82A}">
+                    <a16:rowId xmlns:a16="http://schemas.microsoft.com/office/drawing/2014/main" val="10000"/>
+                  </a:ext>
+                </a:extLst>
               </a:tr>
               <a:tr h="370840">
                 <a:tc>
@@ -7120,6 +7004,11 @@
                   </a:txBody>
                   <a:tcPr/>
                 </a:tc>
+                <a:extLst>
+                  <a:ext uri="{0D108BD9-81ED-4DB2-BD59-A6C34878D82A}">
+                    <a16:rowId xmlns:a16="http://schemas.microsoft.com/office/drawing/2014/main" val="10001"/>
+                  </a:ext>
+                </a:extLst>
               </a:tr>
               <a:tr h="370840">
                 <a:tc>
@@ -7184,6 +7073,11 @@
                   </a:txBody>
                   <a:tcPr/>
                 </a:tc>
+                <a:extLst>
+                  <a:ext uri="{0D108BD9-81ED-4DB2-BD59-A6C34878D82A}">
+                    <a16:rowId xmlns:a16="http://schemas.microsoft.com/office/drawing/2014/main" val="10002"/>
+                  </a:ext>
+                </a:extLst>
               </a:tr>
               <a:tr h="370840">
                 <a:tc>
@@ -7216,6 +7110,11 @@
                   </a:txBody>
                   <a:tcPr/>
                 </a:tc>
+                <a:extLst>
+                  <a:ext uri="{0D108BD9-81ED-4DB2-BD59-A6C34878D82A}">
+                    <a16:rowId xmlns:a16="http://schemas.microsoft.com/office/drawing/2014/main" val="10003"/>
+                  </a:ext>
+                </a:extLst>
               </a:tr>
               <a:tr h="370840">
                 <a:tc>
@@ -7252,6 +7151,11 @@
                   </a:txBody>
                   <a:tcPr/>
                 </a:tc>
+                <a:extLst>
+                  <a:ext uri="{0D108BD9-81ED-4DB2-BD59-A6C34878D82A}">
+                    <a16:rowId xmlns:a16="http://schemas.microsoft.com/office/drawing/2014/main" val="10004"/>
+                  </a:ext>
+                </a:extLst>
               </a:tr>
             </a:tbl>
           </a:graphicData>

--- a/ppt/Python_1_소개.pptx
+++ b/ppt/Python_1_소개.pptx
@@ -4853,9 +4853,16 @@
             </a:r>
           </a:p>
           <a:p>
-            <a:r>
-              <a:rPr lang="ko-KR" altLang="en-US" dirty="0" smtClean="0"/>
-              <a:t>컴퓨터가 할 수 있는 것</a:t>
+            <a:endParaRPr lang="en-US" altLang="ko-KR" dirty="0" smtClean="0"/>
+          </a:p>
+          <a:p>
+            <a:r>
+              <a:rPr lang="ko-KR" altLang="en-US" dirty="0" smtClean="0"/>
+              <a:t>컴퓨터가 </a:t>
+            </a:r>
+            <a:r>
+              <a:rPr lang="ko-KR" altLang="en-US" dirty="0" smtClean="0"/>
+              <a:t>할 수 있는 것</a:t>
             </a:r>
             <a:endParaRPr lang="en-US" altLang="ko-KR" dirty="0" smtClean="0"/>
           </a:p>
@@ -4978,12 +4985,20 @@
           <a:lstStyle/>
           <a:p>
             <a:r>
-              <a:rPr lang="en-US" altLang="ko-KR" dirty="0" err="1" smtClean="0"/>
+              <a:rPr lang="ko-KR" altLang="en-US" smtClean="0"/>
+              <a:t>로컬 컴퓨터의 </a:t>
+            </a:r>
+            <a:r>
+              <a:rPr lang="en-US" altLang="ko-KR" smtClean="0"/>
               <a:t>Jupyter</a:t>
             </a:r>
             <a:r>
               <a:rPr lang="en-US" altLang="ko-KR" dirty="0" smtClean="0"/>
-              <a:t> notebook</a:t>
+              <a:t> </a:t>
+            </a:r>
+            <a:r>
+              <a:rPr lang="en-US" altLang="ko-KR" dirty="0" smtClean="0"/>
+              <a:t>notebook</a:t>
             </a:r>
             <a:endParaRPr lang="ko-KR" altLang="en-US" dirty="0"/>
           </a:p>
@@ -5206,16 +5221,10 @@
               <a:rPr lang="en-US" altLang="ko-KR" dirty="0">
                 <a:hlinkClick r:id="rId2"/>
               </a:rPr>
-              <a:t>http</a:t>
-            </a:r>
-            <a:r>
-              <a:rPr lang="en-US" altLang="ko-KR">
-                <a:hlinkClick r:id="rId2"/>
-              </a:rPr>
-              <a:t>://</a:t>
-            </a:r>
-            <a:r>
-              <a:rPr lang="en-US" altLang="ko-KR" smtClean="0">
+              <a:t>http://</a:t>
+            </a:r>
+            <a:r>
+              <a:rPr lang="en-US" altLang="ko-KR" dirty="0" smtClean="0">
                 <a:hlinkClick r:id="rId2"/>
               </a:rPr>
               <a:t>165.229.194.169:443</a:t>
@@ -5673,7 +5682,12 @@
             <p:ph type="title"/>
           </p:nvPr>
         </p:nvSpPr>
-        <p:spPr/>
+        <p:spPr>
+          <a:xfrm>
+            <a:off x="838200" y="365126"/>
+            <a:ext cx="10515600" cy="866516"/>
+          </a:xfrm>
+        </p:spPr>
         <p:txBody>
           <a:bodyPr/>
           <a:lstStyle/>
@@ -5696,10 +5710,15 @@
             <p:ph idx="1"/>
           </p:nvPr>
         </p:nvSpPr>
-        <p:spPr/>
+        <p:spPr>
+          <a:xfrm>
+            <a:off x="838200" y="1418253"/>
+            <a:ext cx="10515600" cy="4758710"/>
+          </a:xfrm>
+        </p:spPr>
         <p:txBody>
           <a:bodyPr>
-            <a:normAutofit lnSpcReduction="10000"/>
+            <a:normAutofit/>
           </a:bodyPr>
           <a:lstStyle/>
           <a:p>

--- a/ppt/Python_1_소개.pptx
+++ b/ppt/Python_1_소개.pptx
@@ -20,16 +20,17 @@
     <p:sldId id="264" r:id="rId14"/>
     <p:sldId id="265" r:id="rId15"/>
     <p:sldId id="281" r:id="rId16"/>
-    <p:sldId id="266" r:id="rId17"/>
-    <p:sldId id="291" r:id="rId18"/>
-    <p:sldId id="268" r:id="rId19"/>
-    <p:sldId id="269" r:id="rId20"/>
-    <p:sldId id="292" r:id="rId21"/>
-    <p:sldId id="282" r:id="rId22"/>
-    <p:sldId id="293" r:id="rId23"/>
-    <p:sldId id="275" r:id="rId24"/>
-    <p:sldId id="289" r:id="rId25"/>
-    <p:sldId id="290" r:id="rId26"/>
+    <p:sldId id="294" r:id="rId17"/>
+    <p:sldId id="266" r:id="rId18"/>
+    <p:sldId id="291" r:id="rId19"/>
+    <p:sldId id="268" r:id="rId20"/>
+    <p:sldId id="269" r:id="rId21"/>
+    <p:sldId id="292" r:id="rId22"/>
+    <p:sldId id="282" r:id="rId23"/>
+    <p:sldId id="293" r:id="rId24"/>
+    <p:sldId id="275" r:id="rId25"/>
+    <p:sldId id="289" r:id="rId26"/>
+    <p:sldId id="290" r:id="rId27"/>
   </p:sldIdLst>
   <p:sldSz cx="12192000" cy="6858000"/>
   <p:notesSz cx="6858000" cy="9144000"/>
@@ -3798,77 +3799,65 @@
           <a:p>
             <a:r>
               <a:rPr lang="en-US" altLang="ko-KR" sz="2400" spc="-150" dirty="0" smtClean="0"/>
-              <a:t>Python </a:t>
-            </a:r>
+              <a:t>Python 2.x</a:t>
+            </a:r>
+            <a:r>
+              <a:rPr lang="ko-KR" altLang="en-US" sz="2400" spc="-150" dirty="0" smtClean="0"/>
+              <a:t>과 </a:t>
+            </a:r>
+            <a:r>
+              <a:rPr lang="en-US" altLang="ko-KR" sz="2400" spc="-150" dirty="0" smtClean="0"/>
+              <a:t>3.x </a:t>
+            </a:r>
+            <a:r>
+              <a:rPr lang="ko-KR" altLang="en-US" sz="2400" spc="-150" dirty="0" smtClean="0"/>
+              <a:t>버전이 있음</a:t>
+            </a:r>
+            <a:endParaRPr lang="en-US" altLang="ko-KR" sz="2400" spc="-150" dirty="0" smtClean="0"/>
+          </a:p>
+          <a:p>
+            <a:endParaRPr lang="en-US" altLang="ko-KR" sz="2400" spc="-150" dirty="0" smtClean="0"/>
+          </a:p>
+          <a:p>
             <a:r>
               <a:rPr lang="en-US" altLang="ko-KR" sz="2400" spc="-150" dirty="0" smtClean="0"/>
               <a:t>2.x</a:t>
             </a:r>
             <a:r>
               <a:rPr lang="ko-KR" altLang="en-US" sz="2400" spc="-150" dirty="0" smtClean="0"/>
-              <a:t>과 </a:t>
-            </a:r>
+              <a:t>은 오래되었으나 안정성이 높음</a:t>
+            </a:r>
+            <a:endParaRPr lang="en-US" altLang="ko-KR" sz="2400" spc="-150" dirty="0" smtClean="0"/>
+          </a:p>
+          <a:p>
+            <a:endParaRPr lang="en-US" altLang="ko-KR" sz="2400" spc="-150" dirty="0" smtClean="0"/>
+          </a:p>
+          <a:p>
             <a:r>
               <a:rPr lang="en-US" altLang="ko-KR" sz="2400" spc="-150" dirty="0" smtClean="0"/>
-              <a:t>3.x </a:t>
+              <a:t>3.x</a:t>
             </a:r>
             <a:r>
               <a:rPr lang="ko-KR" altLang="en-US" sz="2400" spc="-150" dirty="0" smtClean="0"/>
-              <a:t>버전이 있음</a:t>
-            </a:r>
-            <a:endParaRPr lang="en-US" altLang="ko-KR" sz="2400" spc="-150" dirty="0" smtClean="0"/>
-          </a:p>
-          <a:p>
-            <a:endParaRPr lang="en-US" altLang="ko-KR" sz="2400" spc="-150" dirty="0" smtClean="0"/>
-          </a:p>
-          <a:p>
+              <a:t>버전은 새롭게 업데이트 되는 버전이나 </a:t>
+            </a:r>
             <a:r>
               <a:rPr lang="en-US" altLang="ko-KR" sz="2400" spc="-150" dirty="0" smtClean="0"/>
               <a:t>2.x</a:t>
             </a:r>
             <a:r>
               <a:rPr lang="ko-KR" altLang="en-US" sz="2400" spc="-150" dirty="0" smtClean="0"/>
-              <a:t>은 </a:t>
-            </a:r>
+              <a:t>버전과 호환되지 않을 수 있음</a:t>
+            </a:r>
+            <a:endParaRPr lang="en-US" altLang="ko-KR" sz="2400" spc="-150" dirty="0" smtClean="0"/>
+          </a:p>
+          <a:p>
+            <a:endParaRPr lang="en-US" altLang="ko-KR" sz="2400" spc="-150" dirty="0" smtClean="0"/>
+          </a:p>
+          <a:p>
             <a:r>
               <a:rPr lang="ko-KR" altLang="en-US" sz="2400" spc="-150" dirty="0" smtClean="0"/>
-              <a:t>오래되었으나 안정성이 높음</a:t>
-            </a:r>
-            <a:endParaRPr lang="en-US" altLang="ko-KR" sz="2400" spc="-150" dirty="0" smtClean="0"/>
-          </a:p>
-          <a:p>
-            <a:endParaRPr lang="en-US" altLang="ko-KR" sz="2400" spc="-150" dirty="0" smtClean="0"/>
-          </a:p>
-          <a:p>
-            <a:r>
-              <a:rPr lang="en-US" altLang="ko-KR" sz="2400" spc="-150" dirty="0" smtClean="0"/>
-              <a:t>3.x</a:t>
-            </a:r>
-            <a:r>
-              <a:rPr lang="ko-KR" altLang="en-US" sz="2400" spc="-150" dirty="0" smtClean="0"/>
-              <a:t>버전은 새롭게 업데이트 되는 버전이나 </a:t>
-            </a:r>
-            <a:r>
-              <a:rPr lang="en-US" altLang="ko-KR" sz="2400" spc="-150" dirty="0" smtClean="0"/>
-              <a:t>2.x</a:t>
-            </a:r>
-            <a:r>
-              <a:rPr lang="ko-KR" altLang="en-US" sz="2400" spc="-150" dirty="0" smtClean="0"/>
-              <a:t>버전과 호환되지 않을 수 있음</a:t>
-            </a:r>
-            <a:endParaRPr lang="en-US" altLang="ko-KR" sz="2400" spc="-150" dirty="0" smtClean="0"/>
-          </a:p>
-          <a:p>
-            <a:endParaRPr lang="en-US" altLang="ko-KR" sz="2400" spc="-150" dirty="0" smtClean="0"/>
-          </a:p>
-          <a:p>
-            <a:r>
-              <a:rPr lang="ko-KR" altLang="en-US" sz="2400" spc="-150" dirty="0" smtClean="0"/>
-              <a:t>이번 강의에 있어 버전 선택은 크게 중요한 이슈는 </a:t>
-            </a:r>
-            <a:r>
-              <a:rPr lang="ko-KR" altLang="en-US" sz="2400" spc="-150" dirty="0" smtClean="0"/>
-              <a:t>아</a:t>
+              <a:t>이번 강의에 있어 버전 선택은 크게 중요한 이슈는 아</a:t>
             </a:r>
             <a:r>
               <a:rPr lang="ko-KR" altLang="en-US" sz="2400" spc="-150" dirty="0"/>
@@ -4128,6 +4117,134 @@
       </p:grpSpPr>
       <p:sp>
         <p:nvSpPr>
+          <p:cNvPr id="2" name="제목 1"/>
+          <p:cNvSpPr>
+            <a:spLocks noGrp="1"/>
+          </p:cNvSpPr>
+          <p:nvPr>
+            <p:ph type="title"/>
+          </p:nvPr>
+        </p:nvSpPr>
+        <p:spPr/>
+        <p:txBody>
+          <a:bodyPr/>
+          <a:lstStyle/>
+          <a:p>
+            <a:r>
+              <a:rPr lang="en-US" altLang="ko-KR" dirty="0" smtClean="0"/>
+              <a:t>Python</a:t>
+            </a:r>
+            <a:r>
+              <a:rPr lang="ko-KR" altLang="en-US" dirty="0" smtClean="0"/>
+              <a:t>을 다루는 방법</a:t>
+            </a:r>
+            <a:endParaRPr lang="ko-KR" altLang="en-US" dirty="0"/>
+          </a:p>
+        </p:txBody>
+      </p:sp>
+      <p:sp>
+        <p:nvSpPr>
+          <p:cNvPr id="3" name="내용 개체 틀 2"/>
+          <p:cNvSpPr>
+            <a:spLocks noGrp="1"/>
+          </p:cNvSpPr>
+          <p:nvPr>
+            <p:ph idx="1"/>
+          </p:nvPr>
+        </p:nvSpPr>
+        <p:spPr/>
+        <p:txBody>
+          <a:bodyPr/>
+          <a:lstStyle/>
+          <a:p>
+            <a:r>
+              <a:rPr lang="en-US" altLang="ko-KR" dirty="0" err="1" smtClean="0"/>
+              <a:t>Spyder</a:t>
+            </a:r>
+            <a:r>
+              <a:rPr lang="en-US" altLang="ko-KR" dirty="0" smtClean="0"/>
+              <a:t> </a:t>
+            </a:r>
+            <a:r>
+              <a:rPr lang="ko-KR" altLang="en-US" dirty="0" smtClean="0"/>
+              <a:t>개발 환경을 이용하는 방법</a:t>
+            </a:r>
+            <a:endParaRPr lang="en-US" altLang="ko-KR" dirty="0" smtClean="0"/>
+          </a:p>
+          <a:p>
+            <a:endParaRPr lang="en-US" altLang="ko-KR" dirty="0"/>
+          </a:p>
+          <a:p>
+            <a:r>
+              <a:rPr lang="ko-KR" altLang="en-US" dirty="0" smtClean="0"/>
+              <a:t>로컬 컴퓨터에 설치된 </a:t>
+            </a:r>
+            <a:r>
+              <a:rPr lang="en-US" altLang="ko-KR" dirty="0" err="1" smtClean="0"/>
+              <a:t>Jupyter</a:t>
+            </a:r>
+            <a:r>
+              <a:rPr lang="en-US" altLang="ko-KR" dirty="0" smtClean="0"/>
+              <a:t> notebook</a:t>
+            </a:r>
+            <a:r>
+              <a:rPr lang="ko-KR" altLang="en-US" dirty="0" smtClean="0"/>
+              <a:t>을 이용하는 방법</a:t>
+            </a:r>
+            <a:endParaRPr lang="en-US" altLang="ko-KR" dirty="0" smtClean="0"/>
+          </a:p>
+          <a:p>
+            <a:endParaRPr lang="en-US" altLang="ko-KR" dirty="0"/>
+          </a:p>
+          <a:p>
+            <a:r>
+              <a:rPr lang="ko-KR" altLang="en-US" dirty="0" smtClean="0"/>
+              <a:t>서버에 설치된 </a:t>
+            </a:r>
+            <a:r>
+              <a:rPr lang="en-US" altLang="ko-KR" dirty="0" err="1" smtClean="0"/>
+              <a:t>Jupyterhub</a:t>
+            </a:r>
+            <a:r>
+              <a:rPr lang="ko-KR" altLang="en-US" dirty="0" smtClean="0"/>
+              <a:t>를 이용하는 방법</a:t>
+            </a:r>
+            <a:endParaRPr lang="ko-KR" altLang="en-US" dirty="0"/>
+          </a:p>
+        </p:txBody>
+      </p:sp>
+    </p:spTree>
+    <p:extLst>
+      <p:ext uri="{BB962C8B-B14F-4D97-AF65-F5344CB8AC3E}">
+        <p14:creationId xmlns:p14="http://schemas.microsoft.com/office/powerpoint/2010/main" val="2256142503"/>
+      </p:ext>
+    </p:extLst>
+  </p:cSld>
+  <p:clrMapOvr>
+    <a:masterClrMapping/>
+  </p:clrMapOvr>
+</p:sld>
+</file>
+
+<file path=ppt/slides/slide17.xml><?xml version="1.0" encoding="utf-8"?>
+<p:sld xmlns:a="http://schemas.openxmlformats.org/drawingml/2006/main" xmlns:r="http://schemas.openxmlformats.org/officeDocument/2006/relationships" xmlns:p="http://schemas.openxmlformats.org/presentationml/2006/main">
+  <p:cSld>
+    <p:spTree>
+      <p:nvGrpSpPr>
+        <p:cNvPr id="1" name=""/>
+        <p:cNvGrpSpPr/>
+        <p:nvPr/>
+      </p:nvGrpSpPr>
+      <p:grpSpPr>
+        <a:xfrm>
+          <a:off x="0" y="0"/>
+          <a:ext cx="0" cy="0"/>
+          <a:chOff x="0" y="0"/>
+          <a:chExt cx="0" cy="0"/>
+        </a:xfrm>
+      </p:grpSpPr>
+      <p:sp>
+        <p:nvSpPr>
           <p:cNvPr id="5" name="제목 4"/>
           <p:cNvSpPr>
             <a:spLocks noGrp="1"/>
@@ -4353,7 +4470,7 @@
 </p:sld>
 </file>
 
-<file path=ppt/slides/slide17.xml><?xml version="1.0" encoding="utf-8"?>
+<file path=ppt/slides/slide18.xml><?xml version="1.0" encoding="utf-8"?>
 <p:sld xmlns:a="http://schemas.openxmlformats.org/drawingml/2006/main" xmlns:r="http://schemas.openxmlformats.org/officeDocument/2006/relationships" xmlns:p="http://schemas.openxmlformats.org/presentationml/2006/main">
   <p:cSld>
     <p:spTree>
@@ -4439,7 +4556,7 @@
 </p:sld>
 </file>
 
-<file path=ppt/slides/slide18.xml><?xml version="1.0" encoding="utf-8"?>
+<file path=ppt/slides/slide19.xml><?xml version="1.0" encoding="utf-8"?>
 <p:sld xmlns:a="http://schemas.openxmlformats.org/drawingml/2006/main" xmlns:r="http://schemas.openxmlformats.org/officeDocument/2006/relationships" xmlns:p="http://schemas.openxmlformats.org/presentationml/2006/main">
   <p:cSld>
     <p:spTree>
@@ -4586,11 +4703,23 @@
           <a:p>
             <a:r>
               <a:rPr lang="en-US" altLang="ko-KR" dirty="0" smtClean="0"/>
-              <a:t>print “Hello, world!”</a:t>
-            </a:r>
-            <a:r>
-              <a:rPr lang="ko-KR" altLang="en-US" dirty="0" smtClean="0"/>
-              <a:t>와 같은 명령도 수행해 보자</a:t>
+              <a:t>print(“Hello</a:t>
+            </a:r>
+            <a:r>
+              <a:rPr lang="en-US" altLang="ko-KR" dirty="0" smtClean="0"/>
+              <a:t>, world</a:t>
+            </a:r>
+            <a:r>
+              <a:rPr lang="en-US" altLang="ko-KR" dirty="0" smtClean="0"/>
+              <a:t>!”)</a:t>
+            </a:r>
+            <a:r>
+              <a:rPr lang="ko-KR" altLang="en-US" dirty="0" smtClean="0"/>
+              <a:t>와 </a:t>
+            </a:r>
+            <a:r>
+              <a:rPr lang="ko-KR" altLang="en-US" dirty="0" smtClean="0"/>
+              <a:t>같은 명령도 수행해 보자</a:t>
             </a:r>
             <a:r>
               <a:rPr lang="en-US" altLang="ko-KR" dirty="0" smtClean="0"/>
@@ -4638,7 +4767,119 @@
 </p:sld>
 </file>
 
-<file path=ppt/slides/slide19.xml><?xml version="1.0" encoding="utf-8"?>
+<file path=ppt/slides/slide2.xml><?xml version="1.0" encoding="utf-8"?>
+<p:sld xmlns:a="http://schemas.openxmlformats.org/drawingml/2006/main" xmlns:r="http://schemas.openxmlformats.org/officeDocument/2006/relationships" xmlns:p="http://schemas.openxmlformats.org/presentationml/2006/main">
+  <p:cSld>
+    <p:spTree>
+      <p:nvGrpSpPr>
+        <p:cNvPr id="1" name=""/>
+        <p:cNvGrpSpPr/>
+        <p:nvPr/>
+      </p:nvGrpSpPr>
+      <p:grpSpPr>
+        <a:xfrm>
+          <a:off x="0" y="0"/>
+          <a:ext cx="0" cy="0"/>
+          <a:chOff x="0" y="0"/>
+          <a:chExt cx="0" cy="0"/>
+        </a:xfrm>
+      </p:grpSpPr>
+      <p:sp>
+        <p:nvSpPr>
+          <p:cNvPr id="2" name="제목 1"/>
+          <p:cNvSpPr>
+            <a:spLocks noGrp="1"/>
+          </p:cNvSpPr>
+          <p:nvPr>
+            <p:ph type="title"/>
+          </p:nvPr>
+        </p:nvSpPr>
+        <p:spPr/>
+        <p:txBody>
+          <a:bodyPr/>
+          <a:lstStyle/>
+          <a:p>
+            <a:r>
+              <a:rPr lang="ko-KR" altLang="en-US" dirty="0" smtClean="0"/>
+              <a:t>컴퓨터</a:t>
+            </a:r>
+            <a:endParaRPr lang="ko-KR" altLang="en-US" dirty="0"/>
+          </a:p>
+        </p:txBody>
+      </p:sp>
+      <p:sp>
+        <p:nvSpPr>
+          <p:cNvPr id="3" name="내용 개체 틀 2"/>
+          <p:cNvSpPr>
+            <a:spLocks noGrp="1"/>
+          </p:cNvSpPr>
+          <p:nvPr>
+            <p:ph idx="1"/>
+          </p:nvPr>
+        </p:nvSpPr>
+        <p:spPr/>
+        <p:txBody>
+          <a:bodyPr/>
+          <a:lstStyle/>
+          <a:p>
+            <a:r>
+              <a:rPr lang="ko-KR" altLang="en-US" dirty="0" smtClean="0"/>
+              <a:t>컴퓨터가 잘 하는 것</a:t>
+            </a:r>
+            <a:endParaRPr lang="en-US" altLang="ko-KR" dirty="0" smtClean="0"/>
+          </a:p>
+          <a:p>
+            <a:pPr lvl="1"/>
+            <a:r>
+              <a:rPr lang="ko-KR" altLang="en-US" dirty="0" smtClean="0"/>
+              <a:t>계산을 수행하고 계산 결과들을 기억한다</a:t>
+            </a:r>
+            <a:r>
+              <a:rPr lang="en-US" altLang="ko-KR" dirty="0" smtClean="0"/>
+              <a:t>.</a:t>
+            </a:r>
+          </a:p>
+          <a:p>
+            <a:endParaRPr lang="en-US" altLang="ko-KR" dirty="0" smtClean="0"/>
+          </a:p>
+          <a:p>
+            <a:r>
+              <a:rPr lang="ko-KR" altLang="en-US" dirty="0" smtClean="0"/>
+              <a:t>컴퓨터가 할 수 있는 것</a:t>
+            </a:r>
+            <a:endParaRPr lang="en-US" altLang="ko-KR" dirty="0" smtClean="0"/>
+          </a:p>
+          <a:p>
+            <a:pPr lvl="1"/>
+            <a:r>
+              <a:rPr lang="ko-KR" altLang="en-US" dirty="0"/>
+              <a:t>계산을 수행하고 계산 결과들을 기억한다</a:t>
+            </a:r>
+            <a:r>
+              <a:rPr lang="en-US" altLang="ko-KR" dirty="0"/>
+              <a:t>.</a:t>
+            </a:r>
+          </a:p>
+          <a:p>
+            <a:pPr lvl="1"/>
+            <a:endParaRPr lang="ko-KR" altLang="en-US" dirty="0"/>
+          </a:p>
+        </p:txBody>
+      </p:sp>
+    </p:spTree>
+    <p:extLst>
+      <p:ext uri="{BB962C8B-B14F-4D97-AF65-F5344CB8AC3E}">
+        <p14:creationId xmlns:p14="http://schemas.microsoft.com/office/powerpoint/2010/main" val="2413130484"/>
+      </p:ext>
+    </p:extLst>
+  </p:cSld>
+  <p:clrMapOvr>
+    <a:masterClrMapping/>
+  </p:clrMapOvr>
+</p:sld>
+</file>
+
+<file path=ppt/slides/slide20.xml><?xml version="1.0" encoding="utf-8"?>
 <p:sld xmlns:a="http://schemas.openxmlformats.org/drawingml/2006/main" xmlns:r="http://schemas.openxmlformats.org/officeDocument/2006/relationships" xmlns:p="http://schemas.openxmlformats.org/presentationml/2006/main">
   <p:cSld>
     <p:spTree>
@@ -4780,123 +5021,7 @@
 </p:sld>
 </file>
 
-<file path=ppt/slides/slide2.xml><?xml version="1.0" encoding="utf-8"?>
-<p:sld xmlns:a="http://schemas.openxmlformats.org/drawingml/2006/main" xmlns:r="http://schemas.openxmlformats.org/officeDocument/2006/relationships" xmlns:p="http://schemas.openxmlformats.org/presentationml/2006/main">
-  <p:cSld>
-    <p:spTree>
-      <p:nvGrpSpPr>
-        <p:cNvPr id="1" name=""/>
-        <p:cNvGrpSpPr/>
-        <p:nvPr/>
-      </p:nvGrpSpPr>
-      <p:grpSpPr>
-        <a:xfrm>
-          <a:off x="0" y="0"/>
-          <a:ext cx="0" cy="0"/>
-          <a:chOff x="0" y="0"/>
-          <a:chExt cx="0" cy="0"/>
-        </a:xfrm>
-      </p:grpSpPr>
-      <p:sp>
-        <p:nvSpPr>
-          <p:cNvPr id="2" name="제목 1"/>
-          <p:cNvSpPr>
-            <a:spLocks noGrp="1"/>
-          </p:cNvSpPr>
-          <p:nvPr>
-            <p:ph type="title"/>
-          </p:nvPr>
-        </p:nvSpPr>
-        <p:spPr/>
-        <p:txBody>
-          <a:bodyPr/>
-          <a:lstStyle/>
-          <a:p>
-            <a:r>
-              <a:rPr lang="ko-KR" altLang="en-US" dirty="0" smtClean="0"/>
-              <a:t>컴퓨터</a:t>
-            </a:r>
-            <a:endParaRPr lang="ko-KR" altLang="en-US" dirty="0"/>
-          </a:p>
-        </p:txBody>
-      </p:sp>
-      <p:sp>
-        <p:nvSpPr>
-          <p:cNvPr id="3" name="내용 개체 틀 2"/>
-          <p:cNvSpPr>
-            <a:spLocks noGrp="1"/>
-          </p:cNvSpPr>
-          <p:nvPr>
-            <p:ph idx="1"/>
-          </p:nvPr>
-        </p:nvSpPr>
-        <p:spPr/>
-        <p:txBody>
-          <a:bodyPr/>
-          <a:lstStyle/>
-          <a:p>
-            <a:r>
-              <a:rPr lang="ko-KR" altLang="en-US" dirty="0" smtClean="0"/>
-              <a:t>컴퓨터가 잘 하는 것</a:t>
-            </a:r>
-            <a:endParaRPr lang="en-US" altLang="ko-KR" dirty="0" smtClean="0"/>
-          </a:p>
-          <a:p>
-            <a:pPr lvl="1"/>
-            <a:r>
-              <a:rPr lang="ko-KR" altLang="en-US" dirty="0" smtClean="0"/>
-              <a:t>계산을 수행하고 계산 결과들을 기억한다</a:t>
-            </a:r>
-            <a:r>
-              <a:rPr lang="en-US" altLang="ko-KR" dirty="0" smtClean="0"/>
-              <a:t>.</a:t>
-            </a:r>
-          </a:p>
-          <a:p>
-            <a:endParaRPr lang="en-US" altLang="ko-KR" dirty="0" smtClean="0"/>
-          </a:p>
-          <a:p>
-            <a:r>
-              <a:rPr lang="ko-KR" altLang="en-US" dirty="0" smtClean="0"/>
-              <a:t>컴퓨터가 </a:t>
-            </a:r>
-            <a:r>
-              <a:rPr lang="ko-KR" altLang="en-US" dirty="0" smtClean="0"/>
-              <a:t>할 수 있는 것</a:t>
-            </a:r>
-            <a:endParaRPr lang="en-US" altLang="ko-KR" dirty="0" smtClean="0"/>
-          </a:p>
-          <a:p>
-            <a:pPr lvl="1"/>
-            <a:r>
-              <a:rPr lang="ko-KR" altLang="en-US" dirty="0"/>
-              <a:t>계산을 수행하고 계산 결과들을 기억한다</a:t>
-            </a:r>
-            <a:r>
-              <a:rPr lang="en-US" altLang="ko-KR" dirty="0"/>
-              <a:t>.</a:t>
-            </a:r>
-          </a:p>
-          <a:p>
-            <a:pPr lvl="1"/>
-            <a:endParaRPr lang="ko-KR" altLang="en-US" dirty="0"/>
-          </a:p>
-        </p:txBody>
-      </p:sp>
-    </p:spTree>
-    <p:extLst>
-      <p:ext uri="{BB962C8B-B14F-4D97-AF65-F5344CB8AC3E}">
-        <p14:creationId xmlns:p14="http://schemas.microsoft.com/office/powerpoint/2010/main" val="2413130484"/>
-      </p:ext>
-    </p:extLst>
-  </p:cSld>
-  <p:clrMapOvr>
-    <a:masterClrMapping/>
-  </p:clrMapOvr>
-</p:sld>
-</file>
-
-<file path=ppt/slides/slide20.xml><?xml version="1.0" encoding="utf-8"?>
+<file path=ppt/slides/slide21.xml><?xml version="1.0" encoding="utf-8"?>
 <p:sld xmlns:a="http://schemas.openxmlformats.org/drawingml/2006/main" xmlns:r="http://schemas.openxmlformats.org/officeDocument/2006/relationships" xmlns:p="http://schemas.openxmlformats.org/presentationml/2006/main">
   <p:cSld>
     <p:spTree>
@@ -4952,7 +5077,7 @@
 </p:sld>
 </file>
 
-<file path=ppt/slides/slide21.xml><?xml version="1.0" encoding="utf-8"?>
+<file path=ppt/slides/slide22.xml><?xml version="1.0" encoding="utf-8"?>
 <p:sld xmlns:a="http://schemas.openxmlformats.org/drawingml/2006/main" xmlns:r="http://schemas.openxmlformats.org/officeDocument/2006/relationships" xmlns:p="http://schemas.openxmlformats.org/presentationml/2006/main">
   <p:cSld>
     <p:spTree>
@@ -4985,20 +5110,16 @@
           <a:lstStyle/>
           <a:p>
             <a:r>
-              <a:rPr lang="ko-KR" altLang="en-US" smtClean="0"/>
+              <a:rPr lang="ko-KR" altLang="en-US" dirty="0" smtClean="0"/>
               <a:t>로컬 컴퓨터의 </a:t>
             </a:r>
             <a:r>
-              <a:rPr lang="en-US" altLang="ko-KR" smtClean="0"/>
+              <a:rPr lang="en-US" altLang="ko-KR" dirty="0" err="1" smtClean="0"/>
               <a:t>Jupyter</a:t>
             </a:r>
             <a:r>
               <a:rPr lang="en-US" altLang="ko-KR" dirty="0" smtClean="0"/>
-              <a:t> </a:t>
-            </a:r>
-            <a:r>
-              <a:rPr lang="en-US" altLang="ko-KR" dirty="0" smtClean="0"/>
-              <a:t>notebook</a:t>
+              <a:t> notebook</a:t>
             </a:r>
             <a:endParaRPr lang="ko-KR" altLang="en-US" dirty="0"/>
           </a:p>
@@ -5084,7 +5205,27 @@
             </a:r>
             <a:r>
               <a:rPr lang="ko-KR" altLang="en-US" dirty="0" smtClean="0"/>
-              <a:t>을 입력하여 실행</a:t>
+              <a:t>을 입력하여 </a:t>
+            </a:r>
+            <a:r>
+              <a:rPr lang="ko-KR" altLang="en-US" dirty="0" smtClean="0"/>
+              <a:t>실행</a:t>
+            </a:r>
+            <a:r>
+              <a:rPr lang="ko-KR" altLang="en-US" dirty="0" smtClean="0"/>
+              <a:t>하거나 검색을 통하여 </a:t>
+            </a:r>
+            <a:r>
+              <a:rPr lang="en-US" altLang="ko-KR" err="1" smtClean="0"/>
+              <a:t>jupyter</a:t>
+            </a:r>
+            <a:r>
+              <a:rPr lang="en-US" altLang="ko-KR" smtClean="0"/>
+              <a:t> notebook </a:t>
+            </a:r>
+            <a:r>
+              <a:rPr lang="ko-KR" altLang="en-US" smtClean="0"/>
+              <a:t>검색</a:t>
             </a:r>
             <a:endParaRPr lang="en-US" altLang="ko-KR" dirty="0" smtClean="0"/>
           </a:p>
@@ -5138,7 +5279,7 @@
 </p:sld>
 </file>
 
-<file path=ppt/slides/slide22.xml><?xml version="1.0" encoding="utf-8"?>
+<file path=ppt/slides/slide23.xml><?xml version="1.0" encoding="utf-8"?>
 <p:sld xmlns:a="http://schemas.openxmlformats.org/drawingml/2006/main" xmlns:r="http://schemas.openxmlformats.org/officeDocument/2006/relationships" xmlns:p="http://schemas.openxmlformats.org/presentationml/2006/main">
   <p:cSld>
     <p:spTree>
@@ -5176,11 +5317,7 @@
             </a:r>
             <a:r>
               <a:rPr lang="en-US" altLang="ko-KR" dirty="0" err="1" smtClean="0"/>
-              <a:t>jupyter</a:t>
-            </a:r>
-            <a:r>
-              <a:rPr lang="en-US" altLang="ko-KR" dirty="0" err="1" smtClean="0"/>
-              <a:t>hub</a:t>
+              <a:t>jupyterhub</a:t>
             </a:r>
             <a:r>
               <a:rPr lang="en-US" altLang="ko-KR" dirty="0" smtClean="0"/>
@@ -5298,152 +5435,6 @@
 </p:sld>
 </file>
 
-<file path=ppt/slides/slide23.xml><?xml version="1.0" encoding="utf-8"?>
-<p:sld xmlns:a="http://schemas.openxmlformats.org/drawingml/2006/main" xmlns:r="http://schemas.openxmlformats.org/officeDocument/2006/relationships" xmlns:p="http://schemas.openxmlformats.org/presentationml/2006/main">
-  <p:cSld>
-    <p:spTree>
-      <p:nvGrpSpPr>
-        <p:cNvPr id="1" name=""/>
-        <p:cNvGrpSpPr/>
-        <p:nvPr/>
-      </p:nvGrpSpPr>
-      <p:grpSpPr>
-        <a:xfrm>
-          <a:off x="0" y="0"/>
-          <a:ext cx="0" cy="0"/>
-          <a:chOff x="0" y="0"/>
-          <a:chExt cx="0" cy="0"/>
-        </a:xfrm>
-      </p:grpSpPr>
-      <p:sp>
-        <p:nvSpPr>
-          <p:cNvPr id="2" name="제목 1"/>
-          <p:cNvSpPr>
-            <a:spLocks noGrp="1"/>
-          </p:cNvSpPr>
-          <p:nvPr>
-            <p:ph type="title"/>
-          </p:nvPr>
-        </p:nvSpPr>
-        <p:spPr/>
-        <p:txBody>
-          <a:bodyPr/>
-          <a:lstStyle/>
-          <a:p>
-            <a:r>
-              <a:rPr lang="en-US" altLang="ko-KR" dirty="0" smtClean="0"/>
-              <a:t>Editor </a:t>
-            </a:r>
-            <a:r>
-              <a:rPr lang="ko-KR" altLang="en-US" dirty="0" smtClean="0"/>
-              <a:t>혹은 개발 환경 선택</a:t>
-            </a:r>
-            <a:endParaRPr lang="ko-KR" altLang="en-US" dirty="0"/>
-          </a:p>
-        </p:txBody>
-      </p:sp>
-      <p:sp>
-        <p:nvSpPr>
-          <p:cNvPr id="3" name="내용 개체 틀 2"/>
-          <p:cNvSpPr>
-            <a:spLocks noGrp="1"/>
-          </p:cNvSpPr>
-          <p:nvPr>
-            <p:ph idx="1"/>
-          </p:nvPr>
-        </p:nvSpPr>
-        <p:spPr/>
-        <p:txBody>
-          <a:bodyPr/>
-          <a:lstStyle/>
-          <a:p>
-            <a:r>
-              <a:rPr lang="ko-KR" altLang="en-US" dirty="0" smtClean="0"/>
-              <a:t>프로그램 코드는 사실 </a:t>
-            </a:r>
-            <a:r>
-              <a:rPr lang="en-US" altLang="ko-KR" dirty="0" smtClean="0"/>
-              <a:t>text </a:t>
-            </a:r>
-            <a:r>
-              <a:rPr lang="ko-KR" altLang="en-US" dirty="0" smtClean="0"/>
-              <a:t>파일이며</a:t>
-            </a:r>
-            <a:r>
-              <a:rPr lang="en-US" altLang="ko-KR" dirty="0" smtClean="0"/>
-              <a:t>, </a:t>
-            </a:r>
-            <a:r>
-              <a:rPr lang="ko-KR" altLang="en-US" dirty="0" smtClean="0"/>
-              <a:t>이를 작성하기 위해서는 윈도우의 기본 메모장</a:t>
-            </a:r>
-            <a:r>
-              <a:rPr lang="en-US" altLang="ko-KR" dirty="0" smtClean="0"/>
-              <a:t>(notepad)</a:t>
-            </a:r>
-            <a:r>
-              <a:rPr lang="ko-KR" altLang="en-US" dirty="0" smtClean="0"/>
-              <a:t>으로</a:t>
-            </a:r>
-            <a:r>
-              <a:rPr lang="ko-KR" altLang="en-US" dirty="0"/>
-              <a:t>도</a:t>
-            </a:r>
-            <a:r>
-              <a:rPr lang="ko-KR" altLang="en-US" dirty="0" smtClean="0"/>
-              <a:t> 충분함</a:t>
-            </a:r>
-            <a:endParaRPr lang="en-US" altLang="ko-KR" dirty="0" smtClean="0"/>
-          </a:p>
-          <a:p>
-            <a:endParaRPr lang="en-US" altLang="ko-KR" dirty="0" smtClean="0"/>
-          </a:p>
-          <a:p>
-            <a:r>
-              <a:rPr lang="ko-KR" altLang="en-US" dirty="0" smtClean="0"/>
-              <a:t>그러나 보다 편리한 개발 환경을 위하여</a:t>
-            </a:r>
-            <a:r>
-              <a:rPr lang="en-US" altLang="ko-KR" dirty="0" smtClean="0"/>
-              <a:t> </a:t>
-            </a:r>
-            <a:r>
-              <a:rPr lang="en-US" altLang="ko-KR" dirty="0" err="1" smtClean="0"/>
-              <a:t>Spyder</a:t>
-            </a:r>
-            <a:r>
-              <a:rPr lang="en-US" altLang="ko-KR" dirty="0" smtClean="0"/>
-              <a:t>, Sublime text, VIM, Notepad++ </a:t>
-            </a:r>
-            <a:r>
-              <a:rPr lang="ko-KR" altLang="en-US" dirty="0" smtClean="0"/>
-              <a:t>등의 프로그램을 활용</a:t>
-            </a:r>
-            <a:endParaRPr lang="en-US" altLang="ko-KR" dirty="0" smtClean="0"/>
-          </a:p>
-          <a:p>
-            <a:pPr lvl="1"/>
-            <a:r>
-              <a:rPr lang="ko-KR" altLang="en-US" dirty="0" smtClean="0"/>
-              <a:t>어떤 에디터를 활용하는가는 개인 취향의 문제</a:t>
-            </a:r>
-            <a:endParaRPr lang="ko-KR" altLang="en-US" dirty="0"/>
-          </a:p>
-        </p:txBody>
-      </p:sp>
-    </p:spTree>
-    <p:extLst>
-      <p:ext uri="{BB962C8B-B14F-4D97-AF65-F5344CB8AC3E}">
-        <p14:creationId xmlns:p14="http://schemas.microsoft.com/office/powerpoint/2010/main" val="2885023970"/>
-      </p:ext>
-    </p:extLst>
-  </p:cSld>
-  <p:clrMapOvr>
-    <a:masterClrMapping/>
-  </p:clrMapOvr>
-</p:sld>
-</file>
-
 <file path=ppt/slides/slide24.xml><?xml version="1.0" encoding="utf-8"?>
 <p:sld xmlns:a="http://schemas.openxmlformats.org/drawingml/2006/main" xmlns:r="http://schemas.openxmlformats.org/officeDocument/2006/relationships" xmlns:p="http://schemas.openxmlformats.org/presentationml/2006/main">
   <p:cSld>
@@ -5477,6 +5468,152 @@
           <a:lstStyle/>
           <a:p>
             <a:r>
+              <a:rPr lang="en-US" altLang="ko-KR" dirty="0" smtClean="0"/>
+              <a:t>Editor </a:t>
+            </a:r>
+            <a:r>
+              <a:rPr lang="ko-KR" altLang="en-US" dirty="0" smtClean="0"/>
+              <a:t>혹은 개발 환경 선택</a:t>
+            </a:r>
+            <a:endParaRPr lang="ko-KR" altLang="en-US" dirty="0"/>
+          </a:p>
+        </p:txBody>
+      </p:sp>
+      <p:sp>
+        <p:nvSpPr>
+          <p:cNvPr id="3" name="내용 개체 틀 2"/>
+          <p:cNvSpPr>
+            <a:spLocks noGrp="1"/>
+          </p:cNvSpPr>
+          <p:nvPr>
+            <p:ph idx="1"/>
+          </p:nvPr>
+        </p:nvSpPr>
+        <p:spPr/>
+        <p:txBody>
+          <a:bodyPr/>
+          <a:lstStyle/>
+          <a:p>
+            <a:r>
+              <a:rPr lang="ko-KR" altLang="en-US" dirty="0" smtClean="0"/>
+              <a:t>프로그램 코드는 사실 </a:t>
+            </a:r>
+            <a:r>
+              <a:rPr lang="en-US" altLang="ko-KR" dirty="0" smtClean="0"/>
+              <a:t>text </a:t>
+            </a:r>
+            <a:r>
+              <a:rPr lang="ko-KR" altLang="en-US" dirty="0" smtClean="0"/>
+              <a:t>파일이며</a:t>
+            </a:r>
+            <a:r>
+              <a:rPr lang="en-US" altLang="ko-KR" dirty="0" smtClean="0"/>
+              <a:t>, </a:t>
+            </a:r>
+            <a:r>
+              <a:rPr lang="ko-KR" altLang="en-US" dirty="0" smtClean="0"/>
+              <a:t>이를 작성하기 위해서는 윈도우의 기본 메모장</a:t>
+            </a:r>
+            <a:r>
+              <a:rPr lang="en-US" altLang="ko-KR" dirty="0" smtClean="0"/>
+              <a:t>(notepad)</a:t>
+            </a:r>
+            <a:r>
+              <a:rPr lang="ko-KR" altLang="en-US" dirty="0" smtClean="0"/>
+              <a:t>으로</a:t>
+            </a:r>
+            <a:r>
+              <a:rPr lang="ko-KR" altLang="en-US" dirty="0"/>
+              <a:t>도</a:t>
+            </a:r>
+            <a:r>
+              <a:rPr lang="ko-KR" altLang="en-US" dirty="0" smtClean="0"/>
+              <a:t> 충분함</a:t>
+            </a:r>
+            <a:endParaRPr lang="en-US" altLang="ko-KR" dirty="0" smtClean="0"/>
+          </a:p>
+          <a:p>
+            <a:endParaRPr lang="en-US" altLang="ko-KR" dirty="0" smtClean="0"/>
+          </a:p>
+          <a:p>
+            <a:r>
+              <a:rPr lang="ko-KR" altLang="en-US" dirty="0" smtClean="0"/>
+              <a:t>그러나 보다 편리한 개발 환경을 위하여</a:t>
+            </a:r>
+            <a:r>
+              <a:rPr lang="en-US" altLang="ko-KR" dirty="0" smtClean="0"/>
+              <a:t> </a:t>
+            </a:r>
+            <a:r>
+              <a:rPr lang="en-US" altLang="ko-KR" dirty="0" err="1" smtClean="0"/>
+              <a:t>Spyder</a:t>
+            </a:r>
+            <a:r>
+              <a:rPr lang="en-US" altLang="ko-KR" dirty="0" smtClean="0"/>
+              <a:t>, Sublime text, VIM, Notepad++ </a:t>
+            </a:r>
+            <a:r>
+              <a:rPr lang="ko-KR" altLang="en-US" dirty="0" smtClean="0"/>
+              <a:t>등의 프로그램을 활용</a:t>
+            </a:r>
+            <a:endParaRPr lang="en-US" altLang="ko-KR" dirty="0" smtClean="0"/>
+          </a:p>
+          <a:p>
+            <a:pPr lvl="1"/>
+            <a:r>
+              <a:rPr lang="ko-KR" altLang="en-US" dirty="0" smtClean="0"/>
+              <a:t>어떤 에디터를 활용하는가는 개인 취향의 문제</a:t>
+            </a:r>
+            <a:endParaRPr lang="ko-KR" altLang="en-US" dirty="0"/>
+          </a:p>
+        </p:txBody>
+      </p:sp>
+    </p:spTree>
+    <p:extLst>
+      <p:ext uri="{BB962C8B-B14F-4D97-AF65-F5344CB8AC3E}">
+        <p14:creationId xmlns:p14="http://schemas.microsoft.com/office/powerpoint/2010/main" val="2885023970"/>
+      </p:ext>
+    </p:extLst>
+  </p:cSld>
+  <p:clrMapOvr>
+    <a:masterClrMapping/>
+  </p:clrMapOvr>
+</p:sld>
+</file>
+
+<file path=ppt/slides/slide25.xml><?xml version="1.0" encoding="utf-8"?>
+<p:sld xmlns:a="http://schemas.openxmlformats.org/drawingml/2006/main" xmlns:r="http://schemas.openxmlformats.org/officeDocument/2006/relationships" xmlns:p="http://schemas.openxmlformats.org/presentationml/2006/main">
+  <p:cSld>
+    <p:spTree>
+      <p:nvGrpSpPr>
+        <p:cNvPr id="1" name=""/>
+        <p:cNvGrpSpPr/>
+        <p:nvPr/>
+      </p:nvGrpSpPr>
+      <p:grpSpPr>
+        <a:xfrm>
+          <a:off x="0" y="0"/>
+          <a:ext cx="0" cy="0"/>
+          <a:chOff x="0" y="0"/>
+          <a:chExt cx="0" cy="0"/>
+        </a:xfrm>
+      </p:grpSpPr>
+      <p:sp>
+        <p:nvSpPr>
+          <p:cNvPr id="2" name="제목 1"/>
+          <p:cNvSpPr>
+            <a:spLocks noGrp="1"/>
+          </p:cNvSpPr>
+          <p:nvPr>
+            <p:ph type="title"/>
+          </p:nvPr>
+        </p:nvSpPr>
+        <p:spPr/>
+        <p:txBody>
+          <a:bodyPr/>
+          <a:lstStyle/>
+          <a:p>
+            <a:r>
               <a:rPr lang="ko-KR" altLang="en-US" dirty="0" smtClean="0"/>
               <a:t>프로그래밍</a:t>
             </a:r>
@@ -5549,7 +5686,7 @@
 </p:sld>
 </file>
 
-<file path=ppt/slides/slide25.xml><?xml version="1.0" encoding="utf-8"?>
+<file path=ppt/slides/slide26.xml><?xml version="1.0" encoding="utf-8"?>
 <p:sld xmlns:a="http://schemas.openxmlformats.org/drawingml/2006/main" xmlns:r="http://schemas.openxmlformats.org/officeDocument/2006/relationships" xmlns:p="http://schemas.openxmlformats.org/presentationml/2006/main">
   <p:cSld>
     <p:spTree>

--- a/ppt/Python_1_소개.pptx
+++ b/ppt/Python_1_소개.pptx
@@ -16,21 +16,26 @@
     <p:sldId id="288" r:id="rId10"/>
     <p:sldId id="258" r:id="rId11"/>
     <p:sldId id="259" r:id="rId12"/>
-    <p:sldId id="260" r:id="rId13"/>
-    <p:sldId id="264" r:id="rId14"/>
-    <p:sldId id="265" r:id="rId15"/>
-    <p:sldId id="281" r:id="rId16"/>
-    <p:sldId id="294" r:id="rId17"/>
-    <p:sldId id="266" r:id="rId18"/>
-    <p:sldId id="291" r:id="rId19"/>
-    <p:sldId id="268" r:id="rId20"/>
-    <p:sldId id="269" r:id="rId21"/>
-    <p:sldId id="292" r:id="rId22"/>
-    <p:sldId id="282" r:id="rId23"/>
+    <p:sldId id="295" r:id="rId13"/>
+    <p:sldId id="260" r:id="rId14"/>
+    <p:sldId id="296" r:id="rId15"/>
+    <p:sldId id="264" r:id="rId16"/>
+    <p:sldId id="265" r:id="rId17"/>
+    <p:sldId id="281" r:id="rId18"/>
+    <p:sldId id="294" r:id="rId19"/>
+    <p:sldId id="282" r:id="rId20"/>
+    <p:sldId id="297" r:id="rId21"/>
+    <p:sldId id="298" r:id="rId22"/>
+    <p:sldId id="299" r:id="rId23"/>
     <p:sldId id="293" r:id="rId24"/>
-    <p:sldId id="275" r:id="rId25"/>
-    <p:sldId id="289" r:id="rId26"/>
-    <p:sldId id="290" r:id="rId27"/>
+    <p:sldId id="300" r:id="rId25"/>
+    <p:sldId id="301" r:id="rId26"/>
+    <p:sldId id="302" r:id="rId27"/>
+    <p:sldId id="303" r:id="rId28"/>
+    <p:sldId id="304" r:id="rId29"/>
+    <p:sldId id="275" r:id="rId30"/>
+    <p:sldId id="289" r:id="rId31"/>
+    <p:sldId id="290" r:id="rId32"/>
   </p:sldIdLst>
   <p:sldSz cx="12192000" cy="6858000"/>
   <p:notesSz cx="6858000" cy="9144000"/>
@@ -268,7 +273,7 @@
           <a:p>
             <a:fld id="{F8379C41-D944-4FBF-B39D-3A6871AB0249}" type="datetimeFigureOut">
               <a:rPr lang="ko-KR" altLang="en-US" smtClean="0"/>
-              <a:t>2018-02-26</a:t>
+              <a:t>2018-02-27</a:t>
             </a:fld>
             <a:endParaRPr lang="ko-KR" altLang="en-US"/>
           </a:p>
@@ -438,7 +443,7 @@
           <a:p>
             <a:fld id="{F8379C41-D944-4FBF-B39D-3A6871AB0249}" type="datetimeFigureOut">
               <a:rPr lang="ko-KR" altLang="en-US" smtClean="0"/>
-              <a:t>2018-02-26</a:t>
+              <a:t>2018-02-27</a:t>
             </a:fld>
             <a:endParaRPr lang="ko-KR" altLang="en-US"/>
           </a:p>
@@ -618,7 +623,7 @@
           <a:p>
             <a:fld id="{F8379C41-D944-4FBF-B39D-3A6871AB0249}" type="datetimeFigureOut">
               <a:rPr lang="ko-KR" altLang="en-US" smtClean="0"/>
-              <a:t>2018-02-26</a:t>
+              <a:t>2018-02-27</a:t>
             </a:fld>
             <a:endParaRPr lang="ko-KR" altLang="en-US"/>
           </a:p>
@@ -788,7 +793,7 @@
           <a:p>
             <a:fld id="{F8379C41-D944-4FBF-B39D-3A6871AB0249}" type="datetimeFigureOut">
               <a:rPr lang="ko-KR" altLang="en-US" smtClean="0"/>
-              <a:t>2018-02-26</a:t>
+              <a:t>2018-02-27</a:t>
             </a:fld>
             <a:endParaRPr lang="ko-KR" altLang="en-US"/>
           </a:p>
@@ -1034,7 +1039,7 @@
           <a:p>
             <a:fld id="{F8379C41-D944-4FBF-B39D-3A6871AB0249}" type="datetimeFigureOut">
               <a:rPr lang="ko-KR" altLang="en-US" smtClean="0"/>
-              <a:t>2018-02-26</a:t>
+              <a:t>2018-02-27</a:t>
             </a:fld>
             <a:endParaRPr lang="ko-KR" altLang="en-US"/>
           </a:p>
@@ -1266,7 +1271,7 @@
           <a:p>
             <a:fld id="{F8379C41-D944-4FBF-B39D-3A6871AB0249}" type="datetimeFigureOut">
               <a:rPr lang="ko-KR" altLang="en-US" smtClean="0"/>
-              <a:t>2018-02-26</a:t>
+              <a:t>2018-02-27</a:t>
             </a:fld>
             <a:endParaRPr lang="ko-KR" altLang="en-US"/>
           </a:p>
@@ -1633,7 +1638,7 @@
           <a:p>
             <a:fld id="{F8379C41-D944-4FBF-B39D-3A6871AB0249}" type="datetimeFigureOut">
               <a:rPr lang="ko-KR" altLang="en-US" smtClean="0"/>
-              <a:t>2018-02-26</a:t>
+              <a:t>2018-02-27</a:t>
             </a:fld>
             <a:endParaRPr lang="ko-KR" altLang="en-US"/>
           </a:p>
@@ -1751,7 +1756,7 @@
           <a:p>
             <a:fld id="{F8379C41-D944-4FBF-B39D-3A6871AB0249}" type="datetimeFigureOut">
               <a:rPr lang="ko-KR" altLang="en-US" smtClean="0"/>
-              <a:t>2018-02-26</a:t>
+              <a:t>2018-02-27</a:t>
             </a:fld>
             <a:endParaRPr lang="ko-KR" altLang="en-US"/>
           </a:p>
@@ -1846,7 +1851,7 @@
           <a:p>
             <a:fld id="{F8379C41-D944-4FBF-B39D-3A6871AB0249}" type="datetimeFigureOut">
               <a:rPr lang="ko-KR" altLang="en-US" smtClean="0"/>
-              <a:t>2018-02-26</a:t>
+              <a:t>2018-02-27</a:t>
             </a:fld>
             <a:endParaRPr lang="ko-KR" altLang="en-US"/>
           </a:p>
@@ -2123,7 +2128,7 @@
           <a:p>
             <a:fld id="{F8379C41-D944-4FBF-B39D-3A6871AB0249}" type="datetimeFigureOut">
               <a:rPr lang="ko-KR" altLang="en-US" smtClean="0"/>
-              <a:t>2018-02-26</a:t>
+              <a:t>2018-02-27</a:t>
             </a:fld>
             <a:endParaRPr lang="ko-KR" altLang="en-US"/>
           </a:p>
@@ -2376,7 +2381,7 @@
           <a:p>
             <a:fld id="{F8379C41-D944-4FBF-B39D-3A6871AB0249}" type="datetimeFigureOut">
               <a:rPr lang="ko-KR" altLang="en-US" smtClean="0"/>
-              <a:t>2018-02-26</a:t>
+              <a:t>2018-02-27</a:t>
             </a:fld>
             <a:endParaRPr lang="ko-KR" altLang="en-US"/>
           </a:p>
@@ -2589,7 +2594,7 @@
           <a:p>
             <a:fld id="{F8379C41-D944-4FBF-B39D-3A6871AB0249}" type="datetimeFigureOut">
               <a:rPr lang="ko-KR" altLang="en-US" smtClean="0"/>
-              <a:t>2018-02-26</a:t>
+              <a:t>2018-02-27</a:t>
             </a:fld>
             <a:endParaRPr lang="ko-KR" altLang="en-US"/>
           </a:p>
@@ -3319,152 +3324,81 @@
             </a:r>
             <a:r>
               <a:rPr lang="ko-KR" altLang="en-US" dirty="0" smtClean="0"/>
-              <a:t>의 특징</a:t>
+              <a:t>의 대중성</a:t>
             </a:r>
             <a:endParaRPr lang="ko-KR" altLang="en-US" dirty="0"/>
           </a:p>
         </p:txBody>
       </p:sp>
-      <p:sp>
-        <p:nvSpPr>
-          <p:cNvPr id="3" name="내용 개체 틀 2"/>
-          <p:cNvSpPr>
-            <a:spLocks noGrp="1"/>
-          </p:cNvSpPr>
-          <p:nvPr>
-            <p:ph idx="1"/>
-          </p:nvPr>
-        </p:nvSpPr>
-        <p:spPr/>
-        <p:txBody>
-          <a:bodyPr>
-            <a:normAutofit fontScale="92500" lnSpcReduction="10000"/>
-          </a:bodyPr>
-          <a:lstStyle/>
-          <a:p>
-            <a:r>
-              <a:rPr lang="ko-KR" altLang="en-US" spc="-150" dirty="0" smtClean="0"/>
-              <a:t>자연언어</a:t>
-            </a:r>
-            <a:r>
-              <a:rPr lang="en-US" altLang="ko-KR" spc="-150" dirty="0" smtClean="0"/>
-              <a:t>(</a:t>
-            </a:r>
-            <a:r>
-              <a:rPr lang="ko-KR" altLang="en-US" spc="-150" dirty="0" smtClean="0"/>
-              <a:t>영어</a:t>
-            </a:r>
-            <a:r>
-              <a:rPr lang="en-US" altLang="ko-KR" spc="-150" dirty="0" smtClean="0"/>
-              <a:t>)</a:t>
-            </a:r>
-            <a:r>
-              <a:rPr lang="ko-KR" altLang="en-US" spc="-150" dirty="0" smtClean="0"/>
-              <a:t>와 프로그래밍 언어를 비슷하게 만들어 해석이 용이</a:t>
-            </a:r>
-            <a:endParaRPr lang="en-US" altLang="ko-KR" spc="-150" dirty="0" smtClean="0"/>
-          </a:p>
-          <a:p>
-            <a:pPr lvl="1"/>
-            <a:r>
-              <a:rPr lang="en-US" altLang="ko-KR" dirty="0" smtClean="0"/>
-              <a:t>for x in [1,2,3,4]: print x</a:t>
-            </a:r>
-          </a:p>
-          <a:p>
-            <a:pPr lvl="2"/>
-            <a:r>
-              <a:rPr lang="en-US" altLang="ko-KR" dirty="0" smtClean="0"/>
-              <a:t>[1,2,3,4]</a:t>
-            </a:r>
-            <a:r>
-              <a:rPr lang="ko-KR" altLang="en-US" dirty="0" smtClean="0"/>
-              <a:t>에 있는 </a:t>
-            </a:r>
-            <a:r>
-              <a:rPr lang="en-US" altLang="ko-KR" dirty="0" smtClean="0"/>
-              <a:t>x</a:t>
-            </a:r>
-            <a:r>
-              <a:rPr lang="ko-KR" altLang="en-US" dirty="0" smtClean="0"/>
-              <a:t>값들을 순서대로 출력</a:t>
-            </a:r>
-            <a:endParaRPr lang="en-US" altLang="ko-KR" dirty="0" smtClean="0"/>
-          </a:p>
-          <a:p>
-            <a:pPr lvl="1"/>
-            <a:r>
-              <a:rPr lang="ko-KR" altLang="en-US" dirty="0" smtClean="0"/>
-              <a:t>따라서 문법을 익히기 쉬움</a:t>
-            </a:r>
-            <a:endParaRPr lang="en-US" altLang="ko-KR" dirty="0" smtClean="0"/>
-          </a:p>
-          <a:p>
-            <a:pPr lvl="1"/>
-            <a:endParaRPr lang="en-US" altLang="ko-KR" dirty="0" smtClean="0"/>
-          </a:p>
-          <a:p>
-            <a:r>
-              <a:rPr lang="en-US" altLang="ko-KR" dirty="0" smtClean="0"/>
-              <a:t>Python </a:t>
-            </a:r>
-            <a:r>
-              <a:rPr lang="ko-KR" altLang="en-US" dirty="0" smtClean="0"/>
-              <a:t>프로그래밍은 매우 강력하여 수많은 작업을 수행 가능 </a:t>
-            </a:r>
-            <a:endParaRPr lang="en-US" altLang="ko-KR" dirty="0" smtClean="0"/>
-          </a:p>
-          <a:p>
-            <a:pPr lvl="1"/>
-            <a:r>
-              <a:rPr lang="ko-KR" altLang="en-US" dirty="0" smtClean="0"/>
-              <a:t>다른 프로그래밍 언어와 연동 가능</a:t>
-            </a:r>
-            <a:endParaRPr lang="en-US" altLang="ko-KR" dirty="0" smtClean="0"/>
-          </a:p>
-          <a:p>
-            <a:pPr lvl="1"/>
-            <a:endParaRPr lang="en-US" altLang="ko-KR" dirty="0"/>
-          </a:p>
-          <a:p>
-            <a:r>
-              <a:rPr lang="en-US" altLang="ko-KR" dirty="0" smtClean="0"/>
-              <a:t>Open source</a:t>
-            </a:r>
-            <a:r>
-              <a:rPr lang="ko-KR" altLang="en-US" dirty="0" smtClean="0"/>
-              <a:t>로서 무료로 활용 할 수 있음</a:t>
-            </a:r>
-            <a:endParaRPr lang="en-US" altLang="ko-KR" dirty="0" smtClean="0"/>
-          </a:p>
-          <a:p>
-            <a:endParaRPr lang="en-US" altLang="ko-KR" dirty="0"/>
-          </a:p>
-          <a:p>
-            <a:r>
-              <a:rPr lang="ko-KR" altLang="en-US" dirty="0" smtClean="0"/>
-              <a:t>다양한 </a:t>
-            </a:r>
-            <a:r>
-              <a:rPr lang="en-US" altLang="ko-KR" dirty="0" err="1" smtClean="0"/>
-              <a:t>libarary</a:t>
-            </a:r>
-            <a:r>
-              <a:rPr lang="en-US" altLang="ko-KR" dirty="0" smtClean="0"/>
-              <a:t> </a:t>
-            </a:r>
-            <a:r>
-              <a:rPr lang="ko-KR" altLang="en-US" dirty="0" smtClean="0"/>
-              <a:t>제공</a:t>
-            </a:r>
-            <a:endParaRPr lang="en-US" altLang="ko-KR" dirty="0" smtClean="0"/>
-          </a:p>
-        </p:txBody>
-      </p:sp>
+      <p:pic>
+        <p:nvPicPr>
+          <p:cNvPr id="4" name="그림 3"/>
+          <p:cNvPicPr>
+            <a:picLocks noChangeAspect="1"/>
+          </p:cNvPicPr>
+          <p:nvPr/>
+        </p:nvPicPr>
+        <p:blipFill>
+          <a:blip r:embed="rId2"/>
+          <a:stretch>
+            <a:fillRect/>
+          </a:stretch>
+        </p:blipFill>
+        <p:spPr>
+          <a:xfrm>
+            <a:off x="599021" y="2208961"/>
+            <a:ext cx="5496979" cy="3283392"/>
+          </a:xfrm>
+          <a:prstGeom prst="rect">
+            <a:avLst/>
+          </a:prstGeom>
+        </p:spPr>
+      </p:pic>
+      <p:pic>
+        <p:nvPicPr>
+          <p:cNvPr id="1028" name="Picture 4" descr="https://static1.squarespace.com/static/51361f2fe4b0f24e710af7ae/t/56b1187d4c2f85efc5598bb1/1454446752995/?format=750w"/>
+          <p:cNvPicPr>
+            <a:picLocks noChangeAspect="1" noChangeArrowheads="1"/>
+          </p:cNvPicPr>
+          <p:nvPr/>
+        </p:nvPicPr>
+        <p:blipFill>
+          <a:blip r:embed="rId3">
+            <a:extLst>
+              <a:ext uri="{28A0092B-C50C-407E-A947-70E740481C1C}">
+                <a14:useLocalDpi xmlns:a14="http://schemas.microsoft.com/office/drawing/2010/main" val="0"/>
+              </a:ext>
+            </a:extLst>
+          </a:blip>
+          <a:srcRect/>
+          <a:stretch>
+            <a:fillRect/>
+          </a:stretch>
+        </p:blipFill>
+        <p:spPr bwMode="auto">
+          <a:xfrm>
+            <a:off x="6663132" y="2208961"/>
+            <a:ext cx="4239914" cy="3165547"/>
+          </a:xfrm>
+          <a:prstGeom prst="rect">
+            <a:avLst/>
+          </a:prstGeom>
+          <a:noFill/>
+          <a:extLst>
+            <a:ext uri="{909E8E84-426E-40DD-AFC4-6F175D3DCCD1}">
+              <a14:hiddenFill xmlns:a14="http://schemas.microsoft.com/office/drawing/2010/main">
+                <a:solidFill>
+                  <a:srgbClr val="FFFFFF"/>
+                </a:solidFill>
+              </a14:hiddenFill>
+            </a:ext>
+          </a:extLst>
+        </p:spPr>
+      </p:pic>
     </p:spTree>
     <p:extLst>
       <p:ext uri="{BB962C8B-B14F-4D97-AF65-F5344CB8AC3E}">
-        <p14:creationId xmlns:p14="http://schemas.microsoft.com/office/powerpoint/2010/main" val="3853501631"/>
+        <p14:creationId xmlns:p14="http://schemas.microsoft.com/office/powerpoint/2010/main" val="2206232134"/>
       </p:ext>
     </p:extLst>
   </p:cSld>
@@ -3508,6 +3442,418 @@
           <a:p>
             <a:r>
               <a:rPr lang="en-US" altLang="ko-KR" dirty="0" smtClean="0"/>
+              <a:t>Python</a:t>
+            </a:r>
+            <a:r>
+              <a:rPr lang="ko-KR" altLang="en-US" dirty="0" smtClean="0"/>
+              <a:t>의 특징</a:t>
+            </a:r>
+            <a:endParaRPr lang="ko-KR" altLang="en-US" dirty="0"/>
+          </a:p>
+        </p:txBody>
+      </p:sp>
+      <p:sp>
+        <p:nvSpPr>
+          <p:cNvPr id="3" name="내용 개체 틀 2"/>
+          <p:cNvSpPr>
+            <a:spLocks noGrp="1"/>
+          </p:cNvSpPr>
+          <p:nvPr>
+            <p:ph idx="1"/>
+          </p:nvPr>
+        </p:nvSpPr>
+        <p:spPr/>
+        <p:txBody>
+          <a:bodyPr>
+            <a:normAutofit fontScale="92500" lnSpcReduction="10000"/>
+          </a:bodyPr>
+          <a:lstStyle/>
+          <a:p>
+            <a:r>
+              <a:rPr lang="ko-KR" altLang="en-US" spc="-150" dirty="0" smtClean="0"/>
+              <a:t>자연언어</a:t>
+            </a:r>
+            <a:r>
+              <a:rPr lang="en-US" altLang="ko-KR" spc="-150" dirty="0" smtClean="0"/>
+              <a:t>(</a:t>
+            </a:r>
+            <a:r>
+              <a:rPr lang="ko-KR" altLang="en-US" spc="-150" dirty="0" smtClean="0"/>
+              <a:t>영어</a:t>
+            </a:r>
+            <a:r>
+              <a:rPr lang="en-US" altLang="ko-KR" spc="-150" dirty="0" smtClean="0"/>
+              <a:t>)</a:t>
+            </a:r>
+            <a:r>
+              <a:rPr lang="ko-KR" altLang="en-US" spc="-150" dirty="0" smtClean="0"/>
+              <a:t>와 프로그래밍 언어를 비슷하게 만들어 해석이 용이</a:t>
+            </a:r>
+            <a:endParaRPr lang="en-US" altLang="ko-KR" spc="-150" dirty="0" smtClean="0"/>
+          </a:p>
+          <a:p>
+            <a:pPr lvl="1"/>
+            <a:r>
+              <a:rPr lang="en-US" altLang="ko-KR" dirty="0" smtClean="0"/>
+              <a:t>for x in [1,2,3,4]: print x</a:t>
+            </a:r>
+          </a:p>
+          <a:p>
+            <a:pPr lvl="2"/>
+            <a:r>
+              <a:rPr lang="en-US" altLang="ko-KR" dirty="0" smtClean="0"/>
+              <a:t>[1,2,3,4]</a:t>
+            </a:r>
+            <a:r>
+              <a:rPr lang="ko-KR" altLang="en-US" dirty="0" smtClean="0"/>
+              <a:t>에 있는 </a:t>
+            </a:r>
+            <a:r>
+              <a:rPr lang="en-US" altLang="ko-KR" dirty="0" smtClean="0"/>
+              <a:t>x</a:t>
+            </a:r>
+            <a:r>
+              <a:rPr lang="ko-KR" altLang="en-US" dirty="0" smtClean="0"/>
+              <a:t>값들을 순서대로 출력</a:t>
+            </a:r>
+            <a:endParaRPr lang="en-US" altLang="ko-KR" dirty="0" smtClean="0"/>
+          </a:p>
+          <a:p>
+            <a:pPr lvl="1"/>
+            <a:r>
+              <a:rPr lang="ko-KR" altLang="en-US" dirty="0" smtClean="0"/>
+              <a:t>따라서 문법을 익히기 쉬움</a:t>
+            </a:r>
+            <a:endParaRPr lang="en-US" altLang="ko-KR" dirty="0" smtClean="0"/>
+          </a:p>
+          <a:p>
+            <a:pPr lvl="1"/>
+            <a:endParaRPr lang="en-US" altLang="ko-KR" dirty="0" smtClean="0"/>
+          </a:p>
+          <a:p>
+            <a:r>
+              <a:rPr lang="en-US" altLang="ko-KR" dirty="0" smtClean="0"/>
+              <a:t>Python </a:t>
+            </a:r>
+            <a:r>
+              <a:rPr lang="ko-KR" altLang="en-US" dirty="0" smtClean="0"/>
+              <a:t>프로그래밍은 매우 강력하여 수많은 작업을 수행 가능 </a:t>
+            </a:r>
+            <a:endParaRPr lang="en-US" altLang="ko-KR" dirty="0" smtClean="0"/>
+          </a:p>
+          <a:p>
+            <a:pPr lvl="1"/>
+            <a:r>
+              <a:rPr lang="ko-KR" altLang="en-US" dirty="0" smtClean="0"/>
+              <a:t>다른 프로그래밍 언어와 연동 가능</a:t>
+            </a:r>
+            <a:endParaRPr lang="en-US" altLang="ko-KR" dirty="0" smtClean="0"/>
+          </a:p>
+          <a:p>
+            <a:pPr lvl="1"/>
+            <a:endParaRPr lang="en-US" altLang="ko-KR" dirty="0"/>
+          </a:p>
+          <a:p>
+            <a:r>
+              <a:rPr lang="en-US" altLang="ko-KR" dirty="0" smtClean="0"/>
+              <a:t>Open source</a:t>
+            </a:r>
+            <a:r>
+              <a:rPr lang="ko-KR" altLang="en-US" dirty="0" smtClean="0"/>
+              <a:t>로서 무료로 활용 할 수 있음</a:t>
+            </a:r>
+            <a:endParaRPr lang="en-US" altLang="ko-KR" dirty="0" smtClean="0"/>
+          </a:p>
+          <a:p>
+            <a:endParaRPr lang="en-US" altLang="ko-KR" dirty="0"/>
+          </a:p>
+          <a:p>
+            <a:r>
+              <a:rPr lang="ko-KR" altLang="en-US" dirty="0" smtClean="0"/>
+              <a:t>다양한 </a:t>
+            </a:r>
+            <a:r>
+              <a:rPr lang="en-US" altLang="ko-KR" dirty="0" err="1" smtClean="0"/>
+              <a:t>libarary</a:t>
+            </a:r>
+            <a:r>
+              <a:rPr lang="en-US" altLang="ko-KR" dirty="0" smtClean="0"/>
+              <a:t> </a:t>
+            </a:r>
+            <a:r>
+              <a:rPr lang="ko-KR" altLang="en-US" dirty="0" smtClean="0"/>
+              <a:t>제공</a:t>
+            </a:r>
+            <a:endParaRPr lang="en-US" altLang="ko-KR" dirty="0" smtClean="0"/>
+          </a:p>
+        </p:txBody>
+      </p:sp>
+    </p:spTree>
+    <p:extLst>
+      <p:ext uri="{BB962C8B-B14F-4D97-AF65-F5344CB8AC3E}">
+        <p14:creationId xmlns:p14="http://schemas.microsoft.com/office/powerpoint/2010/main" val="3853501631"/>
+      </p:ext>
+    </p:extLst>
+  </p:cSld>
+  <p:clrMapOvr>
+    <a:masterClrMapping/>
+  </p:clrMapOvr>
+</p:sld>
+</file>
+
+<file path=ppt/slides/slide14.xml><?xml version="1.0" encoding="utf-8"?>
+<p:sld xmlns:a="http://schemas.openxmlformats.org/drawingml/2006/main" xmlns:r="http://schemas.openxmlformats.org/officeDocument/2006/relationships" xmlns:p="http://schemas.openxmlformats.org/presentationml/2006/main">
+  <p:cSld>
+    <p:spTree>
+      <p:nvGrpSpPr>
+        <p:cNvPr id="1" name=""/>
+        <p:cNvGrpSpPr/>
+        <p:nvPr/>
+      </p:nvGrpSpPr>
+      <p:grpSpPr>
+        <a:xfrm>
+          <a:off x="0" y="0"/>
+          <a:ext cx="0" cy="0"/>
+          <a:chOff x="0" y="0"/>
+          <a:chExt cx="0" cy="0"/>
+        </a:xfrm>
+      </p:grpSpPr>
+      <p:sp>
+        <p:nvSpPr>
+          <p:cNvPr id="2" name="제목 1"/>
+          <p:cNvSpPr>
+            <a:spLocks noGrp="1"/>
+          </p:cNvSpPr>
+          <p:nvPr>
+            <p:ph type="title"/>
+          </p:nvPr>
+        </p:nvSpPr>
+        <p:spPr/>
+        <p:txBody>
+          <a:bodyPr/>
+          <a:lstStyle/>
+          <a:p>
+            <a:r>
+              <a:rPr lang="en-US" altLang="ko-KR" dirty="0" smtClean="0"/>
+              <a:t>Python</a:t>
+            </a:r>
+            <a:r>
+              <a:rPr lang="ko-KR" altLang="en-US" dirty="0" smtClean="0"/>
+              <a:t>의 다양한 </a:t>
+            </a:r>
+            <a:r>
+              <a:rPr lang="en-US" altLang="ko-KR" dirty="0" smtClean="0"/>
+              <a:t>package</a:t>
+            </a:r>
+            <a:endParaRPr lang="ko-KR" altLang="en-US" dirty="0"/>
+          </a:p>
+        </p:txBody>
+      </p:sp>
+      <p:sp>
+        <p:nvSpPr>
+          <p:cNvPr id="3" name="내용 개체 틀 2"/>
+          <p:cNvSpPr>
+            <a:spLocks noGrp="1"/>
+          </p:cNvSpPr>
+          <p:nvPr>
+            <p:ph idx="1"/>
+          </p:nvPr>
+        </p:nvSpPr>
+        <p:spPr/>
+        <p:txBody>
+          <a:bodyPr/>
+          <a:lstStyle/>
+          <a:p>
+            <a:r>
+              <a:rPr lang="ko-KR" altLang="en-US" dirty="0"/>
+              <a:t>데이터 처리</a:t>
+            </a:r>
+            <a:r>
+              <a:rPr lang="en-US" altLang="ko-KR" dirty="0"/>
+              <a:t>,</a:t>
+            </a:r>
+            <a:r>
+              <a:rPr lang="ko-KR" altLang="en-US" dirty="0"/>
+              <a:t> 머신 러닝을 위한 강력한 </a:t>
+            </a:r>
+            <a:r>
+              <a:rPr lang="en-US" altLang="ko-KR" dirty="0"/>
+              <a:t>Python </a:t>
+            </a:r>
+            <a:r>
+              <a:rPr lang="ko-KR" altLang="en-US" dirty="0"/>
+              <a:t>패키지가 많이 개발됨</a:t>
+            </a:r>
+            <a:endParaRPr lang="en-US" altLang="ko-KR" dirty="0"/>
+          </a:p>
+          <a:p>
+            <a:pPr lvl="1"/>
+            <a:r>
+              <a:rPr lang="en-US" altLang="ko-KR" dirty="0"/>
+              <a:t>Python</a:t>
+            </a:r>
+            <a:r>
+              <a:rPr lang="ko-KR" altLang="en-US" dirty="0"/>
+              <a:t>의 데이터 과학 활용 사례가 증가</a:t>
+            </a:r>
+            <a:endParaRPr lang="en-US" altLang="ko-KR" dirty="0"/>
+          </a:p>
+          <a:p>
+            <a:pPr lvl="1"/>
+            <a:r>
+              <a:rPr lang="en-US" altLang="ko-KR" dirty="0"/>
+              <a:t>Python</a:t>
+            </a:r>
+            <a:r>
+              <a:rPr lang="ko-KR" altLang="en-US" dirty="0"/>
+              <a:t>의 주요 과학 패키지</a:t>
+            </a:r>
+            <a:endParaRPr lang="en-US" altLang="ko-KR" dirty="0"/>
+          </a:p>
+          <a:p>
+            <a:pPr lvl="2"/>
+            <a:r>
+              <a:rPr lang="en-US" altLang="ko-KR" dirty="0"/>
+              <a:t>Pandas : </a:t>
+            </a:r>
+            <a:r>
+              <a:rPr lang="ko-KR" altLang="en-US" dirty="0"/>
+              <a:t>데이터 프레임 객체를 이용한 데이터 처리</a:t>
+            </a:r>
+            <a:r>
+              <a:rPr lang="en-US" altLang="ko-KR" dirty="0"/>
+              <a:t>, </a:t>
+            </a:r>
+            <a:r>
+              <a:rPr lang="ko-KR" altLang="en-US" dirty="0"/>
+              <a:t>분석</a:t>
+            </a:r>
+            <a:endParaRPr lang="en-US" altLang="ko-KR" dirty="0"/>
+          </a:p>
+          <a:p>
+            <a:pPr lvl="2"/>
+            <a:r>
+              <a:rPr lang="en-US" altLang="ko-KR" dirty="0" err="1"/>
+              <a:t>NumPy</a:t>
+            </a:r>
+            <a:r>
+              <a:rPr lang="en-US" altLang="ko-KR" dirty="0"/>
+              <a:t> : </a:t>
+            </a:r>
+            <a:r>
+              <a:rPr lang="ko-KR" altLang="en-US" dirty="0"/>
+              <a:t>과학 컴퓨팅을 이용한 핵심 라이브러리</a:t>
+            </a:r>
+            <a:endParaRPr lang="en-US" altLang="ko-KR" dirty="0"/>
+          </a:p>
+          <a:p>
+            <a:pPr lvl="2"/>
+            <a:r>
+              <a:rPr lang="en-US" altLang="ko-KR" dirty="0" err="1"/>
+              <a:t>SciPy</a:t>
+            </a:r>
+            <a:r>
+              <a:rPr lang="en-US" altLang="ko-KR" dirty="0"/>
+              <a:t> : </a:t>
+            </a:r>
+            <a:r>
+              <a:rPr lang="ko-KR" altLang="en-US" dirty="0"/>
+              <a:t>과학</a:t>
+            </a:r>
+            <a:r>
+              <a:rPr lang="en-US" altLang="ko-KR" dirty="0"/>
+              <a:t>, </a:t>
+            </a:r>
+            <a:r>
+              <a:rPr lang="ko-KR" altLang="en-US" dirty="0"/>
+              <a:t>수학 분야 연산과 최적화</a:t>
+            </a:r>
+            <a:endParaRPr lang="en-US" altLang="ko-KR" dirty="0"/>
+          </a:p>
+          <a:p>
+            <a:pPr lvl="2"/>
+            <a:r>
+              <a:rPr lang="en-US" altLang="ko-KR" dirty="0" err="1"/>
+              <a:t>matplotlib</a:t>
+            </a:r>
+            <a:r>
+              <a:rPr lang="en-US" altLang="ko-KR" dirty="0"/>
+              <a:t> : </a:t>
+            </a:r>
+            <a:r>
+              <a:rPr lang="ko-KR" altLang="en-US" dirty="0"/>
+              <a:t>데이터 시각화</a:t>
+            </a:r>
+            <a:endParaRPr lang="en-US" altLang="ko-KR" dirty="0"/>
+          </a:p>
+          <a:p>
+            <a:pPr lvl="2"/>
+            <a:r>
+              <a:rPr lang="en-US" altLang="ko-KR" dirty="0" err="1"/>
+              <a:t>scikit</a:t>
+            </a:r>
+            <a:r>
+              <a:rPr lang="en-US" altLang="ko-KR" dirty="0"/>
+              <a:t>-learn : </a:t>
+            </a:r>
+            <a:r>
+              <a:rPr lang="ko-KR" altLang="en-US" dirty="0"/>
+              <a:t>머신 러닝 라이브러리</a:t>
+            </a:r>
+            <a:endParaRPr lang="en-US" altLang="ko-KR" dirty="0"/>
+          </a:p>
+          <a:p>
+            <a:endParaRPr lang="ko-KR" altLang="en-US" dirty="0"/>
+          </a:p>
+        </p:txBody>
+      </p:sp>
+    </p:spTree>
+    <p:extLst>
+      <p:ext uri="{BB962C8B-B14F-4D97-AF65-F5344CB8AC3E}">
+        <p14:creationId xmlns:p14="http://schemas.microsoft.com/office/powerpoint/2010/main" val="248968751"/>
+      </p:ext>
+    </p:extLst>
+  </p:cSld>
+  <p:clrMapOvr>
+    <a:masterClrMapping/>
+  </p:clrMapOvr>
+</p:sld>
+</file>
+
+<file path=ppt/slides/slide15.xml><?xml version="1.0" encoding="utf-8"?>
+<p:sld xmlns:a="http://schemas.openxmlformats.org/drawingml/2006/main" xmlns:r="http://schemas.openxmlformats.org/officeDocument/2006/relationships" xmlns:p="http://schemas.openxmlformats.org/presentationml/2006/main">
+  <p:cSld>
+    <p:spTree>
+      <p:nvGrpSpPr>
+        <p:cNvPr id="1" name=""/>
+        <p:cNvGrpSpPr/>
+        <p:nvPr/>
+      </p:nvGrpSpPr>
+      <p:grpSpPr>
+        <a:xfrm>
+          <a:off x="0" y="0"/>
+          <a:ext cx="0" cy="0"/>
+          <a:chOff x="0" y="0"/>
+          <a:chExt cx="0" cy="0"/>
+        </a:xfrm>
+      </p:grpSpPr>
+      <p:sp>
+        <p:nvSpPr>
+          <p:cNvPr id="2" name="제목 1"/>
+          <p:cNvSpPr>
+            <a:spLocks noGrp="1"/>
+          </p:cNvSpPr>
+          <p:nvPr>
+            <p:ph type="title"/>
+          </p:nvPr>
+        </p:nvSpPr>
+        <p:spPr/>
+        <p:txBody>
+          <a:bodyPr/>
+          <a:lstStyle/>
+          <a:p>
+            <a:r>
+              <a:rPr lang="en-US" altLang="ko-KR" dirty="0" smtClean="0"/>
               <a:t>Python </a:t>
             </a:r>
             <a:r>
@@ -3668,7 +4014,7 @@
             <a:pPr lvl="2"/>
             <a:r>
               <a:rPr lang="ko-KR" altLang="en-US" dirty="0" smtClean="0"/>
-              <a:t>본 강의에서는 </a:t>
+              <a:t>이 중 </a:t>
             </a:r>
             <a:r>
               <a:rPr lang="en-US" altLang="ko-KR" dirty="0" smtClean="0"/>
@@ -3680,7 +4026,11 @@
             </a:r>
             <a:r>
               <a:rPr lang="ko-KR" altLang="en-US" dirty="0" smtClean="0"/>
-              <a:t> 이용</a:t>
+              <a:t> </a:t>
+            </a:r>
+            <a:r>
+              <a:rPr lang="ko-KR" altLang="en-US" dirty="0" smtClean="0"/>
+              <a:t>추천</a:t>
             </a:r>
             <a:endParaRPr lang="en-US" altLang="ko-KR" dirty="0" smtClean="0"/>
           </a:p>
@@ -3727,7 +4077,7 @@
 </p:sld>
 </file>
 
-<file path=ppt/slides/slide14.xml><?xml version="1.0" encoding="utf-8"?>
+<file path=ppt/slides/slide16.xml><?xml version="1.0" encoding="utf-8"?>
 <p:sld xmlns:a="http://schemas.openxmlformats.org/drawingml/2006/main" xmlns:r="http://schemas.openxmlformats.org/officeDocument/2006/relationships" xmlns:p="http://schemas.openxmlformats.org/presentationml/2006/main">
   <p:cSld>
     <p:spTree>
@@ -3913,319 +4263,6 @@
 </p:sld>
 </file>
 
-<file path=ppt/slides/slide15.xml><?xml version="1.0" encoding="utf-8"?>
-<p:sld xmlns:a="http://schemas.openxmlformats.org/drawingml/2006/main" xmlns:r="http://schemas.openxmlformats.org/officeDocument/2006/relationships" xmlns:p="http://schemas.openxmlformats.org/presentationml/2006/main">
-  <p:cSld>
-    <p:spTree>
-      <p:nvGrpSpPr>
-        <p:cNvPr id="1" name=""/>
-        <p:cNvGrpSpPr/>
-        <p:nvPr/>
-      </p:nvGrpSpPr>
-      <p:grpSpPr>
-        <a:xfrm>
-          <a:off x="0" y="0"/>
-          <a:ext cx="0" cy="0"/>
-          <a:chOff x="0" y="0"/>
-          <a:chExt cx="0" cy="0"/>
-        </a:xfrm>
-      </p:grpSpPr>
-      <p:sp>
-        <p:nvSpPr>
-          <p:cNvPr id="5" name="제목 4"/>
-          <p:cNvSpPr>
-            <a:spLocks noGrp="1"/>
-          </p:cNvSpPr>
-          <p:nvPr>
-            <p:ph type="title"/>
-          </p:nvPr>
-        </p:nvSpPr>
-        <p:spPr/>
-        <p:txBody>
-          <a:bodyPr/>
-          <a:lstStyle/>
-          <a:p>
-            <a:r>
-              <a:rPr lang="en-US" altLang="ko-KR" dirty="0" smtClean="0"/>
-              <a:t>Python </a:t>
-            </a:r>
-            <a:r>
-              <a:rPr lang="ko-KR" altLang="en-US" dirty="0" smtClean="0"/>
-              <a:t>버전</a:t>
-            </a:r>
-            <a:endParaRPr lang="ko-KR" altLang="en-US" dirty="0"/>
-          </a:p>
-        </p:txBody>
-      </p:sp>
-      <p:sp>
-        <p:nvSpPr>
-          <p:cNvPr id="6" name="내용 개체 틀 5"/>
-          <p:cNvSpPr>
-            <a:spLocks noGrp="1"/>
-          </p:cNvSpPr>
-          <p:nvPr>
-            <p:ph idx="1"/>
-          </p:nvPr>
-        </p:nvSpPr>
-        <p:spPr/>
-        <p:txBody>
-          <a:bodyPr/>
-          <a:lstStyle/>
-          <a:p>
-            <a:r>
-              <a:rPr lang="en-US" altLang="ko-KR" dirty="0" smtClean="0"/>
-              <a:t>1990</a:t>
-            </a:r>
-            <a:r>
-              <a:rPr lang="ko-KR" altLang="en-US" dirty="0" smtClean="0"/>
-              <a:t>년 처음 </a:t>
-            </a:r>
-            <a:r>
-              <a:rPr lang="en-US" altLang="ko-KR" dirty="0" smtClean="0"/>
-              <a:t>Python</a:t>
-            </a:r>
-            <a:r>
-              <a:rPr lang="ko-KR" altLang="en-US" dirty="0" smtClean="0"/>
-              <a:t>이 만들어졌을 때는 많이 이용되는 언어는 아니었음</a:t>
-            </a:r>
-            <a:r>
-              <a:rPr lang="en-US" altLang="ko-KR" dirty="0" smtClean="0"/>
-              <a:t>.</a:t>
-            </a:r>
-          </a:p>
-          <a:p>
-            <a:endParaRPr lang="en-US" altLang="ko-KR" dirty="0"/>
-          </a:p>
-          <a:p>
-            <a:r>
-              <a:rPr lang="en-US" altLang="ko-KR" dirty="0" smtClean="0"/>
-              <a:t>2000</a:t>
-            </a:r>
-            <a:r>
-              <a:rPr lang="ko-KR" altLang="en-US" dirty="0" smtClean="0"/>
-              <a:t>년 </a:t>
-            </a:r>
-            <a:r>
-              <a:rPr lang="en-US" altLang="ko-KR" dirty="0" smtClean="0"/>
-              <a:t>Python 2.0</a:t>
-            </a:r>
-            <a:r>
-              <a:rPr lang="ko-KR" altLang="en-US" dirty="0" smtClean="0"/>
-              <a:t>이 도입되면서 많은 발전이 있었고</a:t>
-            </a:r>
-            <a:r>
-              <a:rPr lang="en-US" altLang="ko-KR" dirty="0" smtClean="0"/>
-              <a:t>, </a:t>
-            </a:r>
-            <a:r>
-              <a:rPr lang="ko-KR" altLang="en-US" dirty="0" smtClean="0"/>
-              <a:t>수많은 사람들이 </a:t>
-            </a:r>
-            <a:r>
-              <a:rPr lang="en-US" altLang="ko-KR" dirty="0" smtClean="0"/>
-              <a:t>Python </a:t>
-            </a:r>
-            <a:r>
-              <a:rPr lang="ko-KR" altLang="en-US" dirty="0" smtClean="0"/>
-              <a:t>프로젝트에 참여하여 거대한 </a:t>
-            </a:r>
-            <a:r>
-              <a:rPr lang="en-US" altLang="ko-KR" dirty="0" smtClean="0"/>
-              <a:t>ecosystem</a:t>
-            </a:r>
-            <a:r>
-              <a:rPr lang="ko-KR" altLang="en-US" dirty="0" smtClean="0"/>
-              <a:t>으로 발전</a:t>
-            </a:r>
-            <a:r>
-              <a:rPr lang="en-US" altLang="ko-KR" dirty="0" smtClean="0"/>
-              <a:t>.</a:t>
-            </a:r>
-          </a:p>
-          <a:p>
-            <a:endParaRPr lang="en-US" altLang="ko-KR" dirty="0"/>
-          </a:p>
-          <a:p>
-            <a:r>
-              <a:rPr lang="en-US" altLang="ko-KR" dirty="0" smtClean="0"/>
-              <a:t>2008</a:t>
-            </a:r>
-            <a:r>
-              <a:rPr lang="ko-KR" altLang="en-US" dirty="0" smtClean="0"/>
-              <a:t>년 </a:t>
-            </a:r>
-            <a:r>
-              <a:rPr lang="en-US" altLang="ko-KR" dirty="0" smtClean="0"/>
-              <a:t>Python 2.0</a:t>
-            </a:r>
-            <a:r>
-              <a:rPr lang="ko-KR" altLang="en-US" dirty="0" smtClean="0"/>
-              <a:t>의 단점을 보완한 </a:t>
-            </a:r>
-            <a:r>
-              <a:rPr lang="en-US" altLang="ko-KR" dirty="0" smtClean="0"/>
-              <a:t>3.0</a:t>
-            </a:r>
-            <a:r>
-              <a:rPr lang="ko-KR" altLang="en-US" dirty="0" smtClean="0"/>
-              <a:t>이 등장하였으며 대체적으로 </a:t>
-            </a:r>
-            <a:r>
-              <a:rPr lang="en-US" altLang="ko-KR" dirty="0" smtClean="0"/>
-              <a:t>2.0 </a:t>
-            </a:r>
-            <a:r>
-              <a:rPr lang="ko-KR" altLang="en-US" dirty="0" smtClean="0"/>
-              <a:t>버전보다 우수하다고 평가 받음</a:t>
-            </a:r>
-            <a:r>
-              <a:rPr lang="en-US" altLang="ko-KR" dirty="0" smtClean="0"/>
-              <a:t>. </a:t>
-            </a:r>
-          </a:p>
-        </p:txBody>
-      </p:sp>
-    </p:spTree>
-    <p:extLst>
-      <p:ext uri="{BB962C8B-B14F-4D97-AF65-F5344CB8AC3E}">
-        <p14:creationId xmlns:p14="http://schemas.microsoft.com/office/powerpoint/2010/main" val="4014646084"/>
-      </p:ext>
-    </p:extLst>
-  </p:cSld>
-  <p:clrMapOvr>
-    <a:masterClrMapping/>
-  </p:clrMapOvr>
-</p:sld>
-</file>
-
-<file path=ppt/slides/slide16.xml><?xml version="1.0" encoding="utf-8"?>
-<p:sld xmlns:a="http://schemas.openxmlformats.org/drawingml/2006/main" xmlns:r="http://schemas.openxmlformats.org/officeDocument/2006/relationships" xmlns:p="http://schemas.openxmlformats.org/presentationml/2006/main">
-  <p:cSld>
-    <p:spTree>
-      <p:nvGrpSpPr>
-        <p:cNvPr id="1" name=""/>
-        <p:cNvGrpSpPr/>
-        <p:nvPr/>
-      </p:nvGrpSpPr>
-      <p:grpSpPr>
-        <a:xfrm>
-          <a:off x="0" y="0"/>
-          <a:ext cx="0" cy="0"/>
-          <a:chOff x="0" y="0"/>
-          <a:chExt cx="0" cy="0"/>
-        </a:xfrm>
-      </p:grpSpPr>
-      <p:sp>
-        <p:nvSpPr>
-          <p:cNvPr id="2" name="제목 1"/>
-          <p:cNvSpPr>
-            <a:spLocks noGrp="1"/>
-          </p:cNvSpPr>
-          <p:nvPr>
-            <p:ph type="title"/>
-          </p:nvPr>
-        </p:nvSpPr>
-        <p:spPr/>
-        <p:txBody>
-          <a:bodyPr/>
-          <a:lstStyle/>
-          <a:p>
-            <a:r>
-              <a:rPr lang="en-US" altLang="ko-KR" dirty="0" smtClean="0"/>
-              <a:t>Python</a:t>
-            </a:r>
-            <a:r>
-              <a:rPr lang="ko-KR" altLang="en-US" dirty="0" smtClean="0"/>
-              <a:t>을 다루는 방법</a:t>
-            </a:r>
-            <a:endParaRPr lang="ko-KR" altLang="en-US" dirty="0"/>
-          </a:p>
-        </p:txBody>
-      </p:sp>
-      <p:sp>
-        <p:nvSpPr>
-          <p:cNvPr id="3" name="내용 개체 틀 2"/>
-          <p:cNvSpPr>
-            <a:spLocks noGrp="1"/>
-          </p:cNvSpPr>
-          <p:nvPr>
-            <p:ph idx="1"/>
-          </p:nvPr>
-        </p:nvSpPr>
-        <p:spPr/>
-        <p:txBody>
-          <a:bodyPr/>
-          <a:lstStyle/>
-          <a:p>
-            <a:r>
-              <a:rPr lang="en-US" altLang="ko-KR" dirty="0" err="1" smtClean="0"/>
-              <a:t>Spyder</a:t>
-            </a:r>
-            <a:r>
-              <a:rPr lang="en-US" altLang="ko-KR" dirty="0" smtClean="0"/>
-              <a:t> </a:t>
-            </a:r>
-            <a:r>
-              <a:rPr lang="ko-KR" altLang="en-US" dirty="0" smtClean="0"/>
-              <a:t>개발 환경을 이용하는 방법</a:t>
-            </a:r>
-            <a:endParaRPr lang="en-US" altLang="ko-KR" dirty="0" smtClean="0"/>
-          </a:p>
-          <a:p>
-            <a:endParaRPr lang="en-US" altLang="ko-KR" dirty="0"/>
-          </a:p>
-          <a:p>
-            <a:r>
-              <a:rPr lang="ko-KR" altLang="en-US" dirty="0" smtClean="0"/>
-              <a:t>로컬 컴퓨터에 설치된 </a:t>
-            </a:r>
-            <a:r>
-              <a:rPr lang="en-US" altLang="ko-KR" dirty="0" err="1" smtClean="0"/>
-              <a:t>Jupyter</a:t>
-            </a:r>
-            <a:r>
-              <a:rPr lang="en-US" altLang="ko-KR" dirty="0" smtClean="0"/>
-              <a:t> notebook</a:t>
-            </a:r>
-            <a:r>
-              <a:rPr lang="ko-KR" altLang="en-US" dirty="0" smtClean="0"/>
-              <a:t>을 이용하는 방법</a:t>
-            </a:r>
-            <a:endParaRPr lang="en-US" altLang="ko-KR" dirty="0" smtClean="0"/>
-          </a:p>
-          <a:p>
-            <a:endParaRPr lang="en-US" altLang="ko-KR" dirty="0"/>
-          </a:p>
-          <a:p>
-            <a:r>
-              <a:rPr lang="ko-KR" altLang="en-US" dirty="0" smtClean="0"/>
-              <a:t>서버에 설치된 </a:t>
-            </a:r>
-            <a:r>
-              <a:rPr lang="en-US" altLang="ko-KR" dirty="0" err="1" smtClean="0"/>
-              <a:t>Jupyterhub</a:t>
-            </a:r>
-            <a:r>
-              <a:rPr lang="ko-KR" altLang="en-US" dirty="0" smtClean="0"/>
-              <a:t>를 이용하는 방법</a:t>
-            </a:r>
-            <a:endParaRPr lang="ko-KR" altLang="en-US" dirty="0"/>
-          </a:p>
-        </p:txBody>
-      </p:sp>
-    </p:spTree>
-    <p:extLst>
-      <p:ext uri="{BB962C8B-B14F-4D97-AF65-F5344CB8AC3E}">
-        <p14:creationId xmlns:p14="http://schemas.microsoft.com/office/powerpoint/2010/main" val="2256142503"/>
-      </p:ext>
-    </p:extLst>
-  </p:cSld>
-  <p:clrMapOvr>
-    <a:masterClrMapping/>
-  </p:clrMapOvr>
-</p:sld>
-</file>
-
 <file path=ppt/slides/slide17.xml><?xml version="1.0" encoding="utf-8"?>
 <p:sld xmlns:a="http://schemas.openxmlformats.org/drawingml/2006/main" xmlns:r="http://schemas.openxmlformats.org/officeDocument/2006/relationships" xmlns:p="http://schemas.openxmlformats.org/presentationml/2006/main">
   <p:cSld>
@@ -4259,8 +4296,12 @@
           <a:lstStyle/>
           <a:p>
             <a:r>
-              <a:rPr lang="en-US" altLang="ko-KR" dirty="0" err="1" smtClean="0"/>
-              <a:t>Spyder</a:t>
+              <a:rPr lang="en-US" altLang="ko-KR" dirty="0" smtClean="0"/>
+              <a:t>Python </a:t>
+            </a:r>
+            <a:r>
+              <a:rPr lang="ko-KR" altLang="en-US" dirty="0" smtClean="0"/>
+              <a:t>버전</a:t>
             </a:r>
             <a:endParaRPr lang="ko-KR" altLang="en-US" dirty="0"/>
           </a:p>
@@ -4282,185 +4323,122 @@
           <a:lstStyle/>
           <a:p>
             <a:r>
-              <a:rPr lang="en-US" altLang="ko-KR" dirty="0"/>
-              <a:t>"Scientific Python Development </a:t>
-            </a:r>
-            <a:r>
-              <a:rPr lang="en-US" altLang="ko-KR" dirty="0" err="1" smtClean="0"/>
-              <a:t>EnviRonment</a:t>
-            </a:r>
-            <a:r>
-              <a:rPr lang="en-US" altLang="ko-KR" dirty="0" smtClean="0"/>
-              <a:t>"</a:t>
-            </a:r>
-            <a:endParaRPr lang="en-US" altLang="ko-KR" spc="-150" dirty="0" smtClean="0"/>
-          </a:p>
-          <a:p>
-            <a:r>
-              <a:rPr lang="en-US" altLang="ko-KR" spc="-150" dirty="0" err="1" smtClean="0"/>
-              <a:t>Spyder</a:t>
-            </a:r>
-            <a:r>
-              <a:rPr lang="ko-KR" altLang="en-US" spc="-150" dirty="0" smtClean="0"/>
-              <a:t>는 </a:t>
-            </a:r>
-            <a:r>
-              <a:rPr lang="en-US" altLang="ko-KR" spc="-150" dirty="0" smtClean="0"/>
+              <a:rPr lang="en-US" altLang="ko-KR" dirty="0" smtClean="0"/>
+              <a:t>1990</a:t>
+            </a:r>
+            <a:r>
+              <a:rPr lang="ko-KR" altLang="en-US" dirty="0" smtClean="0"/>
+              <a:t>년 처음 </a:t>
+            </a:r>
+            <a:r>
+              <a:rPr lang="en-US" altLang="ko-KR" dirty="0" smtClean="0"/>
+              <a:t>Python</a:t>
+            </a:r>
+            <a:r>
+              <a:rPr lang="ko-KR" altLang="en-US" dirty="0" smtClean="0"/>
+              <a:t>이 만들어졌을 때는 많이 이용되는 언어는 아니었음</a:t>
+            </a:r>
+            <a:r>
+              <a:rPr lang="en-US" altLang="ko-KR" dirty="0" smtClean="0"/>
+              <a:t>.</a:t>
+            </a:r>
+          </a:p>
+          <a:p>
+            <a:endParaRPr lang="en-US" altLang="ko-KR" dirty="0"/>
+          </a:p>
+          <a:p>
+            <a:r>
+              <a:rPr lang="en-US" altLang="ko-KR" dirty="0" smtClean="0"/>
+              <a:t>2000</a:t>
+            </a:r>
+            <a:r>
+              <a:rPr lang="ko-KR" altLang="en-US" dirty="0" smtClean="0"/>
+              <a:t>년 </a:t>
+            </a:r>
+            <a:r>
+              <a:rPr lang="en-US" altLang="ko-KR" dirty="0" smtClean="0"/>
+              <a:t>Python 2.0</a:t>
+            </a:r>
+            <a:r>
+              <a:rPr lang="ko-KR" altLang="en-US" dirty="0" smtClean="0"/>
+              <a:t>이 도입되면서 많은 발전이 있었고</a:t>
+            </a:r>
+            <a:r>
+              <a:rPr lang="en-US" altLang="ko-KR" dirty="0" smtClean="0"/>
+              <a:t>, </a:t>
+            </a:r>
+            <a:r>
+              <a:rPr lang="ko-KR" altLang="en-US" dirty="0" smtClean="0"/>
+              <a:t>수많은 사람들이 </a:t>
+            </a:r>
+            <a:r>
+              <a:rPr lang="en-US" altLang="ko-KR" dirty="0" smtClean="0"/>
               <a:t>Python </a:t>
             </a:r>
             <a:r>
-              <a:rPr lang="ko-KR" altLang="en-US" spc="-150" dirty="0" smtClean="0"/>
-              <a:t>개발 환경으로 </a:t>
-            </a:r>
-            <a:r>
-              <a:rPr lang="en-US" altLang="ko-KR" spc="-150" dirty="0" smtClean="0"/>
-              <a:t>Anaconda</a:t>
-            </a:r>
-            <a:r>
-              <a:rPr lang="ko-KR" altLang="en-US" spc="-150" dirty="0" smtClean="0"/>
-              <a:t>를 설치하면 같이 설치 됨</a:t>
-            </a:r>
-            <a:endParaRPr lang="en-US" altLang="ko-KR" spc="-150" dirty="0" smtClean="0"/>
-          </a:p>
-          <a:p>
-            <a:pPr lvl="1"/>
-            <a:r>
-              <a:rPr lang="ko-KR" altLang="en-US" dirty="0" smtClean="0"/>
-              <a:t>개발 환경 </a:t>
-            </a:r>
-            <a:r>
-              <a:rPr lang="en-US" altLang="ko-KR" dirty="0" smtClean="0"/>
-              <a:t>– IDE (Interactive Development Environment)</a:t>
-            </a:r>
-          </a:p>
-          <a:p>
-            <a:pPr lvl="2"/>
-            <a:r>
-              <a:rPr lang="ko-KR" altLang="en-US" dirty="0" smtClean="0"/>
-              <a:t>텍스트 에디터</a:t>
-            </a:r>
-            <a:r>
-              <a:rPr lang="en-US" altLang="ko-KR" dirty="0" smtClean="0"/>
-              <a:t>(Editor)</a:t>
-            </a:r>
-          </a:p>
-          <a:p>
-            <a:pPr lvl="3"/>
-            <a:r>
-              <a:rPr lang="ko-KR" altLang="en-US" dirty="0" smtClean="0"/>
-              <a:t>프로그램 소스 코드를 작성하는 곳</a:t>
-            </a:r>
+              <a:rPr lang="ko-KR" altLang="en-US" dirty="0" smtClean="0"/>
+              <a:t>프로젝트에 참여하여 거대한 </a:t>
+            </a:r>
+            <a:r>
+              <a:rPr lang="en-US" altLang="ko-KR" dirty="0" smtClean="0"/>
+              <a:t>ecosystem</a:t>
+            </a:r>
+            <a:r>
+              <a:rPr lang="ko-KR" altLang="en-US" dirty="0" smtClean="0"/>
+              <a:t>으로 발전</a:t>
+            </a:r>
+            <a:r>
+              <a:rPr lang="en-US" altLang="ko-KR" dirty="0" smtClean="0"/>
+              <a:t>.</a:t>
+            </a:r>
+          </a:p>
+          <a:p>
             <a:endParaRPr lang="en-US" altLang="ko-KR" dirty="0"/>
           </a:p>
           <a:p>
-            <a:pPr lvl="2"/>
-            <a:r>
-              <a:rPr lang="ko-KR" altLang="en-US" dirty="0" smtClean="0"/>
-              <a:t>명령어 콘솔 </a:t>
-            </a:r>
-            <a:r>
-              <a:rPr lang="en-US" altLang="ko-KR" dirty="0" smtClean="0"/>
-              <a:t>:</a:t>
-            </a:r>
-            <a:r>
-              <a:rPr lang="ko-KR" altLang="en-US" dirty="0" smtClean="0"/>
-              <a:t> </a:t>
-            </a:r>
-            <a:r>
-              <a:rPr lang="en-US" altLang="ko-KR" dirty="0" err="1" smtClean="0"/>
-              <a:t>Ipython</a:t>
-            </a:r>
-            <a:r>
-              <a:rPr lang="en-US" altLang="ko-KR" dirty="0" smtClean="0"/>
-              <a:t> (enhanced interactive Python interpreter)</a:t>
-            </a:r>
-          </a:p>
-          <a:p>
-            <a:pPr lvl="3"/>
-            <a:r>
-              <a:rPr lang="en-US" altLang="ko-KR" dirty="0" smtClean="0"/>
-              <a:t>Python</a:t>
-            </a:r>
-            <a:r>
-              <a:rPr lang="ko-KR" altLang="en-US" dirty="0" smtClean="0"/>
-              <a:t>의 기본 </a:t>
-            </a:r>
-            <a:r>
-              <a:rPr lang="en-US" altLang="ko-KR" dirty="0" smtClean="0"/>
-              <a:t>interpreter</a:t>
-            </a:r>
-            <a:r>
-              <a:rPr lang="ko-KR" altLang="en-US" dirty="0" smtClean="0"/>
-              <a:t>보다 확장된 기능을 제공</a:t>
-            </a:r>
-            <a:endParaRPr lang="en-US" altLang="ko-KR" dirty="0" smtClean="0"/>
-          </a:p>
-          <a:p>
-            <a:pPr lvl="3"/>
-            <a:r>
-              <a:rPr lang="ko-KR" altLang="en-US" dirty="0" smtClean="0"/>
-              <a:t>에디터를 이용하지 않고도 콘솔에서 직접 프로그램을 작성하여 실행할 수 있음</a:t>
-            </a:r>
-            <a:endParaRPr lang="en-US" altLang="ko-KR" dirty="0" smtClean="0"/>
-          </a:p>
-          <a:p>
-            <a:pPr lvl="2"/>
-            <a:r>
-              <a:rPr lang="en-US" altLang="ko-KR" dirty="0" smtClean="0"/>
-              <a:t>Python library</a:t>
-            </a:r>
-            <a:r>
-              <a:rPr lang="ko-KR" altLang="en-US" dirty="0" smtClean="0"/>
-              <a:t>인 </a:t>
-            </a:r>
-            <a:r>
-              <a:rPr lang="en-US" altLang="ko-KR" dirty="0" err="1"/>
-              <a:t>N</a:t>
-            </a:r>
-            <a:r>
-              <a:rPr lang="en-US" altLang="ko-KR" dirty="0" err="1" smtClean="0"/>
-              <a:t>umPy</a:t>
-            </a:r>
-            <a:r>
-              <a:rPr lang="en-US" altLang="ko-KR" dirty="0" smtClean="0"/>
-              <a:t>, </a:t>
-            </a:r>
-            <a:r>
-              <a:rPr lang="en-US" altLang="ko-KR" dirty="0" err="1" smtClean="0"/>
-              <a:t>SciPy</a:t>
-            </a:r>
-            <a:r>
-              <a:rPr lang="en-US" altLang="ko-KR" dirty="0" smtClean="0"/>
-              <a:t>, </a:t>
-            </a:r>
-            <a:r>
-              <a:rPr lang="en-US" altLang="ko-KR" dirty="0" err="1" smtClean="0"/>
-              <a:t>matplotlib</a:t>
-            </a:r>
-            <a:r>
-              <a:rPr lang="ko-KR" altLang="en-US" dirty="0"/>
-              <a:t> </a:t>
-            </a:r>
-            <a:r>
-              <a:rPr lang="ko-KR" altLang="en-US" dirty="0" smtClean="0"/>
-              <a:t>등 지원</a:t>
-            </a:r>
-            <a:endParaRPr lang="en-US" altLang="ko-KR" dirty="0" smtClean="0"/>
-          </a:p>
-          <a:p>
-            <a:pPr lvl="2"/>
-            <a:r>
-              <a:rPr lang="ko-KR" altLang="en-US" dirty="0" smtClean="0"/>
-              <a:t>변수 탐색기 제공</a:t>
-            </a:r>
-            <a:endParaRPr lang="en-US" altLang="ko-KR" dirty="0" smtClean="0"/>
+            <a:r>
+              <a:rPr lang="en-US" altLang="ko-KR" dirty="0" smtClean="0"/>
+              <a:t>2008</a:t>
+            </a:r>
+            <a:r>
+              <a:rPr lang="ko-KR" altLang="en-US" dirty="0" smtClean="0"/>
+              <a:t>년 </a:t>
+            </a:r>
+            <a:r>
+              <a:rPr lang="en-US" altLang="ko-KR" dirty="0" smtClean="0"/>
+              <a:t>Python 2.0</a:t>
+            </a:r>
+            <a:r>
+              <a:rPr lang="ko-KR" altLang="en-US" dirty="0" smtClean="0"/>
+              <a:t>의 단점을 보완한 </a:t>
+            </a:r>
+            <a:r>
+              <a:rPr lang="en-US" altLang="ko-KR" dirty="0" smtClean="0"/>
+              <a:t>3.0</a:t>
+            </a:r>
+            <a:r>
+              <a:rPr lang="ko-KR" altLang="en-US" dirty="0" smtClean="0"/>
+              <a:t>이 등장하였으며 대체적으로 </a:t>
+            </a:r>
+            <a:r>
+              <a:rPr lang="en-US" altLang="ko-KR" dirty="0" smtClean="0"/>
+              <a:t>2.0 </a:t>
+            </a:r>
+            <a:r>
+              <a:rPr lang="ko-KR" altLang="en-US" dirty="0" smtClean="0"/>
+              <a:t>버전보다 우수하다고 평가 받음</a:t>
+            </a:r>
+            <a:r>
+              <a:rPr lang="en-US" altLang="ko-KR" dirty="0" smtClean="0"/>
+              <a:t>. </a:t>
+            </a:r>
           </a:p>
         </p:txBody>
       </p:sp>
     </p:spTree>
     <p:extLst>
       <p:ext uri="{BB962C8B-B14F-4D97-AF65-F5344CB8AC3E}">
-        <p14:creationId xmlns:p14="http://schemas.microsoft.com/office/powerpoint/2010/main" val="1632340515"/>
+        <p14:creationId xmlns:p14="http://schemas.microsoft.com/office/powerpoint/2010/main" val="4014646084"/>
       </p:ext>
     </p:extLst>
   </p:cSld>
@@ -4503,6 +4481,87 @@
           <a:lstStyle/>
           <a:p>
             <a:r>
+              <a:rPr lang="en-US" altLang="ko-KR" dirty="0" smtClean="0"/>
+              <a:t>Python</a:t>
+            </a:r>
+            <a:r>
+              <a:rPr lang="ko-KR" altLang="en-US" dirty="0" smtClean="0"/>
+              <a:t> 개발 환경</a:t>
+            </a:r>
+            <a:endParaRPr lang="ko-KR" altLang="en-US" dirty="0"/>
+          </a:p>
+        </p:txBody>
+      </p:sp>
+      <p:sp>
+        <p:nvSpPr>
+          <p:cNvPr id="3" name="내용 개체 틀 2"/>
+          <p:cNvSpPr>
+            <a:spLocks noGrp="1"/>
+          </p:cNvSpPr>
+          <p:nvPr>
+            <p:ph idx="1"/>
+          </p:nvPr>
+        </p:nvSpPr>
+        <p:spPr/>
+        <p:txBody>
+          <a:bodyPr/>
+          <a:lstStyle/>
+          <a:p>
+            <a:pPr marL="0" indent="0">
+              <a:buNone/>
+            </a:pPr>
+            <a:endParaRPr lang="en-US" altLang="ko-KR" dirty="0"/>
+          </a:p>
+          <a:p>
+            <a:r>
+              <a:rPr lang="ko-KR" altLang="en-US" dirty="0" smtClean="0"/>
+              <a:t>로컬 컴퓨터에 설치된 </a:t>
+            </a:r>
+            <a:r>
+              <a:rPr lang="en-US" altLang="ko-KR" dirty="0" err="1" smtClean="0"/>
+              <a:t>Jupyter</a:t>
+            </a:r>
+            <a:r>
+              <a:rPr lang="en-US" altLang="ko-KR" dirty="0" smtClean="0"/>
+              <a:t> notebook</a:t>
+            </a:r>
+            <a:r>
+              <a:rPr lang="ko-KR" altLang="en-US" dirty="0" smtClean="0"/>
+              <a:t>을 이용하는 방법</a:t>
+            </a:r>
+            <a:endParaRPr lang="en-US" altLang="ko-KR" dirty="0" smtClean="0"/>
+          </a:p>
+          <a:p>
+            <a:endParaRPr lang="en-US" altLang="ko-KR" dirty="0"/>
+          </a:p>
+          <a:p>
+            <a:r>
+              <a:rPr lang="ko-KR" altLang="en-US" dirty="0" smtClean="0"/>
+              <a:t>학과 서버에 </a:t>
+            </a:r>
+            <a:r>
+              <a:rPr lang="ko-KR" altLang="en-US" dirty="0" smtClean="0"/>
+              <a:t>설치된 </a:t>
+            </a:r>
+            <a:r>
+              <a:rPr lang="en-US" altLang="ko-KR" dirty="0" err="1" smtClean="0"/>
+              <a:t>Jupyterhub</a:t>
+            </a:r>
+            <a:r>
+              <a:rPr lang="ko-KR" altLang="en-US" dirty="0" smtClean="0"/>
+              <a:t>를 이용하는 </a:t>
+            </a:r>
+            <a:r>
+              <a:rPr lang="ko-KR" altLang="en-US" dirty="0" smtClean="0"/>
+              <a:t>방법</a:t>
+            </a:r>
+            <a:endParaRPr lang="en-US" altLang="ko-KR" dirty="0" smtClean="0"/>
+          </a:p>
+          <a:p>
+            <a:endParaRPr lang="en-US" altLang="ko-KR" dirty="0"/>
+          </a:p>
+          <a:p>
+            <a:r>
               <a:rPr lang="en-US" altLang="ko-KR" dirty="0" err="1"/>
               <a:t>Spyder</a:t>
             </a:r>
@@ -4512,41 +4571,19 @@
             </a:r>
             <a:r>
               <a:rPr lang="ko-KR" altLang="en-US" dirty="0"/>
-              <a:t>화면</a:t>
-            </a:r>
-          </a:p>
-        </p:txBody>
-      </p:sp>
-      <p:pic>
-        <p:nvPicPr>
-          <p:cNvPr id="4" name="내용 개체 틀 3"/>
-          <p:cNvPicPr>
-            <a:picLocks noGrp="1" noChangeAspect="1"/>
-          </p:cNvPicPr>
-          <p:nvPr>
-            <p:ph idx="1"/>
-          </p:nvPr>
-        </p:nvPicPr>
-        <p:blipFill>
-          <a:blip r:embed="rId2"/>
-          <a:stretch>
-            <a:fillRect/>
-          </a:stretch>
-        </p:blipFill>
-        <p:spPr>
-          <a:xfrm>
-            <a:off x="2824332" y="1883290"/>
-            <a:ext cx="6164395" cy="4351338"/>
-          </a:xfrm>
-          <a:prstGeom prst="rect">
-            <a:avLst/>
-          </a:prstGeom>
-        </p:spPr>
-      </p:pic>
+              <a:t>개발 환경을 이용하는 방법</a:t>
+            </a:r>
+            <a:endParaRPr lang="en-US" altLang="ko-KR" dirty="0"/>
+          </a:p>
+          <a:p>
+            <a:endParaRPr lang="ko-KR" altLang="en-US" dirty="0"/>
+          </a:p>
+        </p:txBody>
+      </p:sp>
     </p:spTree>
     <p:extLst>
       <p:ext uri="{BB962C8B-B14F-4D97-AF65-F5344CB8AC3E}">
-        <p14:creationId xmlns:p14="http://schemas.microsoft.com/office/powerpoint/2010/main" val="2268452537"/>
+        <p14:creationId xmlns:p14="http://schemas.microsoft.com/office/powerpoint/2010/main" val="2256142503"/>
       </p:ext>
     </p:extLst>
   </p:cSld>
@@ -4589,20 +4626,16 @@
           <a:lstStyle/>
           <a:p>
             <a:r>
+              <a:rPr lang="ko-KR" altLang="en-US" dirty="0" smtClean="0"/>
+              <a:t>로컬 컴퓨터의 </a:t>
+            </a:r>
+            <a:r>
               <a:rPr lang="en-US" altLang="ko-KR" dirty="0" err="1" smtClean="0"/>
-              <a:t>Spyder</a:t>
-            </a:r>
-            <a:r>
-              <a:rPr lang="en-US" altLang="ko-KR" dirty="0" smtClean="0"/>
-              <a:t> : </a:t>
-            </a:r>
-            <a:r>
-              <a:rPr lang="en-US" altLang="ko-KR" dirty="0" err="1" smtClean="0"/>
-              <a:t>IPython</a:t>
-            </a:r>
-            <a:r>
-              <a:rPr lang="en-US" altLang="ko-KR" dirty="0" smtClean="0"/>
-              <a:t> console</a:t>
+              <a:t>Jupyter</a:t>
+            </a:r>
+            <a:r>
+              <a:rPr lang="en-US" altLang="ko-KR" dirty="0" smtClean="0"/>
+              <a:t> notebook</a:t>
             </a:r>
             <a:endParaRPr lang="ko-KR" altLang="en-US" dirty="0"/>
           </a:p>
@@ -4621,116 +4654,127 @@
         <p:spPr>
           <a:xfrm>
             <a:off x="838199" y="1825625"/>
-            <a:ext cx="6327046" cy="4351338"/>
+            <a:ext cx="5354783" cy="4351338"/>
           </a:xfrm>
         </p:spPr>
         <p:txBody>
           <a:bodyPr>
-            <a:normAutofit lnSpcReduction="10000"/>
+            <a:normAutofit/>
           </a:bodyPr>
           <a:lstStyle/>
           <a:p>
             <a:r>
-              <a:rPr lang="en-US" altLang="ko-KR" dirty="0" err="1" smtClean="0"/>
-              <a:t>Spyder</a:t>
-            </a:r>
-            <a:r>
-              <a:rPr lang="en-US" altLang="ko-KR" dirty="0" smtClean="0"/>
-              <a:t> </a:t>
-            </a:r>
-            <a:r>
-              <a:rPr lang="ko-KR" altLang="en-US" dirty="0" smtClean="0"/>
-              <a:t>환경의 우측 하단 부분이 </a:t>
-            </a:r>
-            <a:r>
-              <a:rPr lang="en-US" altLang="ko-KR" dirty="0" err="1" smtClean="0"/>
-              <a:t>Ipython</a:t>
-            </a:r>
-            <a:r>
-              <a:rPr lang="en-US" altLang="ko-KR" dirty="0" smtClean="0"/>
-              <a:t> console</a:t>
-            </a:r>
-            <a:r>
-              <a:rPr lang="ko-KR" altLang="en-US" dirty="0" smtClean="0"/>
-              <a:t>에 해당</a:t>
-            </a:r>
-            <a:endParaRPr lang="en-US" altLang="ko-KR" dirty="0" smtClean="0"/>
-          </a:p>
-          <a:p>
-            <a:endParaRPr lang="en-US" altLang="ko-KR" dirty="0" smtClean="0"/>
-          </a:p>
-          <a:p>
-            <a:r>
-              <a:rPr lang="ko-KR" altLang="en-US" dirty="0" smtClean="0"/>
-              <a:t>사칙연산 등</a:t>
-            </a:r>
-            <a:r>
-              <a:rPr lang="en-US" altLang="ko-KR" dirty="0" smtClean="0"/>
+              <a:rPr lang="en-US" altLang="ko-KR" sz="2000" dirty="0" smtClean="0">
+                <a:hlinkClick r:id="rId2"/>
+              </a:rPr>
+              <a:t>http</a:t>
+            </a:r>
+            <a:r>
+              <a:rPr lang="en-US" altLang="ko-KR" sz="2000" dirty="0">
+                <a:hlinkClick r:id="rId2"/>
+              </a:rPr>
+              <a:t>://jupyter.org</a:t>
+            </a:r>
+            <a:r>
+              <a:rPr lang="en-US" altLang="ko-KR" sz="2000" dirty="0" smtClean="0">
+                <a:hlinkClick r:id="rId2"/>
+              </a:rPr>
+              <a:t>/</a:t>
+            </a:r>
+            <a:endParaRPr lang="en-US" altLang="ko-KR" sz="2000" dirty="0" smtClean="0"/>
+          </a:p>
+          <a:p>
+            <a:endParaRPr lang="en-US" altLang="ko-KR" sz="2000" dirty="0" smtClean="0"/>
+          </a:p>
+          <a:p>
+            <a:r>
+              <a:rPr lang="ko-KR" altLang="en-US" sz="2000" dirty="0" smtClean="0"/>
+              <a:t>브라우저 기반 작업 환경</a:t>
+            </a:r>
+            <a:endParaRPr lang="en-US" altLang="ko-KR" sz="2000" dirty="0" smtClean="0"/>
+          </a:p>
+          <a:p>
+            <a:endParaRPr lang="en-US" altLang="ko-KR" sz="2000" dirty="0" smtClean="0"/>
+          </a:p>
+          <a:p>
+            <a:r>
+              <a:rPr lang="ko-KR" altLang="en-US" sz="2000" dirty="0" smtClean="0"/>
+              <a:t>코드와 코드에 대한 설명을 번갈아 작성할 수 있음</a:t>
+            </a:r>
+            <a:endParaRPr lang="en-US" altLang="ko-KR" sz="2000" dirty="0" smtClean="0"/>
+          </a:p>
+          <a:p>
+            <a:pPr lvl="1"/>
+            <a:r>
+              <a:rPr lang="en-US" altLang="ko-KR" sz="1600" dirty="0" smtClean="0"/>
+              <a:t>demonstration</a:t>
+            </a:r>
+            <a:r>
+              <a:rPr lang="ko-KR" altLang="en-US" sz="1600" dirty="0" smtClean="0"/>
+              <a:t>에 용이</a:t>
+            </a:r>
+            <a:endParaRPr lang="en-US" altLang="ko-KR" sz="1600" dirty="0" smtClean="0"/>
+          </a:p>
+          <a:p>
+            <a:pPr lvl="1"/>
+            <a:r>
+              <a:rPr lang="en-US" altLang="ko-KR" sz="1600" dirty="0" smtClean="0"/>
+              <a:t>literate programming</a:t>
+            </a:r>
+            <a:r>
+              <a:rPr lang="ko-KR" altLang="en-US" sz="1600" dirty="0" smtClean="0"/>
+              <a:t>이라고도 함</a:t>
+            </a:r>
+            <a:endParaRPr lang="en-US" altLang="ko-KR" sz="1600" dirty="0" smtClean="0"/>
+          </a:p>
+          <a:p>
+            <a:pPr lvl="1"/>
+            <a:r>
+              <a:rPr lang="ko-KR" altLang="en-US" sz="1600" dirty="0" smtClean="0"/>
+              <a:t>설명</a:t>
+            </a:r>
+            <a:r>
+              <a:rPr lang="en-US" altLang="ko-KR" sz="1600" dirty="0" smtClean="0"/>
               <a:t>, </a:t>
             </a:r>
             <a:r>
-              <a:rPr lang="ko-KR" altLang="en-US" dirty="0" smtClean="0"/>
-              <a:t>예를 들어 </a:t>
-            </a:r>
-            <a:r>
-              <a:rPr lang="en-US" altLang="ko-KR" dirty="0" smtClean="0"/>
-              <a:t>5*10/(4+1), </a:t>
-            </a:r>
-            <a:r>
-              <a:rPr lang="ko-KR" altLang="en-US" dirty="0" smtClean="0"/>
-              <a:t>과 같은 명령을 입력하면</a:t>
-            </a:r>
-            <a:r>
-              <a:rPr lang="en-US" altLang="ko-KR" dirty="0" smtClean="0"/>
-              <a:t>,</a:t>
-            </a:r>
-            <a:br>
-              <a:rPr lang="en-US" altLang="ko-KR" dirty="0" smtClean="0"/>
-            </a:br>
-            <a:r>
-              <a:rPr lang="en-US" altLang="ko-KR" dirty="0" smtClean="0"/>
-              <a:t>Python </a:t>
-            </a:r>
-            <a:r>
-              <a:rPr lang="ko-KR" altLang="en-US" dirty="0" smtClean="0"/>
-              <a:t>인터프리터가 이를 계산하여 결과를 출력</a:t>
-            </a:r>
-            <a:endParaRPr lang="en-US" altLang="ko-KR" dirty="0" smtClean="0"/>
-          </a:p>
-          <a:p>
-            <a:endParaRPr lang="en-US" altLang="ko-KR" dirty="0"/>
-          </a:p>
-          <a:p>
-            <a:r>
-              <a:rPr lang="en-US" altLang="ko-KR" dirty="0" smtClean="0"/>
-              <a:t>print(“Hello</a:t>
-            </a:r>
-            <a:r>
-              <a:rPr lang="en-US" altLang="ko-KR" dirty="0" smtClean="0"/>
-              <a:t>, world</a:t>
-            </a:r>
-            <a:r>
-              <a:rPr lang="en-US" altLang="ko-KR" dirty="0" smtClean="0"/>
-              <a:t>!”)</a:t>
-            </a:r>
-            <a:r>
-              <a:rPr lang="ko-KR" altLang="en-US" dirty="0" smtClean="0"/>
-              <a:t>와 </a:t>
-            </a:r>
-            <a:r>
-              <a:rPr lang="ko-KR" altLang="en-US" dirty="0" smtClean="0"/>
-              <a:t>같은 명령도 수행해 보자</a:t>
-            </a:r>
-            <a:r>
-              <a:rPr lang="en-US" altLang="ko-KR" dirty="0" smtClean="0"/>
-              <a:t>.</a:t>
-            </a:r>
+              <a:rPr lang="ko-KR" altLang="en-US" sz="1600" dirty="0" smtClean="0"/>
+              <a:t>코드</a:t>
+            </a:r>
+            <a:r>
+              <a:rPr lang="en-US" altLang="ko-KR" sz="1600" dirty="0" smtClean="0"/>
+              <a:t>, </a:t>
+            </a:r>
+            <a:r>
+              <a:rPr lang="ko-KR" altLang="en-US" sz="1600" dirty="0" smtClean="0"/>
+              <a:t>수식 등을 한 페이지에 보일 수 있음</a:t>
+            </a:r>
+            <a:endParaRPr lang="en-US" altLang="ko-KR" sz="1600" dirty="0" smtClean="0"/>
+          </a:p>
+          <a:p>
+            <a:pPr lvl="1"/>
+            <a:endParaRPr lang="en-US" altLang="ko-KR" sz="1600" dirty="0"/>
+          </a:p>
+          <a:p>
+            <a:endParaRPr lang="en-US" altLang="ko-KR" sz="2000" dirty="0" smtClean="0"/>
+          </a:p>
+          <a:p>
+            <a:endParaRPr lang="en-US" altLang="ko-KR" sz="2000" dirty="0"/>
+          </a:p>
+          <a:p>
+            <a:endParaRPr lang="en-US" altLang="ko-KR" sz="2000" dirty="0"/>
+          </a:p>
+          <a:p>
+            <a:endParaRPr lang="en-US" altLang="ko-KR" sz="2400" dirty="0"/>
+          </a:p>
+          <a:p>
+            <a:endParaRPr lang="ko-KR" altLang="en-US" sz="2400" dirty="0"/>
           </a:p>
         </p:txBody>
       </p:sp>
       <p:pic>
         <p:nvPicPr>
-          <p:cNvPr id="9" name="내용 개체 틀 8"/>
+          <p:cNvPr id="5" name="내용 개체 틀 4"/>
           <p:cNvPicPr>
             <a:picLocks noGrp="1" noChangeAspect="1"/>
           </p:cNvPicPr>
@@ -4739,15 +4783,15 @@
           </p:nvPr>
         </p:nvPicPr>
         <p:blipFill>
-          <a:blip r:embed="rId2"/>
+          <a:blip r:embed="rId3"/>
           <a:stretch>
             <a:fillRect/>
           </a:stretch>
         </p:blipFill>
         <p:spPr>
           <a:xfrm>
-            <a:off x="7327685" y="2239169"/>
-            <a:ext cx="4600575" cy="3524250"/>
+            <a:off x="6427999" y="1825625"/>
+            <a:ext cx="5381167" cy="3644150"/>
           </a:xfrm>
           <a:prstGeom prst="rect">
             <a:avLst/>
@@ -4757,7 +4801,7 @@
     </p:spTree>
     <p:extLst>
       <p:ext uri="{BB962C8B-B14F-4D97-AF65-F5344CB8AC3E}">
-        <p14:creationId xmlns:p14="http://schemas.microsoft.com/office/powerpoint/2010/main" val="3852600486"/>
+        <p14:creationId xmlns:p14="http://schemas.microsoft.com/office/powerpoint/2010/main" val="840772298"/>
       </p:ext>
     </p:extLst>
   </p:cSld>
@@ -4898,34 +4942,7 @@
       </p:grpSpPr>
       <p:sp>
         <p:nvSpPr>
-          <p:cNvPr id="2" name="제목 1"/>
-          <p:cNvSpPr>
-            <a:spLocks noGrp="1"/>
-          </p:cNvSpPr>
-          <p:nvPr>
-            <p:ph type="title"/>
-          </p:nvPr>
-        </p:nvSpPr>
-        <p:spPr/>
-        <p:txBody>
-          <a:bodyPr/>
-          <a:lstStyle/>
-          <a:p>
-            <a:r>
-              <a:rPr lang="en-US" altLang="ko-KR" dirty="0" err="1" smtClean="0"/>
-              <a:t>Spyder</a:t>
-            </a:r>
-            <a:r>
-              <a:rPr lang="en-US" altLang="ko-KR" dirty="0" smtClean="0"/>
-              <a:t> : Editor</a:t>
-            </a:r>
-            <a:endParaRPr lang="ko-KR" altLang="en-US" dirty="0"/>
-          </a:p>
-        </p:txBody>
-      </p:sp>
-      <p:sp>
-        <p:nvSpPr>
-          <p:cNvPr id="3" name="내용 개체 틀 2"/>
+          <p:cNvPr id="6" name="내용 개체 틀 5"/>
           <p:cNvSpPr>
             <a:spLocks noGrp="1"/>
           </p:cNvSpPr>
@@ -4933,60 +4950,159 @@
             <p:ph idx="1"/>
           </p:nvPr>
         </p:nvSpPr>
-        <p:spPr/>
-        <p:txBody>
-          <a:bodyPr/>
-          <a:lstStyle/>
-          <a:p>
-            <a:r>
-              <a:rPr lang="ko-KR" altLang="en-US" dirty="0" smtClean="0"/>
-              <a:t>작성하려는 프로그램의 길이가 길 때</a:t>
-            </a:r>
-            <a:endParaRPr lang="en-US" altLang="ko-KR" dirty="0"/>
-          </a:p>
-          <a:p>
-            <a:r>
-              <a:rPr lang="en-US" altLang="ko-KR" dirty="0" smtClean="0"/>
-              <a:t>Console</a:t>
-            </a:r>
-            <a:r>
-              <a:rPr lang="ko-KR" altLang="en-US" dirty="0" smtClean="0"/>
-              <a:t>에서 직접 작성하는 것보다</a:t>
-            </a:r>
-            <a:r>
-              <a:rPr lang="en-US" altLang="ko-KR" dirty="0" smtClean="0"/>
-              <a:t>, Editor</a:t>
-            </a:r>
-            <a:r>
-              <a:rPr lang="ko-KR" altLang="en-US" dirty="0" smtClean="0"/>
-              <a:t>를 이용하여 긴 길이의 프로그램 코드를 미리 만들어 두는 것이 편함</a:t>
-            </a:r>
-            <a:endParaRPr lang="en-US" altLang="ko-KR" dirty="0"/>
-          </a:p>
-          <a:p>
-            <a:r>
-              <a:rPr lang="en-US" altLang="ko-KR" dirty="0" smtClean="0"/>
-              <a:t>     </a:t>
-            </a:r>
-            <a:r>
-              <a:rPr lang="ko-KR" altLang="en-US" dirty="0" smtClean="0"/>
-              <a:t>버튼이나 메뉴의 </a:t>
-            </a:r>
-            <a:r>
-              <a:rPr lang="en-US" altLang="ko-KR" dirty="0" smtClean="0"/>
-              <a:t>Run </a:t>
-            </a:r>
-            <a:r>
-              <a:rPr lang="ko-KR" altLang="en-US" dirty="0" smtClean="0"/>
-              <a:t>항목 등을 이용하여 한꺼번에 실행</a:t>
-            </a:r>
-            <a:endParaRPr lang="ko-KR" altLang="en-US" dirty="0"/>
+        <p:spPr>
+          <a:xfrm>
+            <a:off x="838200" y="523702"/>
+            <a:ext cx="10515600" cy="5653261"/>
+          </a:xfrm>
+        </p:spPr>
+        <p:txBody>
+          <a:bodyPr>
+            <a:normAutofit/>
+          </a:bodyPr>
+          <a:lstStyle/>
+          <a:p>
+            <a:r>
+              <a:rPr lang="en-US" altLang="ko-KR" sz="2000" dirty="0"/>
+              <a:t>Anaconda</a:t>
+            </a:r>
+            <a:r>
+              <a:rPr lang="ko-KR" altLang="en-US" sz="2000" dirty="0"/>
+              <a:t>가 설치되어 있다는 가정 하에</a:t>
+            </a:r>
+            <a:r>
+              <a:rPr lang="en-US" altLang="ko-KR" sz="2000" dirty="0"/>
+              <a:t>, Windows </a:t>
+            </a:r>
+            <a:r>
+              <a:rPr lang="ko-KR" altLang="en-US" sz="2000" dirty="0"/>
+              <a:t>키</a:t>
+            </a:r>
+            <a:r>
+              <a:rPr lang="en-US" altLang="ko-KR" sz="2000" dirty="0"/>
+              <a:t>+R </a:t>
+            </a:r>
+            <a:r>
+              <a:rPr lang="ko-KR" altLang="en-US" sz="2000" dirty="0"/>
+              <a:t>키를 통해 실행 창을 연 뒤</a:t>
+            </a:r>
+            <a:r>
+              <a:rPr lang="en-US" altLang="ko-KR" sz="2000" dirty="0"/>
+              <a:t>, </a:t>
+            </a:r>
+            <a:r>
+              <a:rPr lang="en-US" altLang="ko-KR" sz="2000" dirty="0" err="1"/>
+              <a:t>jupyter</a:t>
+            </a:r>
+            <a:r>
+              <a:rPr lang="en-US" altLang="ko-KR" sz="2000" dirty="0"/>
+              <a:t> notebook</a:t>
+            </a:r>
+            <a:r>
+              <a:rPr lang="ko-KR" altLang="en-US" sz="2000" dirty="0"/>
+              <a:t>을 </a:t>
+            </a:r>
+            <a:r>
+              <a:rPr lang="ko-KR" altLang="en-US" sz="2000" dirty="0" smtClean="0"/>
+              <a:t>입력</a:t>
+            </a:r>
+            <a:endParaRPr lang="en-US" altLang="ko-KR" sz="2000" dirty="0" smtClean="0"/>
+          </a:p>
+          <a:p>
+            <a:endParaRPr lang="en-US" altLang="ko-KR" sz="2000" dirty="0"/>
+          </a:p>
+          <a:p>
+            <a:endParaRPr lang="en-US" altLang="ko-KR" sz="2000" dirty="0" smtClean="0"/>
+          </a:p>
+          <a:p>
+            <a:endParaRPr lang="en-US" altLang="ko-KR" sz="2000" dirty="0"/>
+          </a:p>
+          <a:p>
+            <a:endParaRPr lang="en-US" altLang="ko-KR" sz="2000" dirty="0" smtClean="0"/>
+          </a:p>
+          <a:p>
+            <a:r>
+              <a:rPr lang="ko-KR" altLang="en-US" sz="2000" dirty="0"/>
+              <a:t>브라우저를 통해 다음과 같은 화면이 </a:t>
+            </a:r>
+            <a:r>
+              <a:rPr lang="ko-KR" altLang="en-US" sz="2000" dirty="0" smtClean="0"/>
+              <a:t>나타남</a:t>
+            </a:r>
+            <a:r>
+              <a:rPr lang="en-US" altLang="ko-KR" sz="2000" dirty="0"/>
+              <a:t> </a:t>
+            </a:r>
+            <a:endParaRPr lang="en-US" altLang="ko-KR" sz="2000" dirty="0" smtClean="0"/>
+          </a:p>
+          <a:p>
+            <a:r>
+              <a:rPr lang="ko-KR" altLang="en-US" sz="2000" dirty="0" smtClean="0"/>
+              <a:t>파일 </a:t>
+            </a:r>
+            <a:r>
+              <a:rPr lang="ko-KR" altLang="en-US" sz="2000" dirty="0"/>
+              <a:t>탐색기처럼 폴더 간 이동을 할 수 </a:t>
+            </a:r>
+            <a:r>
+              <a:rPr lang="ko-KR" altLang="en-US" sz="2000" dirty="0" smtClean="0"/>
+              <a:t>있음</a:t>
+            </a:r>
+            <a:endParaRPr lang="en-US" altLang="ko-KR" sz="2000" dirty="0" smtClean="0"/>
+          </a:p>
+          <a:p>
+            <a:r>
+              <a:rPr lang="ko-KR" altLang="en-US" sz="2000" dirty="0" smtClean="0"/>
+              <a:t>내가 </a:t>
+            </a:r>
+            <a:r>
+              <a:rPr lang="ko-KR" altLang="en-US" sz="2000" dirty="0"/>
+              <a:t>작업할 적당한 폴더로 </a:t>
+            </a:r>
+            <a:r>
+              <a:rPr lang="ko-KR" altLang="en-US" sz="2000" dirty="0" smtClean="0"/>
+              <a:t>이동</a:t>
+            </a:r>
+            <a:endParaRPr lang="en-US" altLang="ko-KR" sz="2000" dirty="0"/>
+          </a:p>
+          <a:p>
+            <a:r>
+              <a:rPr lang="en-US" altLang="ko-KR" sz="2000" dirty="0" smtClean="0"/>
+              <a:t>New </a:t>
+            </a:r>
+            <a:r>
+              <a:rPr lang="ko-KR" altLang="en-US" sz="2000" dirty="0" err="1"/>
+              <a:t>드랍</a:t>
+            </a:r>
+            <a:r>
+              <a:rPr lang="ko-KR" altLang="en-US" sz="2000" dirty="0"/>
+              <a:t> 다운 버튼을 통해 </a:t>
+            </a:r>
+            <a:r>
+              <a:rPr lang="en-US" altLang="ko-KR" sz="2000" dirty="0" smtClean="0"/>
+              <a:t>Python </a:t>
+            </a:r>
+            <a:r>
+              <a:rPr lang="ko-KR" altLang="en-US" sz="2000" dirty="0"/>
+              <a:t>노트북을 새로 </a:t>
+            </a:r>
+            <a:r>
+              <a:rPr lang="ko-KR" altLang="en-US" sz="2000" dirty="0" smtClean="0"/>
+              <a:t>만듦</a:t>
+            </a:r>
+            <a:endParaRPr lang="en-US" altLang="ko-KR" sz="2000" dirty="0" smtClean="0"/>
+          </a:p>
+          <a:p>
+            <a:endParaRPr lang="en-US" altLang="ko-KR" sz="2000" dirty="0"/>
+          </a:p>
+          <a:p>
+            <a:endParaRPr lang="ko-KR" altLang="en-US" sz="2000" dirty="0"/>
           </a:p>
         </p:txBody>
       </p:sp>
       <p:pic>
         <p:nvPicPr>
-          <p:cNvPr id="4" name="그림 3"/>
+          <p:cNvPr id="7" name="그림 6"/>
           <p:cNvPicPr>
             <a:picLocks noChangeAspect="1"/>
           </p:cNvPicPr>
@@ -5000,8 +5116,32 @@
         </p:blipFill>
         <p:spPr>
           <a:xfrm>
-            <a:off x="1248322" y="3363252"/>
-            <a:ext cx="345893" cy="286256"/>
+            <a:off x="2086149" y="1284231"/>
+            <a:ext cx="2901487" cy="1300441"/>
+          </a:xfrm>
+          <a:prstGeom prst="rect">
+            <a:avLst/>
+          </a:prstGeom>
+        </p:spPr>
+      </p:pic>
+      <p:pic>
+        <p:nvPicPr>
+          <p:cNvPr id="8" name="그림 7"/>
+          <p:cNvPicPr>
+            <a:picLocks noChangeAspect="1"/>
+          </p:cNvPicPr>
+          <p:nvPr/>
+        </p:nvPicPr>
+        <p:blipFill>
+          <a:blip r:embed="rId3"/>
+          <a:stretch>
+            <a:fillRect/>
+          </a:stretch>
+        </p:blipFill>
+        <p:spPr>
+          <a:xfrm>
+            <a:off x="2152996" y="4523613"/>
+            <a:ext cx="5380239" cy="1653350"/>
           </a:xfrm>
           <a:prstGeom prst="rect">
             <a:avLst/>
@@ -5011,7 +5151,7 @@
     </p:spTree>
     <p:extLst>
       <p:ext uri="{BB962C8B-B14F-4D97-AF65-F5344CB8AC3E}">
-        <p14:creationId xmlns:p14="http://schemas.microsoft.com/office/powerpoint/2010/main" val="3343919720"/>
+        <p14:creationId xmlns:p14="http://schemas.microsoft.com/office/powerpoint/2010/main" val="602120434"/>
       </p:ext>
     </p:extLst>
   </p:cSld>
@@ -5038,15 +5178,157 @@
           <a:chExt cx="0" cy="0"/>
         </a:xfrm>
       </p:grpSpPr>
+      <p:sp>
+        <p:nvSpPr>
+          <p:cNvPr id="3" name="내용 개체 틀 2"/>
+          <p:cNvSpPr>
+            <a:spLocks noGrp="1"/>
+          </p:cNvSpPr>
+          <p:nvPr>
+            <p:ph idx="1"/>
+          </p:nvPr>
+        </p:nvSpPr>
+        <p:spPr>
+          <a:xfrm>
+            <a:off x="838200" y="548640"/>
+            <a:ext cx="10515600" cy="5628323"/>
+          </a:xfrm>
+        </p:spPr>
+        <p:txBody>
+          <a:bodyPr>
+            <a:normAutofit/>
+          </a:bodyPr>
+          <a:lstStyle/>
+          <a:p>
+            <a:r>
+              <a:rPr lang="ko-KR" altLang="en-US" sz="2000" dirty="0"/>
+              <a:t>새로운 창에서 빈 </a:t>
+            </a:r>
+            <a:r>
+              <a:rPr lang="en-US" altLang="ko-KR" sz="2000" dirty="0"/>
+              <a:t>notebook </a:t>
+            </a:r>
+            <a:r>
+              <a:rPr lang="ko-KR" altLang="en-US" sz="2000" dirty="0"/>
+              <a:t>파일이 </a:t>
+            </a:r>
+            <a:r>
+              <a:rPr lang="ko-KR" altLang="en-US" sz="2000" dirty="0" smtClean="0"/>
+              <a:t>생성</a:t>
+            </a:r>
+            <a:r>
+              <a:rPr lang="en-US" altLang="ko-KR" sz="2000" dirty="0"/>
+              <a:t> </a:t>
+            </a:r>
+            <a:endParaRPr lang="en-US" altLang="ko-KR" sz="2000" dirty="0" smtClean="0"/>
+          </a:p>
+          <a:p>
+            <a:r>
+              <a:rPr lang="en-US" altLang="ko-KR" sz="2000" dirty="0" smtClean="0"/>
+              <a:t>Code</a:t>
+            </a:r>
+            <a:r>
+              <a:rPr lang="ko-KR" altLang="en-US" sz="2000" dirty="0"/>
+              <a:t>라고 쓰여있는 </a:t>
+            </a:r>
+            <a:r>
+              <a:rPr lang="ko-KR" altLang="en-US" sz="2000" dirty="0" err="1"/>
+              <a:t>드랍다운</a:t>
+            </a:r>
+            <a:r>
+              <a:rPr lang="ko-KR" altLang="en-US" sz="2000" dirty="0"/>
+              <a:t> 메뉴를 클릭하면 </a:t>
+            </a:r>
+            <a:r>
+              <a:rPr lang="en-US" altLang="ko-KR" sz="2000" dirty="0" smtClean="0"/>
+              <a:t>Code, Markdown </a:t>
+            </a:r>
+            <a:r>
+              <a:rPr lang="ko-KR" altLang="en-US" sz="2000" dirty="0"/>
+              <a:t>등을 선택할 수 </a:t>
+            </a:r>
+            <a:r>
+              <a:rPr lang="ko-KR" altLang="en-US" sz="2000" dirty="0" smtClean="0"/>
+              <a:t>있음</a:t>
+            </a:r>
+            <a:endParaRPr lang="en-US" altLang="ko-KR" sz="2000" dirty="0" smtClean="0"/>
+          </a:p>
+          <a:p>
+            <a:r>
+              <a:rPr lang="ko-KR" altLang="en-US" sz="2000" dirty="0" smtClean="0"/>
+              <a:t>먼저 </a:t>
+            </a:r>
+            <a:r>
+              <a:rPr lang="en-US" altLang="ko-KR" sz="2000" dirty="0"/>
+              <a:t>Markdown</a:t>
+            </a:r>
+            <a:r>
+              <a:rPr lang="ko-KR" altLang="en-US" sz="2000" dirty="0"/>
+              <a:t>을 </a:t>
+            </a:r>
+            <a:r>
+              <a:rPr lang="ko-KR" altLang="en-US" sz="2000" dirty="0" smtClean="0"/>
+              <a:t>선택</a:t>
+            </a:r>
+            <a:endParaRPr lang="en-US" altLang="ko-KR" sz="2000" dirty="0" smtClean="0"/>
+          </a:p>
+          <a:p>
+            <a:endParaRPr lang="en-US" altLang="ko-KR" sz="2000" dirty="0"/>
+          </a:p>
+          <a:p>
+            <a:endParaRPr lang="en-US" altLang="ko-KR" sz="2000" dirty="0" smtClean="0"/>
+          </a:p>
+          <a:p>
+            <a:endParaRPr lang="en-US" altLang="ko-KR" sz="2000" dirty="0"/>
+          </a:p>
+          <a:p>
+            <a:endParaRPr lang="en-US" altLang="ko-KR" sz="2000" dirty="0" smtClean="0"/>
+          </a:p>
+          <a:p>
+            <a:endParaRPr lang="en-US" altLang="ko-KR" sz="2000" dirty="0"/>
+          </a:p>
+          <a:p>
+            <a:r>
+              <a:rPr lang="en-US" altLang="ko-KR" sz="2000" dirty="0"/>
+              <a:t>Markdown</a:t>
+            </a:r>
+            <a:r>
+              <a:rPr lang="ko-KR" altLang="en-US" sz="2000" dirty="0"/>
+              <a:t>을 이용하여 내가 작성하고자 하는 보고서의 내용을 </a:t>
+            </a:r>
+            <a:r>
+              <a:rPr lang="ko-KR" altLang="en-US" sz="2000" dirty="0" smtClean="0"/>
+              <a:t>설명</a:t>
+            </a:r>
+            <a:r>
+              <a:rPr lang="en-US" altLang="ko-KR" sz="2000" dirty="0" smtClean="0"/>
+              <a:t> </a:t>
+            </a:r>
+          </a:p>
+          <a:p>
+            <a:r>
+              <a:rPr lang="ko-KR" altLang="en-US" sz="2000" dirty="0" smtClean="0"/>
+              <a:t>다음과 </a:t>
+            </a:r>
+            <a:r>
+              <a:rPr lang="ko-KR" altLang="en-US" sz="2000" dirty="0"/>
+              <a:t>같이 작성한 후 화살표 버튼을 눌러 실행하여 결과를 </a:t>
+            </a:r>
+            <a:r>
+              <a:rPr lang="ko-KR" altLang="en-US" sz="2000" dirty="0" smtClean="0"/>
+              <a:t>확인</a:t>
+            </a:r>
+            <a:endParaRPr lang="ko-KR" altLang="en-US" sz="1600" dirty="0"/>
+          </a:p>
+        </p:txBody>
+      </p:sp>
       <p:pic>
         <p:nvPicPr>
-          <p:cNvPr id="6" name="내용 개체 틀 5"/>
+          <p:cNvPr id="4" name="그림 3"/>
           <p:cNvPicPr>
-            <a:picLocks noGrp="1" noChangeAspect="1"/>
+            <a:picLocks noChangeAspect="1"/>
           </p:cNvPicPr>
-          <p:nvPr>
-            <p:ph idx="1"/>
-          </p:nvPr>
+          <p:nvPr/>
         </p:nvPicPr>
         <p:blipFill>
           <a:blip r:embed="rId2"/>
@@ -5056,8 +5338,32 @@
         </p:blipFill>
         <p:spPr>
           <a:xfrm>
-            <a:off x="1006773" y="400478"/>
-            <a:ext cx="9908362" cy="6046549"/>
+            <a:off x="1229245" y="1757017"/>
+            <a:ext cx="6376901" cy="1531972"/>
+          </a:xfrm>
+          <a:prstGeom prst="rect">
+            <a:avLst/>
+          </a:prstGeom>
+        </p:spPr>
+      </p:pic>
+      <p:pic>
+        <p:nvPicPr>
+          <p:cNvPr id="5" name="그림 4"/>
+          <p:cNvPicPr>
+            <a:picLocks noChangeAspect="1"/>
+          </p:cNvPicPr>
+          <p:nvPr/>
+        </p:nvPicPr>
+        <p:blipFill>
+          <a:blip r:embed="rId3"/>
+          <a:stretch>
+            <a:fillRect/>
+          </a:stretch>
+        </p:blipFill>
+        <p:spPr>
+          <a:xfrm>
+            <a:off x="1122218" y="4571579"/>
+            <a:ext cx="6226232" cy="1933409"/>
           </a:xfrm>
           <a:prstGeom prst="rect">
             <a:avLst/>
@@ -5067,7 +5373,7 @@
     </p:spTree>
     <p:extLst>
       <p:ext uri="{BB962C8B-B14F-4D97-AF65-F5344CB8AC3E}">
-        <p14:creationId xmlns:p14="http://schemas.microsoft.com/office/powerpoint/2010/main" val="1365929391"/>
+        <p14:creationId xmlns:p14="http://schemas.microsoft.com/office/powerpoint/2010/main" val="2034688742"/>
       </p:ext>
     </p:extLst>
   </p:cSld>
@@ -5096,170 +5402,176 @@
       </p:grpSpPr>
       <p:sp>
         <p:nvSpPr>
-          <p:cNvPr id="2" name="제목 1"/>
-          <p:cNvSpPr>
-            <a:spLocks noGrp="1"/>
-          </p:cNvSpPr>
-          <p:nvPr>
-            <p:ph type="title"/>
-          </p:nvPr>
-        </p:nvSpPr>
-        <p:spPr/>
-        <p:txBody>
-          <a:bodyPr/>
-          <a:lstStyle/>
-          <a:p>
-            <a:r>
-              <a:rPr lang="ko-KR" altLang="en-US" dirty="0" smtClean="0"/>
-              <a:t>로컬 컴퓨터의 </a:t>
-            </a:r>
-            <a:r>
-              <a:rPr lang="en-US" altLang="ko-KR" dirty="0" err="1" smtClean="0"/>
-              <a:t>Jupyter</a:t>
-            </a:r>
-            <a:r>
-              <a:rPr lang="en-US" altLang="ko-KR" dirty="0" smtClean="0"/>
-              <a:t> notebook</a:t>
-            </a:r>
-            <a:endParaRPr lang="ko-KR" altLang="en-US" dirty="0"/>
-          </a:p>
-        </p:txBody>
-      </p:sp>
-      <p:sp>
-        <p:nvSpPr>
           <p:cNvPr id="3" name="내용 개체 틀 2"/>
           <p:cNvSpPr>
             <a:spLocks noGrp="1"/>
           </p:cNvSpPr>
           <p:nvPr>
-            <p:ph sz="half" idx="1"/>
+            <p:ph idx="1"/>
           </p:nvPr>
         </p:nvSpPr>
         <p:spPr>
           <a:xfrm>
-            <a:off x="838199" y="1825625"/>
-            <a:ext cx="5702643" cy="4351338"/>
+            <a:off x="838200" y="482138"/>
+            <a:ext cx="10515600" cy="5694825"/>
           </a:xfrm>
         </p:spPr>
         <p:txBody>
-          <a:bodyPr/>
-          <a:lstStyle/>
-          <a:p>
-            <a:r>
-              <a:rPr lang="en-US" altLang="ko-KR" dirty="0" smtClean="0">
-                <a:hlinkClick r:id="rId2"/>
-              </a:rPr>
-              <a:t>http</a:t>
-            </a:r>
-            <a:r>
-              <a:rPr lang="en-US" altLang="ko-KR" dirty="0">
-                <a:hlinkClick r:id="rId2"/>
-              </a:rPr>
-              <a:t>://jupyter.org</a:t>
-            </a:r>
-            <a:r>
-              <a:rPr lang="en-US" altLang="ko-KR" dirty="0" smtClean="0">
-                <a:hlinkClick r:id="rId2"/>
-              </a:rPr>
-              <a:t>/</a:t>
-            </a:r>
-            <a:endParaRPr lang="en-US" altLang="ko-KR" dirty="0" smtClean="0"/>
-          </a:p>
-          <a:p>
-            <a:endParaRPr lang="en-US" altLang="ko-KR" dirty="0" smtClean="0"/>
-          </a:p>
-          <a:p>
-            <a:r>
-              <a:rPr lang="ko-KR" altLang="en-US" dirty="0" smtClean="0"/>
-              <a:t>브라우저 기반 작업 환경</a:t>
-            </a:r>
-            <a:endParaRPr lang="en-US" altLang="ko-KR" dirty="0" smtClean="0"/>
-          </a:p>
-          <a:p>
-            <a:endParaRPr lang="en-US" altLang="ko-KR" dirty="0" smtClean="0"/>
-          </a:p>
-          <a:p>
-            <a:r>
-              <a:rPr lang="en-US" altLang="ko-KR" dirty="0" smtClean="0"/>
-              <a:t>Anaconda</a:t>
-            </a:r>
-            <a:r>
-              <a:rPr lang="ko-KR" altLang="en-US" dirty="0" smtClean="0"/>
-              <a:t>가 설치되어 있다면 </a:t>
-            </a:r>
-            <a:r>
-              <a:rPr lang="en-US" altLang="ko-KR" dirty="0" smtClean="0"/>
-              <a:t>Windows</a:t>
-            </a:r>
-            <a:r>
-              <a:rPr lang="ko-KR" altLang="en-US" dirty="0" smtClean="0"/>
-              <a:t> 실행창에서 </a:t>
-            </a:r>
-            <a:r>
-              <a:rPr lang="en-US" altLang="ko-KR" dirty="0" err="1" smtClean="0"/>
-              <a:t>jupyter</a:t>
-            </a:r>
-            <a:r>
-              <a:rPr lang="en-US" altLang="ko-KR" dirty="0" smtClean="0"/>
-              <a:t> notebook</a:t>
-            </a:r>
-            <a:r>
-              <a:rPr lang="ko-KR" altLang="en-US" dirty="0" smtClean="0"/>
-              <a:t>을 입력하여 </a:t>
-            </a:r>
-            <a:r>
-              <a:rPr lang="ko-KR" altLang="en-US" dirty="0" smtClean="0"/>
-              <a:t>실행</a:t>
-            </a:r>
-            <a:r>
-              <a:rPr lang="ko-KR" altLang="en-US" dirty="0" smtClean="0"/>
-              <a:t>하거나 검색을 통하여 </a:t>
-            </a:r>
-            <a:r>
-              <a:rPr lang="en-US" altLang="ko-KR" err="1" smtClean="0"/>
-              <a:t>jupyter</a:t>
-            </a:r>
-            <a:r>
-              <a:rPr lang="en-US" altLang="ko-KR" smtClean="0"/>
-              <a:t> notebook </a:t>
-            </a:r>
-            <a:r>
-              <a:rPr lang="ko-KR" altLang="en-US" smtClean="0"/>
-              <a:t>검색</a:t>
-            </a:r>
-            <a:endParaRPr lang="en-US" altLang="ko-KR" dirty="0" smtClean="0"/>
-          </a:p>
-          <a:p>
-            <a:endParaRPr lang="en-US" altLang="ko-KR" dirty="0"/>
-          </a:p>
-          <a:p>
-            <a:endParaRPr lang="en-US" altLang="ko-KR" dirty="0"/>
-          </a:p>
-          <a:p>
-            <a:endParaRPr lang="ko-KR" altLang="en-US" dirty="0"/>
+          <a:bodyPr>
+            <a:normAutofit/>
+          </a:bodyPr>
+          <a:lstStyle/>
+          <a:p>
+            <a:r>
+              <a:rPr lang="ko-KR" altLang="en-US" sz="2000" dirty="0"/>
+              <a:t>코드를 </a:t>
+            </a:r>
+            <a:r>
+              <a:rPr lang="ko-KR" altLang="en-US" sz="2000" dirty="0" smtClean="0"/>
+              <a:t>작성하기</a:t>
+            </a:r>
+            <a:endParaRPr lang="en-US" altLang="ko-KR" sz="2000" dirty="0" smtClean="0"/>
+          </a:p>
+          <a:p>
+            <a:r>
+              <a:rPr lang="en-US" altLang="ko-KR" sz="2000" dirty="0" smtClean="0"/>
+              <a:t>Python </a:t>
+            </a:r>
+            <a:r>
+              <a:rPr lang="ko-KR" altLang="en-US" sz="2000" dirty="0"/>
+              <a:t>코드를 작성 후 마찬가지로 화살표 버튼을 클릭하면 실행 결과를 확인할 수 </a:t>
+            </a:r>
+            <a:r>
+              <a:rPr lang="ko-KR" altLang="en-US" sz="2000" dirty="0" smtClean="0"/>
+              <a:t>있음</a:t>
+            </a:r>
+            <a:r>
+              <a:rPr lang="en-US" altLang="ko-KR" sz="2000" dirty="0" smtClean="0"/>
+              <a:t>.</a:t>
+            </a:r>
+          </a:p>
+          <a:p>
+            <a:endParaRPr lang="en-US" altLang="ko-KR" sz="2000" dirty="0"/>
+          </a:p>
+          <a:p>
+            <a:endParaRPr lang="en-US" altLang="ko-KR" sz="2000" dirty="0" smtClean="0"/>
+          </a:p>
+          <a:p>
+            <a:endParaRPr lang="en-US" altLang="ko-KR" sz="2000" dirty="0"/>
+          </a:p>
+          <a:p>
+            <a:endParaRPr lang="en-US" altLang="ko-KR" sz="2000" dirty="0" smtClean="0"/>
+          </a:p>
+          <a:p>
+            <a:endParaRPr lang="en-US" altLang="ko-KR" sz="2000" dirty="0"/>
+          </a:p>
+          <a:p>
+            <a:endParaRPr lang="en-US" altLang="ko-KR" sz="2000" dirty="0" smtClean="0"/>
+          </a:p>
+          <a:p>
+            <a:endParaRPr lang="en-US" altLang="ko-KR" sz="2000" dirty="0"/>
+          </a:p>
+          <a:p>
+            <a:endParaRPr lang="en-US" altLang="ko-KR" sz="2000" dirty="0" smtClean="0"/>
+          </a:p>
+          <a:p>
+            <a:endParaRPr lang="en-US" altLang="ko-KR" sz="2000" dirty="0"/>
+          </a:p>
+          <a:p>
+            <a:r>
+              <a:rPr lang="ko-KR" altLang="en-US" sz="2000" dirty="0"/>
+              <a:t>마지막으로 </a:t>
+            </a:r>
+            <a:r>
+              <a:rPr lang="en-US" altLang="ko-KR" sz="2000" dirty="0"/>
+              <a:t>File -&gt; Rename</a:t>
+            </a:r>
+            <a:r>
+              <a:rPr lang="ko-KR" altLang="en-US" sz="2000" dirty="0"/>
+              <a:t>을 통하여 적정한 이름으로 </a:t>
+            </a:r>
+            <a:r>
+              <a:rPr lang="ko-KR" altLang="en-US" sz="2000" dirty="0" smtClean="0"/>
+              <a:t>저장</a:t>
+            </a:r>
+            <a:r>
+              <a:rPr lang="en-US" altLang="ko-KR" sz="2000" dirty="0" smtClean="0"/>
+              <a:t>.</a:t>
+            </a:r>
+            <a:r>
+              <a:rPr lang="en-US" altLang="ko-KR" sz="2000" dirty="0"/>
+              <a:t> </a:t>
+            </a:r>
+            <a:endParaRPr lang="en-US" altLang="ko-KR" sz="1600" dirty="0" smtClean="0"/>
+          </a:p>
+          <a:p>
+            <a:r>
+              <a:rPr lang="en-US" altLang="ko-KR" sz="2000" dirty="0" smtClean="0"/>
+              <a:t>Notebook </a:t>
+            </a:r>
+            <a:r>
+              <a:rPr lang="ko-KR" altLang="en-US" sz="2000" dirty="0" err="1"/>
+              <a:t>윗</a:t>
+            </a:r>
+            <a:r>
+              <a:rPr lang="ko-KR" altLang="en-US" sz="2000" dirty="0"/>
+              <a:t> 쪽의 </a:t>
+            </a:r>
+            <a:r>
+              <a:rPr lang="en-US" altLang="ko-KR" sz="2000" dirty="0"/>
+              <a:t>Untitled</a:t>
+            </a:r>
+            <a:r>
+              <a:rPr lang="ko-KR" altLang="en-US" sz="2000" dirty="0"/>
+              <a:t>을 클릭해도 이름을 변경할 수 </a:t>
+            </a:r>
+            <a:r>
+              <a:rPr lang="ko-KR" altLang="en-US" sz="2000" dirty="0" smtClean="0"/>
+              <a:t>있음</a:t>
+            </a:r>
+            <a:endParaRPr lang="en-US" altLang="ko-KR" sz="2000" dirty="0" smtClean="0"/>
+          </a:p>
+          <a:p>
+            <a:r>
+              <a:rPr lang="ko-KR" altLang="en-US" sz="2000" dirty="0" smtClean="0"/>
+              <a:t>저장된 </a:t>
+            </a:r>
+            <a:r>
+              <a:rPr lang="ko-KR" altLang="en-US" sz="2000" dirty="0"/>
+              <a:t>파일은 윈도우 탐색기를 통하여 </a:t>
+            </a:r>
+            <a:r>
+              <a:rPr lang="ko-KR" altLang="en-US" sz="2000" dirty="0" smtClean="0"/>
+              <a:t>확인</a:t>
+            </a:r>
+            <a:endParaRPr lang="en-US" altLang="ko-KR" sz="1600" dirty="0" smtClean="0"/>
+          </a:p>
+          <a:p>
+            <a:endParaRPr lang="en-US" altLang="ko-KR" sz="2000" dirty="0"/>
+          </a:p>
+          <a:p>
+            <a:endParaRPr lang="ko-KR" altLang="en-US" sz="2000" dirty="0"/>
           </a:p>
         </p:txBody>
       </p:sp>
       <p:pic>
         <p:nvPicPr>
-          <p:cNvPr id="5" name="내용 개체 틀 4"/>
+          <p:cNvPr id="4" name="그림 3"/>
           <p:cNvPicPr>
-            <a:picLocks noGrp="1" noChangeAspect="1"/>
+            <a:picLocks noChangeAspect="1"/>
           </p:cNvPicPr>
-          <p:nvPr>
-            <p:ph sz="half" idx="2"/>
-          </p:nvPr>
+          <p:nvPr/>
         </p:nvPicPr>
         <p:blipFill>
-          <a:blip r:embed="rId3"/>
+          <a:blip r:embed="rId2"/>
           <a:stretch>
             <a:fillRect/>
           </a:stretch>
         </p:blipFill>
         <p:spPr>
           <a:xfrm>
-            <a:off x="6649994" y="1941992"/>
-            <a:ext cx="5181600" cy="3509003"/>
+            <a:off x="1072860" y="1390477"/>
+            <a:ext cx="6475095" cy="3012623"/>
           </a:xfrm>
           <a:prstGeom prst="rect">
             <a:avLst/>
@@ -5269,7 +5581,7 @@
     </p:spTree>
     <p:extLst>
       <p:ext uri="{BB962C8B-B14F-4D97-AF65-F5344CB8AC3E}">
-        <p14:creationId xmlns:p14="http://schemas.microsoft.com/office/powerpoint/2010/main" val="840772298"/>
+        <p14:creationId xmlns:p14="http://schemas.microsoft.com/office/powerpoint/2010/main" val="3243888291"/>
       </p:ext>
     </p:extLst>
   </p:cSld>
@@ -5343,58 +5655,88 @@
         </p:nvSpPr>
         <p:spPr/>
         <p:txBody>
-          <a:bodyPr/>
-          <a:lstStyle/>
-          <a:p>
-            <a:r>
-              <a:rPr lang="ko-KR" altLang="en-US" dirty="0" err="1" smtClean="0"/>
+          <a:bodyPr>
+            <a:normAutofit/>
+          </a:bodyPr>
+          <a:lstStyle/>
+          <a:p>
+            <a:r>
+              <a:rPr lang="ko-KR" altLang="en-US" sz="2400" dirty="0" err="1" smtClean="0"/>
               <a:t>웹브라우저에서</a:t>
             </a:r>
             <a:r>
-              <a:rPr lang="ko-KR" altLang="en-US" dirty="0" smtClean="0"/>
+              <a:rPr lang="ko-KR" altLang="en-US" sz="2400" dirty="0" smtClean="0"/>
               <a:t> </a:t>
             </a:r>
             <a:r>
-              <a:rPr lang="en-US" altLang="ko-KR" dirty="0">
+              <a:rPr lang="en-US" altLang="ko-KR" sz="2400" dirty="0">
                 <a:hlinkClick r:id="rId2"/>
               </a:rPr>
               <a:t>http://</a:t>
             </a:r>
             <a:r>
-              <a:rPr lang="en-US" altLang="ko-KR" dirty="0" smtClean="0">
+              <a:rPr lang="en-US" altLang="ko-KR" sz="2400" dirty="0" smtClean="0">
                 <a:hlinkClick r:id="rId2"/>
               </a:rPr>
               <a:t>165.229.194.169:443</a:t>
             </a:r>
             <a:r>
-              <a:rPr lang="ko-KR" altLang="en-US" dirty="0" smtClean="0"/>
+              <a:rPr lang="ko-KR" altLang="en-US" sz="2400" dirty="0" smtClean="0"/>
               <a:t>로 접속</a:t>
             </a:r>
-            <a:endParaRPr lang="en-US" altLang="ko-KR" dirty="0" smtClean="0"/>
-          </a:p>
-          <a:p>
-            <a:endParaRPr lang="en-US" altLang="ko-KR" dirty="0"/>
-          </a:p>
-          <a:p>
-            <a:r>
-              <a:rPr lang="ko-KR" altLang="en-US" dirty="0" smtClean="0"/>
+            <a:endParaRPr lang="en-US" altLang="ko-KR" sz="2400" dirty="0" smtClean="0"/>
+          </a:p>
+          <a:p>
+            <a:endParaRPr lang="en-US" altLang="ko-KR" sz="2400" dirty="0"/>
+          </a:p>
+          <a:p>
+            <a:r>
+              <a:rPr lang="ko-KR" altLang="en-US" sz="2400" dirty="0" smtClean="0"/>
               <a:t>본인의 아이디와 비밀번호로 접속</a:t>
             </a:r>
-            <a:endParaRPr lang="en-US" altLang="ko-KR" dirty="0" smtClean="0"/>
-          </a:p>
-          <a:p>
-            <a:endParaRPr lang="en-US" altLang="ko-KR" dirty="0"/>
-          </a:p>
-          <a:p>
-            <a:r>
-              <a:rPr lang="en-US" altLang="ko-KR" dirty="0" smtClean="0"/>
+            <a:endParaRPr lang="en-US" altLang="ko-KR" sz="2400" dirty="0" smtClean="0"/>
+          </a:p>
+          <a:p>
+            <a:endParaRPr lang="en-US" altLang="ko-KR" sz="2400" dirty="0"/>
+          </a:p>
+          <a:p>
+            <a:r>
+              <a:rPr lang="en-US" altLang="ko-KR" sz="2400" dirty="0" smtClean="0"/>
               <a:t>python </a:t>
             </a:r>
             <a:r>
-              <a:rPr lang="ko-KR" altLang="en-US" dirty="0" smtClean="0"/>
-              <a:t>노트북 생성</a:t>
-            </a:r>
-            <a:endParaRPr lang="ko-KR" altLang="en-US" dirty="0"/>
+              <a:rPr lang="ko-KR" altLang="en-US" sz="2400" dirty="0" smtClean="0"/>
+              <a:t>노트북 </a:t>
+            </a:r>
+            <a:r>
+              <a:rPr lang="ko-KR" altLang="en-US" sz="2400" dirty="0" smtClean="0"/>
+              <a:t>생성</a:t>
+            </a:r>
+            <a:endParaRPr lang="en-US" altLang="ko-KR" sz="2400" dirty="0" smtClean="0"/>
+          </a:p>
+          <a:p>
+            <a:endParaRPr lang="en-US" altLang="ko-KR" sz="2400" dirty="0"/>
+          </a:p>
+          <a:p>
+            <a:r>
+              <a:rPr lang="ko-KR" altLang="en-US" sz="2400" dirty="0" smtClean="0"/>
+              <a:t>이용 방법은 앞의 경우와 흡사</a:t>
+            </a:r>
+            <a:endParaRPr lang="en-US" altLang="ko-KR" sz="2400" dirty="0" smtClean="0"/>
+          </a:p>
+          <a:p>
+            <a:endParaRPr lang="en-US" altLang="ko-KR" sz="2400" dirty="0"/>
+          </a:p>
+          <a:p>
+            <a:r>
+              <a:rPr lang="ko-KR" altLang="en-US" sz="2400" dirty="0" smtClean="0"/>
+              <a:t>실습실 컴퓨터와 달리 자신의 코드를 저장해 </a:t>
+            </a:r>
+            <a:r>
+              <a:rPr lang="ko-KR" altLang="en-US" sz="2400" dirty="0" smtClean="0"/>
+              <a:t>두고 쓸 수 있음</a:t>
+            </a:r>
+            <a:endParaRPr lang="ko-KR" altLang="en-US" sz="2400" dirty="0"/>
           </a:p>
         </p:txBody>
       </p:sp>
@@ -5414,7 +5756,7 @@
         </p:blipFill>
         <p:spPr>
           <a:xfrm>
-            <a:off x="6800206" y="3809485"/>
+            <a:off x="7914112" y="2570889"/>
             <a:ext cx="3781425" cy="2171700"/>
           </a:xfrm>
           <a:prstGeom prst="rect">
@@ -5454,7 +5796,7 @@
       </p:grpSpPr>
       <p:sp>
         <p:nvSpPr>
-          <p:cNvPr id="2" name="제목 1"/>
+          <p:cNvPr id="5" name="제목 4"/>
           <p:cNvSpPr>
             <a:spLocks noGrp="1"/>
           </p:cNvSpPr>
@@ -5462,116 +5804,224 @@
             <p:ph type="title"/>
           </p:nvPr>
         </p:nvSpPr>
-        <p:spPr/>
-        <p:txBody>
-          <a:bodyPr/>
-          <a:lstStyle/>
-          <a:p>
-            <a:r>
-              <a:rPr lang="en-US" altLang="ko-KR" dirty="0" smtClean="0"/>
-              <a:t>Editor </a:t>
-            </a:r>
-            <a:r>
-              <a:rPr lang="ko-KR" altLang="en-US" dirty="0" smtClean="0"/>
-              <a:t>혹은 개발 환경 선택</a:t>
-            </a:r>
-            <a:endParaRPr lang="ko-KR" altLang="en-US" dirty="0"/>
-          </a:p>
-        </p:txBody>
-      </p:sp>
-      <p:sp>
-        <p:nvSpPr>
-          <p:cNvPr id="3" name="내용 개체 틀 2"/>
-          <p:cNvSpPr>
-            <a:spLocks noGrp="1"/>
-          </p:cNvSpPr>
-          <p:nvPr>
-            <p:ph idx="1"/>
-          </p:nvPr>
-        </p:nvSpPr>
-        <p:spPr/>
-        <p:txBody>
-          <a:bodyPr/>
-          <a:lstStyle/>
-          <a:p>
-            <a:r>
-              <a:rPr lang="ko-KR" altLang="en-US" dirty="0" smtClean="0"/>
-              <a:t>프로그램 코드는 사실 </a:t>
-            </a:r>
-            <a:r>
-              <a:rPr lang="en-US" altLang="ko-KR" dirty="0" smtClean="0"/>
-              <a:t>text </a:t>
-            </a:r>
-            <a:r>
-              <a:rPr lang="ko-KR" altLang="en-US" dirty="0" smtClean="0"/>
-              <a:t>파일이며</a:t>
-            </a:r>
-            <a:r>
-              <a:rPr lang="en-US" altLang="ko-KR" dirty="0" smtClean="0"/>
-              <a:t>, </a:t>
-            </a:r>
-            <a:r>
-              <a:rPr lang="ko-KR" altLang="en-US" dirty="0" smtClean="0"/>
-              <a:t>이를 작성하기 위해서는 윈도우의 기본 메모장</a:t>
-            </a:r>
-            <a:r>
-              <a:rPr lang="en-US" altLang="ko-KR" dirty="0" smtClean="0"/>
-              <a:t>(notepad)</a:t>
-            </a:r>
-            <a:r>
-              <a:rPr lang="ko-KR" altLang="en-US" dirty="0" smtClean="0"/>
-              <a:t>으로</a:t>
-            </a:r>
-            <a:r>
-              <a:rPr lang="ko-KR" altLang="en-US" dirty="0"/>
-              <a:t>도</a:t>
-            </a:r>
-            <a:r>
-              <a:rPr lang="ko-KR" altLang="en-US" dirty="0" smtClean="0"/>
-              <a:t> 충분함</a:t>
-            </a:r>
-            <a:endParaRPr lang="en-US" altLang="ko-KR" dirty="0" smtClean="0"/>
-          </a:p>
-          <a:p>
-            <a:endParaRPr lang="en-US" altLang="ko-KR" dirty="0" smtClean="0"/>
-          </a:p>
-          <a:p>
-            <a:r>
-              <a:rPr lang="ko-KR" altLang="en-US" dirty="0" smtClean="0"/>
-              <a:t>그러나 보다 편리한 개발 환경을 위하여</a:t>
-            </a:r>
-            <a:r>
-              <a:rPr lang="en-US" altLang="ko-KR" dirty="0" smtClean="0"/>
-              <a:t> </a:t>
-            </a:r>
+        <p:spPr>
+          <a:xfrm>
+            <a:off x="838200" y="365126"/>
+            <a:ext cx="10515600" cy="1014788"/>
+          </a:xfrm>
+        </p:spPr>
+        <p:txBody>
+          <a:bodyPr/>
+          <a:lstStyle/>
+          <a:p>
             <a:r>
               <a:rPr lang="en-US" altLang="ko-KR" dirty="0" err="1" smtClean="0"/>
               <a:t>Spyder</a:t>
             </a:r>
-            <a:r>
-              <a:rPr lang="en-US" altLang="ko-KR" dirty="0" smtClean="0"/>
-              <a:t>, Sublime text, VIM, Notepad++ </a:t>
-            </a:r>
-            <a:r>
-              <a:rPr lang="ko-KR" altLang="en-US" dirty="0" smtClean="0"/>
-              <a:t>등의 프로그램을 활용</a:t>
+            <a:endParaRPr lang="ko-KR" altLang="en-US" dirty="0"/>
+          </a:p>
+        </p:txBody>
+      </p:sp>
+      <p:sp>
+        <p:nvSpPr>
+          <p:cNvPr id="6" name="내용 개체 틀 5"/>
+          <p:cNvSpPr>
+            <a:spLocks noGrp="1"/>
+          </p:cNvSpPr>
+          <p:nvPr>
+            <p:ph idx="1"/>
+          </p:nvPr>
+        </p:nvSpPr>
+        <p:spPr>
+          <a:xfrm>
+            <a:off x="838200" y="1737360"/>
+            <a:ext cx="10515600" cy="4439603"/>
+          </a:xfrm>
+        </p:spPr>
+        <p:txBody>
+          <a:bodyPr/>
+          <a:lstStyle/>
+          <a:p>
+            <a:r>
+              <a:rPr lang="en-US" altLang="ko-KR" dirty="0"/>
+              <a:t>"Scientific Python Development </a:t>
+            </a:r>
+            <a:r>
+              <a:rPr lang="en-US" altLang="ko-KR" dirty="0" err="1" smtClean="0"/>
+              <a:t>EnviRonment</a:t>
+            </a:r>
+            <a:r>
+              <a:rPr lang="en-US" altLang="ko-KR" dirty="0" smtClean="0"/>
+              <a:t>"</a:t>
+            </a:r>
+            <a:endParaRPr lang="en-US" altLang="ko-KR" spc="-150" dirty="0" smtClean="0"/>
+          </a:p>
+          <a:p>
+            <a:r>
+              <a:rPr lang="en-US" altLang="ko-KR" spc="-150" dirty="0" err="1" smtClean="0"/>
+              <a:t>Spyder</a:t>
+            </a:r>
+            <a:r>
+              <a:rPr lang="ko-KR" altLang="en-US" spc="-150" dirty="0" smtClean="0"/>
+              <a:t>는 </a:t>
+            </a:r>
+            <a:r>
+              <a:rPr lang="en-US" altLang="ko-KR" spc="-150" dirty="0" smtClean="0"/>
+              <a:t>Python </a:t>
+            </a:r>
+            <a:r>
+              <a:rPr lang="ko-KR" altLang="en-US" spc="-150" dirty="0" smtClean="0"/>
+              <a:t>개발 환경으로 </a:t>
+            </a:r>
+            <a:r>
+              <a:rPr lang="en-US" altLang="ko-KR" spc="-150" dirty="0" smtClean="0"/>
+              <a:t>Anaconda</a:t>
+            </a:r>
+            <a:r>
+              <a:rPr lang="ko-KR" altLang="en-US" spc="-150" dirty="0" smtClean="0"/>
+              <a:t>를 설치하면 같이 설치 됨</a:t>
+            </a:r>
+            <a:endParaRPr lang="en-US" altLang="ko-KR" spc="-150" dirty="0" smtClean="0"/>
+          </a:p>
+          <a:p>
+            <a:pPr lvl="1"/>
+            <a:r>
+              <a:rPr lang="ko-KR" altLang="en-US" dirty="0" smtClean="0"/>
+              <a:t>개발 환경 </a:t>
+            </a:r>
+            <a:r>
+              <a:rPr lang="en-US" altLang="ko-KR" dirty="0" smtClean="0"/>
+              <a:t>– IDE (Interactive Development Environment)</a:t>
+            </a:r>
+          </a:p>
+          <a:p>
+            <a:pPr lvl="2"/>
+            <a:r>
+              <a:rPr lang="ko-KR" altLang="en-US" dirty="0" smtClean="0"/>
+              <a:t>텍스트 에디터</a:t>
+            </a:r>
+            <a:r>
+              <a:rPr lang="en-US" altLang="ko-KR" dirty="0" smtClean="0"/>
+              <a:t>(Editor)</a:t>
+            </a:r>
+          </a:p>
+          <a:p>
+            <a:pPr lvl="3"/>
+            <a:r>
+              <a:rPr lang="ko-KR" altLang="en-US" dirty="0" smtClean="0"/>
+              <a:t>프로그램 소스 코드를 작성하는 곳</a:t>
+            </a:r>
+            <a:endParaRPr lang="en-US" altLang="ko-KR" dirty="0"/>
+          </a:p>
+          <a:p>
+            <a:pPr lvl="2"/>
+            <a:r>
+              <a:rPr lang="ko-KR" altLang="en-US" dirty="0" smtClean="0"/>
+              <a:t>명령어 콘솔 </a:t>
+            </a:r>
+            <a:r>
+              <a:rPr lang="en-US" altLang="ko-KR" dirty="0" smtClean="0"/>
+              <a:t>:</a:t>
+            </a:r>
+            <a:r>
+              <a:rPr lang="ko-KR" altLang="en-US" dirty="0" smtClean="0"/>
+              <a:t> </a:t>
+            </a:r>
+            <a:r>
+              <a:rPr lang="en-US" altLang="ko-KR" dirty="0" err="1" smtClean="0"/>
+              <a:t>Ipython</a:t>
+            </a:r>
+            <a:r>
+              <a:rPr lang="en-US" altLang="ko-KR" dirty="0" smtClean="0"/>
+              <a:t> (enhanced interactive Python interpreter)</a:t>
+            </a:r>
+          </a:p>
+          <a:p>
+            <a:pPr lvl="3"/>
+            <a:r>
+              <a:rPr lang="en-US" altLang="ko-KR" dirty="0" smtClean="0"/>
+              <a:t>Python</a:t>
+            </a:r>
+            <a:r>
+              <a:rPr lang="ko-KR" altLang="en-US" dirty="0" smtClean="0"/>
+              <a:t>의 기본 </a:t>
+            </a:r>
+            <a:r>
+              <a:rPr lang="en-US" altLang="ko-KR" dirty="0" smtClean="0"/>
+              <a:t>interpreter</a:t>
+            </a:r>
+            <a:r>
+              <a:rPr lang="ko-KR" altLang="en-US" dirty="0" smtClean="0"/>
+              <a:t>보다 확장된 기능을 제공</a:t>
             </a:r>
             <a:endParaRPr lang="en-US" altLang="ko-KR" dirty="0" smtClean="0"/>
           </a:p>
           <a:p>
-            <a:pPr lvl="1"/>
-            <a:r>
-              <a:rPr lang="ko-KR" altLang="en-US" dirty="0" smtClean="0"/>
-              <a:t>어떤 에디터를 활용하는가는 개인 취향의 문제</a:t>
-            </a:r>
-            <a:endParaRPr lang="ko-KR" altLang="en-US" dirty="0"/>
+            <a:pPr lvl="3"/>
+            <a:r>
+              <a:rPr lang="ko-KR" altLang="en-US" dirty="0" smtClean="0"/>
+              <a:t>에디터를 이용하지 않고도 콘솔에서 직접 프로그램을 작성하여 실행할 수 있음</a:t>
+            </a:r>
+            <a:endParaRPr lang="en-US" altLang="ko-KR" dirty="0" smtClean="0"/>
+          </a:p>
+          <a:p>
+            <a:pPr lvl="2"/>
+            <a:r>
+              <a:rPr lang="en-US" altLang="ko-KR" dirty="0" smtClean="0"/>
+              <a:t>Python library</a:t>
+            </a:r>
+            <a:r>
+              <a:rPr lang="ko-KR" altLang="en-US" dirty="0" smtClean="0"/>
+              <a:t>인 </a:t>
+            </a:r>
+            <a:r>
+              <a:rPr lang="en-US" altLang="ko-KR" dirty="0" err="1"/>
+              <a:t>N</a:t>
+            </a:r>
+            <a:r>
+              <a:rPr lang="en-US" altLang="ko-KR" dirty="0" err="1" smtClean="0"/>
+              <a:t>umPy</a:t>
+            </a:r>
+            <a:r>
+              <a:rPr lang="en-US" altLang="ko-KR" dirty="0" smtClean="0"/>
+              <a:t>, </a:t>
+            </a:r>
+            <a:r>
+              <a:rPr lang="en-US" altLang="ko-KR" dirty="0" err="1" smtClean="0"/>
+              <a:t>SciPy</a:t>
+            </a:r>
+            <a:r>
+              <a:rPr lang="en-US" altLang="ko-KR" dirty="0" smtClean="0"/>
+              <a:t>, </a:t>
+            </a:r>
+            <a:r>
+              <a:rPr lang="en-US" altLang="ko-KR" dirty="0" err="1" smtClean="0"/>
+              <a:t>matplotlib</a:t>
+            </a:r>
+            <a:r>
+              <a:rPr lang="ko-KR" altLang="en-US" dirty="0"/>
+              <a:t> </a:t>
+            </a:r>
+            <a:r>
+              <a:rPr lang="ko-KR" altLang="en-US" dirty="0" smtClean="0"/>
+              <a:t>등 지원</a:t>
+            </a:r>
+            <a:endParaRPr lang="en-US" altLang="ko-KR" dirty="0" smtClean="0"/>
+          </a:p>
+          <a:p>
+            <a:pPr lvl="2"/>
+            <a:r>
+              <a:rPr lang="ko-KR" altLang="en-US" dirty="0" smtClean="0"/>
+              <a:t>변수 탐색기 제공</a:t>
+            </a:r>
+            <a:endParaRPr lang="en-US" altLang="ko-KR" dirty="0" smtClean="0"/>
           </a:p>
         </p:txBody>
       </p:sp>
     </p:spTree>
     <p:extLst>
       <p:ext uri="{BB962C8B-B14F-4D97-AF65-F5344CB8AC3E}">
-        <p14:creationId xmlns:p14="http://schemas.microsoft.com/office/powerpoint/2010/main" val="2885023970"/>
+        <p14:creationId xmlns:p14="http://schemas.microsoft.com/office/powerpoint/2010/main" val="3054661546"/>
       </p:ext>
     </p:extLst>
   </p:cSld>
@@ -5614,69 +6064,50 @@
           <a:lstStyle/>
           <a:p>
             <a:r>
-              <a:rPr lang="ko-KR" altLang="en-US" dirty="0" smtClean="0"/>
-              <a:t>프로그래밍</a:t>
-            </a:r>
-            <a:endParaRPr lang="ko-KR" altLang="en-US" dirty="0"/>
-          </a:p>
-        </p:txBody>
-      </p:sp>
-      <p:sp>
-        <p:nvSpPr>
-          <p:cNvPr id="3" name="내용 개체 틀 2"/>
-          <p:cNvSpPr>
-            <a:spLocks noGrp="1"/>
-          </p:cNvSpPr>
+              <a:rPr lang="en-US" altLang="ko-KR" dirty="0" err="1"/>
+              <a:t>Spyder</a:t>
+            </a:r>
+            <a:r>
+              <a:rPr lang="en-US" altLang="ko-KR" dirty="0"/>
+              <a:t> </a:t>
+            </a:r>
+            <a:r>
+              <a:rPr lang="ko-KR" altLang="en-US" dirty="0"/>
+              <a:t>화면</a:t>
+            </a:r>
+          </a:p>
+        </p:txBody>
+      </p:sp>
+      <p:pic>
+        <p:nvPicPr>
+          <p:cNvPr id="4" name="내용 개체 틀 3"/>
+          <p:cNvPicPr>
+            <a:picLocks noGrp="1" noChangeAspect="1"/>
+          </p:cNvPicPr>
           <p:nvPr>
             <p:ph idx="1"/>
           </p:nvPr>
-        </p:nvSpPr>
-        <p:spPr/>
-        <p:txBody>
-          <a:bodyPr/>
-          <a:lstStyle/>
-          <a:p>
-            <a:r>
-              <a:rPr lang="ko-KR" altLang="en-US" dirty="0" smtClean="0"/>
-              <a:t>프로그래밍을 익힐 때 중요한 것은 언어 그 자체가 아니라</a:t>
-            </a:r>
-            <a:endParaRPr lang="en-US" altLang="ko-KR" dirty="0" smtClean="0"/>
-          </a:p>
-          <a:p>
-            <a:r>
-              <a:rPr lang="ko-KR" altLang="en-US" dirty="0" smtClean="0"/>
-              <a:t>해결하고자 하는 문제를 프로그래밍 언어로 논리적으로 변환할 수 있는 능력</a:t>
-            </a:r>
-            <a:endParaRPr lang="en-US" altLang="ko-KR" dirty="0" smtClean="0"/>
-          </a:p>
-          <a:p>
-            <a:r>
-              <a:rPr lang="ko-KR" altLang="en-US" dirty="0" smtClean="0"/>
-              <a:t>본 과목에서는 </a:t>
-            </a:r>
-            <a:r>
-              <a:rPr lang="en-US" altLang="ko-KR" dirty="0" smtClean="0"/>
-              <a:t>Python</a:t>
-            </a:r>
-            <a:r>
-              <a:rPr lang="ko-KR" altLang="en-US" dirty="0" smtClean="0"/>
-              <a:t> 자체의 특징에 대해 배우는 것이 아니라</a:t>
-            </a:r>
-            <a:endParaRPr lang="en-US" altLang="ko-KR" dirty="0" smtClean="0"/>
-          </a:p>
-          <a:p>
-            <a:r>
-              <a:rPr lang="ko-KR" altLang="en-US" dirty="0" smtClean="0"/>
-              <a:t>프로그래밍 언어를 통하여 통계적 분석에 필요한 논리적 사고 과정을 습득하고자 함</a:t>
-            </a:r>
-            <a:endParaRPr lang="en-US" altLang="ko-KR" dirty="0" smtClean="0"/>
-          </a:p>
-        </p:txBody>
-      </p:sp>
+        </p:nvPicPr>
+        <p:blipFill>
+          <a:blip r:embed="rId2"/>
+          <a:stretch>
+            <a:fillRect/>
+          </a:stretch>
+        </p:blipFill>
+        <p:spPr>
+          <a:xfrm>
+            <a:off x="2824332" y="1883290"/>
+            <a:ext cx="6164395" cy="4351338"/>
+          </a:xfrm>
+          <a:prstGeom prst="rect">
+            <a:avLst/>
+          </a:prstGeom>
+        </p:spPr>
+      </p:pic>
     </p:spTree>
     <p:extLst>
       <p:ext uri="{BB962C8B-B14F-4D97-AF65-F5344CB8AC3E}">
-        <p14:creationId xmlns:p14="http://schemas.microsoft.com/office/powerpoint/2010/main" val="1949158132"/>
+        <p14:creationId xmlns:p14="http://schemas.microsoft.com/office/powerpoint/2010/main" val="309435385"/>
       </p:ext>
     </p:extLst>
   </p:cSld>
@@ -5719,8 +6150,20 @@
           <a:lstStyle/>
           <a:p>
             <a:r>
-              <a:rPr lang="ko-KR" altLang="en-US" dirty="0" smtClean="0"/>
-              <a:t>목표</a:t>
+              <a:rPr lang="en-US" altLang="ko-KR" dirty="0" err="1" smtClean="0"/>
+              <a:t>Spyder</a:t>
+            </a:r>
+            <a:r>
+              <a:rPr lang="en-US" altLang="ko-KR" dirty="0" smtClean="0"/>
+              <a:t> : </a:t>
+            </a:r>
+            <a:r>
+              <a:rPr lang="en-US" altLang="ko-KR" dirty="0" err="1" smtClean="0"/>
+              <a:t>IPython</a:t>
+            </a:r>
+            <a:r>
+              <a:rPr lang="en-US" altLang="ko-KR" dirty="0" smtClean="0"/>
+              <a:t> console</a:t>
             </a:r>
             <a:endParaRPr lang="ko-KR" altLang="en-US" dirty="0"/>
           </a:p>
@@ -5733,56 +6176,481 @@
             <a:spLocks noGrp="1"/>
           </p:cNvSpPr>
           <p:nvPr>
-            <p:ph idx="1"/>
-          </p:nvPr>
-        </p:nvSpPr>
-        <p:spPr/>
-        <p:txBody>
-          <a:bodyPr/>
-          <a:lstStyle/>
-          <a:p>
-            <a:r>
-              <a:rPr lang="ko-KR" altLang="en-US" dirty="0" smtClean="0"/>
-              <a:t>프로그래밍적인 사고를 익힌다</a:t>
+            <p:ph sz="half" idx="1"/>
+          </p:nvPr>
+        </p:nvSpPr>
+        <p:spPr>
+          <a:xfrm>
+            <a:off x="838199" y="1825625"/>
+            <a:ext cx="6327046" cy="4351338"/>
+          </a:xfrm>
+        </p:spPr>
+        <p:txBody>
+          <a:bodyPr>
+            <a:normAutofit lnSpcReduction="10000"/>
+          </a:bodyPr>
+          <a:lstStyle/>
+          <a:p>
+            <a:r>
+              <a:rPr lang="en-US" altLang="ko-KR" dirty="0" err="1" smtClean="0"/>
+              <a:t>Spyder</a:t>
+            </a:r>
+            <a:r>
+              <a:rPr lang="en-US" altLang="ko-KR" dirty="0" smtClean="0"/>
+              <a:t> </a:t>
+            </a:r>
+            <a:r>
+              <a:rPr lang="ko-KR" altLang="en-US" dirty="0" smtClean="0"/>
+              <a:t>환경의 우측 하단 부분이 </a:t>
+            </a:r>
+            <a:r>
+              <a:rPr lang="en-US" altLang="ko-KR" dirty="0" err="1" smtClean="0"/>
+              <a:t>Ipython</a:t>
+            </a:r>
+            <a:r>
+              <a:rPr lang="en-US" altLang="ko-KR" dirty="0" smtClean="0"/>
+              <a:t> console</a:t>
+            </a:r>
+            <a:r>
+              <a:rPr lang="ko-KR" altLang="en-US" dirty="0" smtClean="0"/>
+              <a:t>에 해당</a:t>
+            </a:r>
+            <a:endParaRPr lang="en-US" altLang="ko-KR" dirty="0" smtClean="0"/>
+          </a:p>
+          <a:p>
+            <a:endParaRPr lang="en-US" altLang="ko-KR" dirty="0" smtClean="0"/>
+          </a:p>
+          <a:p>
+            <a:r>
+              <a:rPr lang="ko-KR" altLang="en-US" dirty="0" smtClean="0"/>
+              <a:t>사칙연산 등</a:t>
+            </a:r>
+            <a:r>
+              <a:rPr lang="en-US" altLang="ko-KR" dirty="0" smtClean="0"/>
+              <a:t>, </a:t>
+            </a:r>
+            <a:r>
+              <a:rPr lang="ko-KR" altLang="en-US" dirty="0" smtClean="0"/>
+              <a:t>예를 들어 </a:t>
+            </a:r>
+            <a:r>
+              <a:rPr lang="en-US" altLang="ko-KR" dirty="0" smtClean="0"/>
+              <a:t>5*10/(4+1), </a:t>
+            </a:r>
+            <a:r>
+              <a:rPr lang="ko-KR" altLang="en-US" dirty="0" smtClean="0"/>
+              <a:t>과 같은 명령을 입력하면</a:t>
+            </a:r>
+            <a:r>
+              <a:rPr lang="en-US" altLang="ko-KR" dirty="0" smtClean="0"/>
+              <a:t>,</a:t>
+            </a:r>
+            <a:br>
+              <a:rPr lang="en-US" altLang="ko-KR" dirty="0" smtClean="0"/>
+            </a:br>
+            <a:r>
+              <a:rPr lang="en-US" altLang="ko-KR" dirty="0" smtClean="0"/>
+              <a:t>Python </a:t>
+            </a:r>
+            <a:r>
+              <a:rPr lang="ko-KR" altLang="en-US" dirty="0" smtClean="0"/>
+              <a:t>인터프리터가 이를 계산하여 결과를 출력</a:t>
+            </a:r>
+            <a:endParaRPr lang="en-US" altLang="ko-KR" dirty="0" smtClean="0"/>
+          </a:p>
+          <a:p>
+            <a:endParaRPr lang="en-US" altLang="ko-KR" dirty="0"/>
+          </a:p>
+          <a:p>
+            <a:r>
+              <a:rPr lang="en-US" altLang="ko-KR" dirty="0" smtClean="0"/>
+              <a:t>print(“Hello, world!”)</a:t>
+            </a:r>
+            <a:r>
+              <a:rPr lang="ko-KR" altLang="en-US" dirty="0" smtClean="0"/>
+              <a:t>와 같은 명령도 수행해 보자</a:t>
             </a:r>
             <a:r>
               <a:rPr lang="en-US" altLang="ko-KR" dirty="0" smtClean="0"/>
               <a:t>.</a:t>
             </a:r>
           </a:p>
-          <a:p>
-            <a:endParaRPr lang="en-US" altLang="ko-KR" dirty="0"/>
-          </a:p>
-          <a:p>
-            <a:r>
-              <a:rPr lang="ko-KR" altLang="en-US" dirty="0" smtClean="0"/>
-              <a:t>다른 사람의 코드를 이해할 수 있는 능력을 키운다</a:t>
-            </a:r>
-            <a:r>
-              <a:rPr lang="en-US" altLang="ko-KR" dirty="0" smtClean="0"/>
-              <a:t>.</a:t>
-            </a:r>
-          </a:p>
-          <a:p>
-            <a:endParaRPr lang="en-US" altLang="ko-KR" dirty="0"/>
-          </a:p>
-          <a:p>
-            <a:r>
-              <a:rPr lang="ko-KR" altLang="en-US" dirty="0" smtClean="0"/>
-              <a:t>좋은 코딩이란 어떤 것인가에 대해 고민한다</a:t>
-            </a:r>
-            <a:r>
-              <a:rPr lang="en-US" altLang="ko-KR" dirty="0" smtClean="0"/>
-              <a:t>.</a:t>
-            </a:r>
-            <a:endParaRPr lang="ko-KR" altLang="en-US" dirty="0"/>
-          </a:p>
-        </p:txBody>
-      </p:sp>
+        </p:txBody>
+      </p:sp>
+      <p:pic>
+        <p:nvPicPr>
+          <p:cNvPr id="9" name="내용 개체 틀 8"/>
+          <p:cNvPicPr>
+            <a:picLocks noGrp="1" noChangeAspect="1"/>
+          </p:cNvPicPr>
+          <p:nvPr>
+            <p:ph sz="half" idx="2"/>
+          </p:nvPr>
+        </p:nvPicPr>
+        <p:blipFill>
+          <a:blip r:embed="rId2"/>
+          <a:stretch>
+            <a:fillRect/>
+          </a:stretch>
+        </p:blipFill>
+        <p:spPr>
+          <a:xfrm>
+            <a:off x="7327685" y="2239169"/>
+            <a:ext cx="4600575" cy="3524250"/>
+          </a:xfrm>
+          <a:prstGeom prst="rect">
+            <a:avLst/>
+          </a:prstGeom>
+        </p:spPr>
+      </p:pic>
     </p:spTree>
     <p:extLst>
       <p:ext uri="{BB962C8B-B14F-4D97-AF65-F5344CB8AC3E}">
-        <p14:creationId xmlns:p14="http://schemas.microsoft.com/office/powerpoint/2010/main" val="2967454997"/>
+        <p14:creationId xmlns:p14="http://schemas.microsoft.com/office/powerpoint/2010/main" val="1822033993"/>
+      </p:ext>
+    </p:extLst>
+  </p:cSld>
+  <p:clrMapOvr>
+    <a:masterClrMapping/>
+  </p:clrMapOvr>
+</p:sld>
+</file>
+
+<file path=ppt/slides/slide27.xml><?xml version="1.0" encoding="utf-8"?>
+<p:sld xmlns:a="http://schemas.openxmlformats.org/drawingml/2006/main" xmlns:r="http://schemas.openxmlformats.org/officeDocument/2006/relationships" xmlns:p="http://schemas.openxmlformats.org/presentationml/2006/main">
+  <p:cSld>
+    <p:spTree>
+      <p:nvGrpSpPr>
+        <p:cNvPr id="1" name=""/>
+        <p:cNvGrpSpPr/>
+        <p:nvPr/>
+      </p:nvGrpSpPr>
+      <p:grpSpPr>
+        <a:xfrm>
+          <a:off x="0" y="0"/>
+          <a:ext cx="0" cy="0"/>
+          <a:chOff x="0" y="0"/>
+          <a:chExt cx="0" cy="0"/>
+        </a:xfrm>
+      </p:grpSpPr>
+      <p:sp>
+        <p:nvSpPr>
+          <p:cNvPr id="2" name="제목 1"/>
+          <p:cNvSpPr>
+            <a:spLocks noGrp="1"/>
+          </p:cNvSpPr>
+          <p:nvPr>
+            <p:ph type="title"/>
+          </p:nvPr>
+        </p:nvSpPr>
+        <p:spPr/>
+        <p:txBody>
+          <a:bodyPr/>
+          <a:lstStyle/>
+          <a:p>
+            <a:r>
+              <a:rPr lang="en-US" altLang="ko-KR" dirty="0" err="1" smtClean="0"/>
+              <a:t>Spyder</a:t>
+            </a:r>
+            <a:r>
+              <a:rPr lang="en-US" altLang="ko-KR" dirty="0" smtClean="0"/>
+              <a:t> : Editor</a:t>
+            </a:r>
+            <a:endParaRPr lang="ko-KR" altLang="en-US" dirty="0"/>
+          </a:p>
+        </p:txBody>
+      </p:sp>
+      <p:sp>
+        <p:nvSpPr>
+          <p:cNvPr id="3" name="내용 개체 틀 2"/>
+          <p:cNvSpPr>
+            <a:spLocks noGrp="1"/>
+          </p:cNvSpPr>
+          <p:nvPr>
+            <p:ph idx="1"/>
+          </p:nvPr>
+        </p:nvSpPr>
+        <p:spPr/>
+        <p:txBody>
+          <a:bodyPr/>
+          <a:lstStyle/>
+          <a:p>
+            <a:r>
+              <a:rPr lang="ko-KR" altLang="en-US" dirty="0" smtClean="0"/>
+              <a:t>작성하려는 프로그램의 길이가 길 때</a:t>
+            </a:r>
+            <a:endParaRPr lang="en-US" altLang="ko-KR" dirty="0"/>
+          </a:p>
+          <a:p>
+            <a:r>
+              <a:rPr lang="en-US" altLang="ko-KR" dirty="0" smtClean="0"/>
+              <a:t>Console</a:t>
+            </a:r>
+            <a:r>
+              <a:rPr lang="ko-KR" altLang="en-US" dirty="0" smtClean="0"/>
+              <a:t>에서 직접 작성하는 것보다</a:t>
+            </a:r>
+            <a:r>
+              <a:rPr lang="en-US" altLang="ko-KR" dirty="0" smtClean="0"/>
+              <a:t>, Editor</a:t>
+            </a:r>
+            <a:r>
+              <a:rPr lang="ko-KR" altLang="en-US" dirty="0" smtClean="0"/>
+              <a:t>를 이용하여 긴 길이의 프로그램 코드를 미리 만들어 두는 것이 편함</a:t>
+            </a:r>
+            <a:endParaRPr lang="en-US" altLang="ko-KR" dirty="0"/>
+          </a:p>
+          <a:p>
+            <a:r>
+              <a:rPr lang="en-US" altLang="ko-KR" dirty="0" smtClean="0"/>
+              <a:t>     </a:t>
+            </a:r>
+            <a:r>
+              <a:rPr lang="ko-KR" altLang="en-US" dirty="0" smtClean="0"/>
+              <a:t>버튼이나 메뉴의 </a:t>
+            </a:r>
+            <a:r>
+              <a:rPr lang="en-US" altLang="ko-KR" dirty="0" smtClean="0"/>
+              <a:t>Run </a:t>
+            </a:r>
+            <a:r>
+              <a:rPr lang="ko-KR" altLang="en-US" dirty="0" smtClean="0"/>
+              <a:t>항목 등을 이용하여 한꺼번에 실행</a:t>
+            </a:r>
+            <a:endParaRPr lang="ko-KR" altLang="en-US" dirty="0"/>
+          </a:p>
+        </p:txBody>
+      </p:sp>
+      <p:pic>
+        <p:nvPicPr>
+          <p:cNvPr id="4" name="그림 3"/>
+          <p:cNvPicPr>
+            <a:picLocks noChangeAspect="1"/>
+          </p:cNvPicPr>
+          <p:nvPr/>
+        </p:nvPicPr>
+        <p:blipFill>
+          <a:blip r:embed="rId2"/>
+          <a:stretch>
+            <a:fillRect/>
+          </a:stretch>
+        </p:blipFill>
+        <p:spPr>
+          <a:xfrm>
+            <a:off x="1248322" y="3363252"/>
+            <a:ext cx="345893" cy="286256"/>
+          </a:xfrm>
+          <a:prstGeom prst="rect">
+            <a:avLst/>
+          </a:prstGeom>
+        </p:spPr>
+      </p:pic>
+    </p:spTree>
+    <p:extLst>
+      <p:ext uri="{BB962C8B-B14F-4D97-AF65-F5344CB8AC3E}">
+        <p14:creationId xmlns:p14="http://schemas.microsoft.com/office/powerpoint/2010/main" val="1469900049"/>
+      </p:ext>
+    </p:extLst>
+  </p:cSld>
+  <p:clrMapOvr>
+    <a:masterClrMapping/>
+  </p:clrMapOvr>
+</p:sld>
+</file>
+
+<file path=ppt/slides/slide28.xml><?xml version="1.0" encoding="utf-8"?>
+<p:sld xmlns:a="http://schemas.openxmlformats.org/drawingml/2006/main" xmlns:r="http://schemas.openxmlformats.org/officeDocument/2006/relationships" xmlns:p="http://schemas.openxmlformats.org/presentationml/2006/main">
+  <p:cSld>
+    <p:spTree>
+      <p:nvGrpSpPr>
+        <p:cNvPr id="1" name=""/>
+        <p:cNvGrpSpPr/>
+        <p:nvPr/>
+      </p:nvGrpSpPr>
+      <p:grpSpPr>
+        <a:xfrm>
+          <a:off x="0" y="0"/>
+          <a:ext cx="0" cy="0"/>
+          <a:chOff x="0" y="0"/>
+          <a:chExt cx="0" cy="0"/>
+        </a:xfrm>
+      </p:grpSpPr>
+      <p:pic>
+        <p:nvPicPr>
+          <p:cNvPr id="6" name="내용 개체 틀 5"/>
+          <p:cNvPicPr>
+            <a:picLocks noGrp="1" noChangeAspect="1"/>
+          </p:cNvPicPr>
+          <p:nvPr>
+            <p:ph idx="1"/>
+          </p:nvPr>
+        </p:nvPicPr>
+        <p:blipFill>
+          <a:blip r:embed="rId2"/>
+          <a:stretch>
+            <a:fillRect/>
+          </a:stretch>
+        </p:blipFill>
+        <p:spPr>
+          <a:xfrm>
+            <a:off x="1006773" y="400478"/>
+            <a:ext cx="9908362" cy="6046549"/>
+          </a:xfrm>
+          <a:prstGeom prst="rect">
+            <a:avLst/>
+          </a:prstGeom>
+        </p:spPr>
+      </p:pic>
+    </p:spTree>
+    <p:extLst>
+      <p:ext uri="{BB962C8B-B14F-4D97-AF65-F5344CB8AC3E}">
+        <p14:creationId xmlns:p14="http://schemas.microsoft.com/office/powerpoint/2010/main" val="3920583554"/>
+      </p:ext>
+    </p:extLst>
+  </p:cSld>
+  <p:clrMapOvr>
+    <a:masterClrMapping/>
+  </p:clrMapOvr>
+</p:sld>
+</file>
+
+<file path=ppt/slides/slide29.xml><?xml version="1.0" encoding="utf-8"?>
+<p:sld xmlns:a="http://schemas.openxmlformats.org/drawingml/2006/main" xmlns:r="http://schemas.openxmlformats.org/officeDocument/2006/relationships" xmlns:p="http://schemas.openxmlformats.org/presentationml/2006/main">
+  <p:cSld>
+    <p:spTree>
+      <p:nvGrpSpPr>
+        <p:cNvPr id="1" name=""/>
+        <p:cNvGrpSpPr/>
+        <p:nvPr/>
+      </p:nvGrpSpPr>
+      <p:grpSpPr>
+        <a:xfrm>
+          <a:off x="0" y="0"/>
+          <a:ext cx="0" cy="0"/>
+          <a:chOff x="0" y="0"/>
+          <a:chExt cx="0" cy="0"/>
+        </a:xfrm>
+      </p:grpSpPr>
+      <p:sp>
+        <p:nvSpPr>
+          <p:cNvPr id="2" name="제목 1"/>
+          <p:cNvSpPr>
+            <a:spLocks noGrp="1"/>
+          </p:cNvSpPr>
+          <p:nvPr>
+            <p:ph type="title"/>
+          </p:nvPr>
+        </p:nvSpPr>
+        <p:spPr/>
+        <p:txBody>
+          <a:bodyPr/>
+          <a:lstStyle/>
+          <a:p>
+            <a:r>
+              <a:rPr lang="en-US" altLang="ko-KR" dirty="0" smtClean="0"/>
+              <a:t>Editor </a:t>
+            </a:r>
+            <a:r>
+              <a:rPr lang="ko-KR" altLang="en-US" dirty="0" smtClean="0"/>
+              <a:t>혹은 개발 환경 선택</a:t>
+            </a:r>
+            <a:endParaRPr lang="ko-KR" altLang="en-US" dirty="0"/>
+          </a:p>
+        </p:txBody>
+      </p:sp>
+      <p:sp>
+        <p:nvSpPr>
+          <p:cNvPr id="3" name="내용 개체 틀 2"/>
+          <p:cNvSpPr>
+            <a:spLocks noGrp="1"/>
+          </p:cNvSpPr>
+          <p:nvPr>
+            <p:ph idx="1"/>
+          </p:nvPr>
+        </p:nvSpPr>
+        <p:spPr/>
+        <p:txBody>
+          <a:bodyPr/>
+          <a:lstStyle/>
+          <a:p>
+            <a:r>
+              <a:rPr lang="ko-KR" altLang="en-US" dirty="0" smtClean="0"/>
+              <a:t>프로그램 코드는 사실 </a:t>
+            </a:r>
+            <a:r>
+              <a:rPr lang="en-US" altLang="ko-KR" dirty="0" smtClean="0"/>
+              <a:t>text </a:t>
+            </a:r>
+            <a:r>
+              <a:rPr lang="ko-KR" altLang="en-US" dirty="0" smtClean="0"/>
+              <a:t>파일이며</a:t>
+            </a:r>
+            <a:r>
+              <a:rPr lang="en-US" altLang="ko-KR" dirty="0" smtClean="0"/>
+              <a:t>, </a:t>
+            </a:r>
+            <a:r>
+              <a:rPr lang="ko-KR" altLang="en-US" dirty="0" smtClean="0"/>
+              <a:t>이를 작성하기 위해서는 윈도우의 기본 메모장</a:t>
+            </a:r>
+            <a:r>
+              <a:rPr lang="en-US" altLang="ko-KR" dirty="0" smtClean="0"/>
+              <a:t>(notepad)</a:t>
+            </a:r>
+            <a:r>
+              <a:rPr lang="ko-KR" altLang="en-US" dirty="0" smtClean="0"/>
+              <a:t>으로</a:t>
+            </a:r>
+            <a:r>
+              <a:rPr lang="ko-KR" altLang="en-US" dirty="0"/>
+              <a:t>도</a:t>
+            </a:r>
+            <a:r>
+              <a:rPr lang="ko-KR" altLang="en-US" dirty="0" smtClean="0"/>
+              <a:t> 충분함</a:t>
+            </a:r>
+            <a:endParaRPr lang="en-US" altLang="ko-KR" dirty="0" smtClean="0"/>
+          </a:p>
+          <a:p>
+            <a:endParaRPr lang="en-US" altLang="ko-KR" dirty="0" smtClean="0"/>
+          </a:p>
+          <a:p>
+            <a:r>
+              <a:rPr lang="ko-KR" altLang="en-US" dirty="0" smtClean="0"/>
+              <a:t>그러나 보다 편리한 개발 환경을 위하여</a:t>
+            </a:r>
+            <a:r>
+              <a:rPr lang="en-US" altLang="ko-KR" dirty="0" smtClean="0"/>
+              <a:t> </a:t>
+            </a:r>
+            <a:r>
+              <a:rPr lang="en-US" altLang="ko-KR" dirty="0" err="1" smtClean="0"/>
+              <a:t>Spyder</a:t>
+            </a:r>
+            <a:r>
+              <a:rPr lang="en-US" altLang="ko-KR" dirty="0" smtClean="0"/>
+              <a:t>, Sublime text, VIM, Notepad++ </a:t>
+            </a:r>
+            <a:r>
+              <a:rPr lang="ko-KR" altLang="en-US" dirty="0" smtClean="0"/>
+              <a:t>등의 프로그램을 활용</a:t>
+            </a:r>
+            <a:endParaRPr lang="en-US" altLang="ko-KR" dirty="0" smtClean="0"/>
+          </a:p>
+          <a:p>
+            <a:pPr lvl="1"/>
+            <a:r>
+              <a:rPr lang="ko-KR" altLang="en-US" dirty="0" smtClean="0"/>
+              <a:t>어떤 에디터를 활용하는가는 개인 취향의 문제</a:t>
+            </a:r>
+            <a:endParaRPr lang="ko-KR" altLang="en-US" dirty="0"/>
+          </a:p>
+        </p:txBody>
+      </p:sp>
+    </p:spTree>
+    <p:extLst>
+      <p:ext uri="{BB962C8B-B14F-4D97-AF65-F5344CB8AC3E}">
+        <p14:creationId xmlns:p14="http://schemas.microsoft.com/office/powerpoint/2010/main" val="2885023970"/>
       </p:ext>
     </p:extLst>
   </p:cSld>
@@ -6091,6 +6959,217 @@
     <p:extLst>
       <p:ext uri="{BB962C8B-B14F-4D97-AF65-F5344CB8AC3E}">
         <p14:creationId xmlns:p14="http://schemas.microsoft.com/office/powerpoint/2010/main" val="227527377"/>
+      </p:ext>
+    </p:extLst>
+  </p:cSld>
+  <p:clrMapOvr>
+    <a:masterClrMapping/>
+  </p:clrMapOvr>
+</p:sld>
+</file>
+
+<file path=ppt/slides/slide30.xml><?xml version="1.0" encoding="utf-8"?>
+<p:sld xmlns:a="http://schemas.openxmlformats.org/drawingml/2006/main" xmlns:r="http://schemas.openxmlformats.org/officeDocument/2006/relationships" xmlns:p="http://schemas.openxmlformats.org/presentationml/2006/main">
+  <p:cSld>
+    <p:spTree>
+      <p:nvGrpSpPr>
+        <p:cNvPr id="1" name=""/>
+        <p:cNvGrpSpPr/>
+        <p:nvPr/>
+      </p:nvGrpSpPr>
+      <p:grpSpPr>
+        <a:xfrm>
+          <a:off x="0" y="0"/>
+          <a:ext cx="0" cy="0"/>
+          <a:chOff x="0" y="0"/>
+          <a:chExt cx="0" cy="0"/>
+        </a:xfrm>
+      </p:grpSpPr>
+      <p:sp>
+        <p:nvSpPr>
+          <p:cNvPr id="2" name="제목 1"/>
+          <p:cNvSpPr>
+            <a:spLocks noGrp="1"/>
+          </p:cNvSpPr>
+          <p:nvPr>
+            <p:ph type="title"/>
+          </p:nvPr>
+        </p:nvSpPr>
+        <p:spPr/>
+        <p:txBody>
+          <a:bodyPr/>
+          <a:lstStyle/>
+          <a:p>
+            <a:r>
+              <a:rPr lang="ko-KR" altLang="en-US" dirty="0" smtClean="0"/>
+              <a:t>프로그래밍</a:t>
+            </a:r>
+            <a:endParaRPr lang="ko-KR" altLang="en-US" dirty="0"/>
+          </a:p>
+        </p:txBody>
+      </p:sp>
+      <p:sp>
+        <p:nvSpPr>
+          <p:cNvPr id="3" name="내용 개체 틀 2"/>
+          <p:cNvSpPr>
+            <a:spLocks noGrp="1"/>
+          </p:cNvSpPr>
+          <p:nvPr>
+            <p:ph idx="1"/>
+          </p:nvPr>
+        </p:nvSpPr>
+        <p:spPr/>
+        <p:txBody>
+          <a:bodyPr/>
+          <a:lstStyle/>
+          <a:p>
+            <a:r>
+              <a:rPr lang="ko-KR" altLang="en-US" dirty="0" smtClean="0"/>
+              <a:t>프로그래밍을 익힐 때 중요한 것은 언어 그 자체가 아니라</a:t>
+            </a:r>
+            <a:endParaRPr lang="en-US" altLang="ko-KR" dirty="0" smtClean="0"/>
+          </a:p>
+          <a:p>
+            <a:r>
+              <a:rPr lang="ko-KR" altLang="en-US" dirty="0" smtClean="0"/>
+              <a:t>해결하고자 하는 문제를 프로그래밍 언어로 논리적으로 변환할 수 있는 능력</a:t>
+            </a:r>
+            <a:endParaRPr lang="en-US" altLang="ko-KR" dirty="0" smtClean="0"/>
+          </a:p>
+          <a:p>
+            <a:r>
+              <a:rPr lang="ko-KR" altLang="en-US" dirty="0" smtClean="0"/>
+              <a:t>본 과목에서는 </a:t>
+            </a:r>
+            <a:r>
+              <a:rPr lang="en-US" altLang="ko-KR" dirty="0" smtClean="0"/>
+              <a:t>Python</a:t>
+            </a:r>
+            <a:r>
+              <a:rPr lang="ko-KR" altLang="en-US" dirty="0" smtClean="0"/>
+              <a:t> 자체의 특징에 대해 배우는 것이 아니라</a:t>
+            </a:r>
+            <a:endParaRPr lang="en-US" altLang="ko-KR" dirty="0" smtClean="0"/>
+          </a:p>
+          <a:p>
+            <a:r>
+              <a:rPr lang="ko-KR" altLang="en-US" dirty="0" smtClean="0"/>
+              <a:t>프로그래밍 언어를 통하여 통계적 분석에 필요한 논리적 사고 과정을 습득하고자 함</a:t>
+            </a:r>
+            <a:endParaRPr lang="en-US" altLang="ko-KR" dirty="0" smtClean="0"/>
+          </a:p>
+        </p:txBody>
+      </p:sp>
+    </p:spTree>
+    <p:extLst>
+      <p:ext uri="{BB962C8B-B14F-4D97-AF65-F5344CB8AC3E}">
+        <p14:creationId xmlns:p14="http://schemas.microsoft.com/office/powerpoint/2010/main" val="1949158132"/>
+      </p:ext>
+    </p:extLst>
+  </p:cSld>
+  <p:clrMapOvr>
+    <a:masterClrMapping/>
+  </p:clrMapOvr>
+</p:sld>
+</file>
+
+<file path=ppt/slides/slide31.xml><?xml version="1.0" encoding="utf-8"?>
+<p:sld xmlns:a="http://schemas.openxmlformats.org/drawingml/2006/main" xmlns:r="http://schemas.openxmlformats.org/officeDocument/2006/relationships" xmlns:p="http://schemas.openxmlformats.org/presentationml/2006/main">
+  <p:cSld>
+    <p:spTree>
+      <p:nvGrpSpPr>
+        <p:cNvPr id="1" name=""/>
+        <p:cNvGrpSpPr/>
+        <p:nvPr/>
+      </p:nvGrpSpPr>
+      <p:grpSpPr>
+        <a:xfrm>
+          <a:off x="0" y="0"/>
+          <a:ext cx="0" cy="0"/>
+          <a:chOff x="0" y="0"/>
+          <a:chExt cx="0" cy="0"/>
+        </a:xfrm>
+      </p:grpSpPr>
+      <p:sp>
+        <p:nvSpPr>
+          <p:cNvPr id="2" name="제목 1"/>
+          <p:cNvSpPr>
+            <a:spLocks noGrp="1"/>
+          </p:cNvSpPr>
+          <p:nvPr>
+            <p:ph type="title"/>
+          </p:nvPr>
+        </p:nvSpPr>
+        <p:spPr/>
+        <p:txBody>
+          <a:bodyPr/>
+          <a:lstStyle/>
+          <a:p>
+            <a:r>
+              <a:rPr lang="ko-KR" altLang="en-US" dirty="0" smtClean="0"/>
+              <a:t>목표</a:t>
+            </a:r>
+            <a:endParaRPr lang="ko-KR" altLang="en-US" dirty="0"/>
+          </a:p>
+        </p:txBody>
+      </p:sp>
+      <p:sp>
+        <p:nvSpPr>
+          <p:cNvPr id="3" name="내용 개체 틀 2"/>
+          <p:cNvSpPr>
+            <a:spLocks noGrp="1"/>
+          </p:cNvSpPr>
+          <p:nvPr>
+            <p:ph idx="1"/>
+          </p:nvPr>
+        </p:nvSpPr>
+        <p:spPr/>
+        <p:txBody>
+          <a:bodyPr/>
+          <a:lstStyle/>
+          <a:p>
+            <a:r>
+              <a:rPr lang="ko-KR" altLang="en-US" dirty="0" smtClean="0"/>
+              <a:t>프로그래밍적인 사고를 익힌다</a:t>
+            </a:r>
+            <a:r>
+              <a:rPr lang="en-US" altLang="ko-KR" dirty="0" smtClean="0"/>
+              <a:t>.</a:t>
+            </a:r>
+          </a:p>
+          <a:p>
+            <a:endParaRPr lang="en-US" altLang="ko-KR" dirty="0"/>
+          </a:p>
+          <a:p>
+            <a:r>
+              <a:rPr lang="ko-KR" altLang="en-US" dirty="0" smtClean="0"/>
+              <a:t>다른 사람의 코드를 이해할 수 있는 능력을 키운다</a:t>
+            </a:r>
+            <a:r>
+              <a:rPr lang="en-US" altLang="ko-KR" dirty="0" smtClean="0"/>
+              <a:t>.</a:t>
+            </a:r>
+          </a:p>
+          <a:p>
+            <a:endParaRPr lang="en-US" altLang="ko-KR" dirty="0"/>
+          </a:p>
+          <a:p>
+            <a:r>
+              <a:rPr lang="ko-KR" altLang="en-US" dirty="0" smtClean="0"/>
+              <a:t>좋은 코딩이란 어떤 것인가에 대해 고민한다</a:t>
+            </a:r>
+            <a:r>
+              <a:rPr lang="en-US" altLang="ko-KR" dirty="0" smtClean="0"/>
+              <a:t>.</a:t>
+            </a:r>
+            <a:endParaRPr lang="ko-KR" altLang="en-US" dirty="0"/>
+          </a:p>
+        </p:txBody>
+      </p:sp>
+    </p:spTree>
+    <p:extLst>
+      <p:ext uri="{BB962C8B-B14F-4D97-AF65-F5344CB8AC3E}">
+        <p14:creationId xmlns:p14="http://schemas.microsoft.com/office/powerpoint/2010/main" val="2967454997"/>
       </p:ext>
     </p:extLst>
   </p:cSld>

--- a/ppt/Python_1_소개.pptx
+++ b/ppt/Python_1_소개.pptx
@@ -5190,13 +5190,13 @@
         </p:nvSpPr>
         <p:spPr>
           <a:xfrm>
-            <a:off x="838200" y="548640"/>
-            <a:ext cx="10515600" cy="5628323"/>
+            <a:off x="838200" y="289250"/>
+            <a:ext cx="10515600" cy="5887714"/>
           </a:xfrm>
         </p:spPr>
         <p:txBody>
           <a:bodyPr>
-            <a:normAutofit/>
+            <a:normAutofit lnSpcReduction="10000"/>
           </a:bodyPr>
           <a:lstStyle/>
           <a:p>
@@ -5282,9 +5282,9 @@
             <a:endParaRPr lang="en-US" altLang="ko-KR" sz="2000" dirty="0"/>
           </a:p>
           <a:p>
-            <a:endParaRPr lang="en-US" altLang="ko-KR" sz="2000" dirty="0" smtClean="0"/>
-          </a:p>
-          <a:p>
+            <a:pPr marL="0" indent="0">
+              <a:buNone/>
+            </a:pPr>
             <a:endParaRPr lang="en-US" altLang="ko-KR" sz="2000" dirty="0"/>
           </a:p>
           <a:p>
@@ -5317,6 +5317,43 @@
             <a:r>
               <a:rPr lang="ko-KR" altLang="en-US" sz="2000" dirty="0" smtClean="0"/>
               <a:t>확인</a:t>
+            </a:r>
+            <a:endParaRPr lang="en-US" altLang="ko-KR" sz="2000" dirty="0" smtClean="0"/>
+          </a:p>
+          <a:p>
+            <a:endParaRPr lang="en-US" altLang="ko-KR" sz="2000" dirty="0"/>
+          </a:p>
+          <a:p>
+            <a:endParaRPr lang="en-US" altLang="ko-KR" sz="2000" dirty="0" smtClean="0"/>
+          </a:p>
+          <a:p>
+            <a:endParaRPr lang="en-US" altLang="ko-KR" sz="2000" dirty="0"/>
+          </a:p>
+          <a:p>
+            <a:endParaRPr lang="en-US" altLang="ko-KR" sz="2000" dirty="0" smtClean="0"/>
+          </a:p>
+          <a:p>
+            <a:endParaRPr lang="en-US" altLang="ko-KR" sz="2000" dirty="0"/>
+          </a:p>
+          <a:p>
+            <a:endParaRPr lang="en-US" altLang="ko-KR" sz="2000" dirty="0" smtClean="0"/>
+          </a:p>
+          <a:p>
+            <a:r>
+              <a:rPr lang="ko-KR" altLang="en-US" sz="1600" dirty="0" err="1" smtClean="0"/>
+              <a:t>마크다운</a:t>
+            </a:r>
+            <a:r>
+              <a:rPr lang="ko-KR" altLang="en-US" sz="1600" dirty="0" smtClean="0"/>
+              <a:t> 문서 더 살펴보기 </a:t>
+            </a:r>
+            <a:r>
+              <a:rPr lang="en-US" altLang="ko-KR" sz="1600" smtClean="0"/>
+              <a:t>: https</a:t>
+            </a:r>
+            <a:r>
+              <a:rPr lang="en-US" altLang="ko-KR" sz="1600" dirty="0"/>
+              <a:t>://gist.github.com/ihoneymon/652be052a0727ad59601</a:t>
             </a:r>
             <a:endParaRPr lang="ko-KR" altLang="en-US" sz="1600" dirty="0"/>
           </a:p>
@@ -5338,8 +5375,8 @@
         </p:blipFill>
         <p:spPr>
           <a:xfrm>
-            <a:off x="1229245" y="1757017"/>
-            <a:ext cx="6376901" cy="1531972"/>
+            <a:off x="1715125" y="1365849"/>
+            <a:ext cx="5508148" cy="1323265"/>
           </a:xfrm>
           <a:prstGeom prst="rect">
             <a:avLst/>
@@ -5362,8 +5399,8 @@
         </p:blipFill>
         <p:spPr>
           <a:xfrm>
-            <a:off x="1122218" y="4571579"/>
-            <a:ext cx="6226232" cy="1933409"/>
+            <a:off x="1715125" y="3685171"/>
+            <a:ext cx="5508148" cy="1710425"/>
           </a:xfrm>
           <a:prstGeom prst="rect">
             <a:avLst/>
